--- a/Blinduino.pptx
+++ b/Blinduino.pptx
@@ -11,9 +11,9 @@
     <p:sldId id="261" r:id="rId5"/>
     <p:sldId id="259" r:id="rId6"/>
     <p:sldId id="262" r:id="rId7"/>
-    <p:sldId id="260" r:id="rId8"/>
-    <p:sldId id="263" r:id="rId9"/>
-    <p:sldId id="264" r:id="rId10"/>
+    <p:sldId id="264" r:id="rId8"/>
+    <p:sldId id="265" r:id="rId9"/>
+    <p:sldId id="266" r:id="rId10"/>
   </p:sldIdLst>
   <p:sldSz cx="12192000" cy="6858000"/>
   <p:notesSz cx="6858000" cy="9144000"/>
@@ -267,7 +267,7 @@
           <a:p>
             <a:fld id="{AEDD2DC0-888E-420C-B03A-0DB9478EE249}" type="datetimeFigureOut">
               <a:rPr lang="it-IT" smtClean="0"/>
-              <a:t>09/12/2019</a:t>
+              <a:t>06/03/2020</a:t>
             </a:fld>
             <a:endParaRPr lang="it-IT"/>
           </a:p>
@@ -321,7 +321,7 @@
           <a:p>
             <a:fld id="{A3732D2D-55CD-48EF-AC11-8051D1AA0DF7}" type="slidenum">
               <a:rPr lang="it-IT" smtClean="0"/>
-              <a:t>‹N›</a:t>
+              <a:t>‹#›</a:t>
             </a:fld>
             <a:endParaRPr lang="it-IT"/>
           </a:p>
@@ -465,7 +465,7 @@
           <a:p>
             <a:fld id="{AEDD2DC0-888E-420C-B03A-0DB9478EE249}" type="datetimeFigureOut">
               <a:rPr lang="it-IT" smtClean="0"/>
-              <a:t>09/12/2019</a:t>
+              <a:t>06/03/2020</a:t>
             </a:fld>
             <a:endParaRPr lang="it-IT"/>
           </a:p>
@@ -519,7 +519,7 @@
           <a:p>
             <a:fld id="{A3732D2D-55CD-48EF-AC11-8051D1AA0DF7}" type="slidenum">
               <a:rPr lang="it-IT" smtClean="0"/>
-              <a:t>‹N›</a:t>
+              <a:t>‹#›</a:t>
             </a:fld>
             <a:endParaRPr lang="it-IT"/>
           </a:p>
@@ -673,7 +673,7 @@
           <a:p>
             <a:fld id="{AEDD2DC0-888E-420C-B03A-0DB9478EE249}" type="datetimeFigureOut">
               <a:rPr lang="it-IT" smtClean="0"/>
-              <a:t>09/12/2019</a:t>
+              <a:t>06/03/2020</a:t>
             </a:fld>
             <a:endParaRPr lang="it-IT"/>
           </a:p>
@@ -727,7 +727,7 @@
           <a:p>
             <a:fld id="{A3732D2D-55CD-48EF-AC11-8051D1AA0DF7}" type="slidenum">
               <a:rPr lang="it-IT" smtClean="0"/>
-              <a:t>‹N›</a:t>
+              <a:t>‹#›</a:t>
             </a:fld>
             <a:endParaRPr lang="it-IT"/>
           </a:p>
@@ -871,7 +871,7 @@
           <a:p>
             <a:fld id="{AEDD2DC0-888E-420C-B03A-0DB9478EE249}" type="datetimeFigureOut">
               <a:rPr lang="it-IT" smtClean="0"/>
-              <a:t>09/12/2019</a:t>
+              <a:t>06/03/2020</a:t>
             </a:fld>
             <a:endParaRPr lang="it-IT"/>
           </a:p>
@@ -925,7 +925,7 @@
           <a:p>
             <a:fld id="{A3732D2D-55CD-48EF-AC11-8051D1AA0DF7}" type="slidenum">
               <a:rPr lang="it-IT" smtClean="0"/>
-              <a:t>‹N›</a:t>
+              <a:t>‹#›</a:t>
             </a:fld>
             <a:endParaRPr lang="it-IT"/>
           </a:p>
@@ -1146,7 +1146,7 @@
           <a:p>
             <a:fld id="{AEDD2DC0-888E-420C-B03A-0DB9478EE249}" type="datetimeFigureOut">
               <a:rPr lang="it-IT" smtClean="0"/>
-              <a:t>09/12/2019</a:t>
+              <a:t>06/03/2020</a:t>
             </a:fld>
             <a:endParaRPr lang="it-IT"/>
           </a:p>
@@ -1200,7 +1200,7 @@
           <a:p>
             <a:fld id="{A3732D2D-55CD-48EF-AC11-8051D1AA0DF7}" type="slidenum">
               <a:rPr lang="it-IT" smtClean="0"/>
-              <a:t>‹N›</a:t>
+              <a:t>‹#›</a:t>
             </a:fld>
             <a:endParaRPr lang="it-IT"/>
           </a:p>
@@ -1411,7 +1411,7 @@
           <a:p>
             <a:fld id="{AEDD2DC0-888E-420C-B03A-0DB9478EE249}" type="datetimeFigureOut">
               <a:rPr lang="it-IT" smtClean="0"/>
-              <a:t>09/12/2019</a:t>
+              <a:t>06/03/2020</a:t>
             </a:fld>
             <a:endParaRPr lang="it-IT"/>
           </a:p>
@@ -1465,7 +1465,7 @@
           <a:p>
             <a:fld id="{A3732D2D-55CD-48EF-AC11-8051D1AA0DF7}" type="slidenum">
               <a:rPr lang="it-IT" smtClean="0"/>
-              <a:t>‹N›</a:t>
+              <a:t>‹#›</a:t>
             </a:fld>
             <a:endParaRPr lang="it-IT"/>
           </a:p>
@@ -1823,7 +1823,7 @@
           <a:p>
             <a:fld id="{AEDD2DC0-888E-420C-B03A-0DB9478EE249}" type="datetimeFigureOut">
               <a:rPr lang="it-IT" smtClean="0"/>
-              <a:t>09/12/2019</a:t>
+              <a:t>06/03/2020</a:t>
             </a:fld>
             <a:endParaRPr lang="it-IT"/>
           </a:p>
@@ -1877,7 +1877,7 @@
           <a:p>
             <a:fld id="{A3732D2D-55CD-48EF-AC11-8051D1AA0DF7}" type="slidenum">
               <a:rPr lang="it-IT" smtClean="0"/>
-              <a:t>‹N›</a:t>
+              <a:t>‹#›</a:t>
             </a:fld>
             <a:endParaRPr lang="it-IT"/>
           </a:p>
@@ -1964,7 +1964,7 @@
           <a:p>
             <a:fld id="{AEDD2DC0-888E-420C-B03A-0DB9478EE249}" type="datetimeFigureOut">
               <a:rPr lang="it-IT" smtClean="0"/>
-              <a:t>09/12/2019</a:t>
+              <a:t>06/03/2020</a:t>
             </a:fld>
             <a:endParaRPr lang="it-IT"/>
           </a:p>
@@ -2018,7 +2018,7 @@
           <a:p>
             <a:fld id="{A3732D2D-55CD-48EF-AC11-8051D1AA0DF7}" type="slidenum">
               <a:rPr lang="it-IT" smtClean="0"/>
-              <a:t>‹N›</a:t>
+              <a:t>‹#›</a:t>
             </a:fld>
             <a:endParaRPr lang="it-IT"/>
           </a:p>
@@ -2077,7 +2077,7 @@
           <a:p>
             <a:fld id="{AEDD2DC0-888E-420C-B03A-0DB9478EE249}" type="datetimeFigureOut">
               <a:rPr lang="it-IT" smtClean="0"/>
-              <a:t>09/12/2019</a:t>
+              <a:t>06/03/2020</a:t>
             </a:fld>
             <a:endParaRPr lang="it-IT"/>
           </a:p>
@@ -2131,7 +2131,7 @@
           <a:p>
             <a:fld id="{A3732D2D-55CD-48EF-AC11-8051D1AA0DF7}" type="slidenum">
               <a:rPr lang="it-IT" smtClean="0"/>
-              <a:t>‹N›</a:t>
+              <a:t>‹#›</a:t>
             </a:fld>
             <a:endParaRPr lang="it-IT"/>
           </a:p>
@@ -2388,7 +2388,7 @@
           <a:p>
             <a:fld id="{AEDD2DC0-888E-420C-B03A-0DB9478EE249}" type="datetimeFigureOut">
               <a:rPr lang="it-IT" smtClean="0"/>
-              <a:t>09/12/2019</a:t>
+              <a:t>06/03/2020</a:t>
             </a:fld>
             <a:endParaRPr lang="it-IT"/>
           </a:p>
@@ -2442,7 +2442,7 @@
           <a:p>
             <a:fld id="{A3732D2D-55CD-48EF-AC11-8051D1AA0DF7}" type="slidenum">
               <a:rPr lang="it-IT" smtClean="0"/>
-              <a:t>‹N›</a:t>
+              <a:t>‹#›</a:t>
             </a:fld>
             <a:endParaRPr lang="it-IT"/>
           </a:p>
@@ -2676,7 +2676,7 @@
           <a:p>
             <a:fld id="{AEDD2DC0-888E-420C-B03A-0DB9478EE249}" type="datetimeFigureOut">
               <a:rPr lang="it-IT" smtClean="0"/>
-              <a:t>09/12/2019</a:t>
+              <a:t>06/03/2020</a:t>
             </a:fld>
             <a:endParaRPr lang="it-IT"/>
           </a:p>
@@ -2730,7 +2730,7 @@
           <a:p>
             <a:fld id="{A3732D2D-55CD-48EF-AC11-8051D1AA0DF7}" type="slidenum">
               <a:rPr lang="it-IT" smtClean="0"/>
-              <a:t>‹N›</a:t>
+              <a:t>‹#›</a:t>
             </a:fld>
             <a:endParaRPr lang="it-IT"/>
           </a:p>
@@ -2917,7 +2917,7 @@
           <a:p>
             <a:fld id="{AEDD2DC0-888E-420C-B03A-0DB9478EE249}" type="datetimeFigureOut">
               <a:rPr lang="it-IT" smtClean="0"/>
-              <a:t>09/12/2019</a:t>
+              <a:t>06/03/2020</a:t>
             </a:fld>
             <a:endParaRPr lang="it-IT"/>
           </a:p>
@@ -3007,7 +3007,7 @@
           <a:p>
             <a:fld id="{A3732D2D-55CD-48EF-AC11-8051D1AA0DF7}" type="slidenum">
               <a:rPr lang="it-IT" smtClean="0"/>
-              <a:t>‹N›</a:t>
+              <a:t>‹#›</a:t>
             </a:fld>
             <a:endParaRPr lang="it-IT"/>
           </a:p>
@@ -3320,6 +3320,14 @@
 <file path=ppt/slides/slide1.xml><?xml version="1.0" encoding="utf-8"?>
 <p:sld xmlns:a="http://schemas.openxmlformats.org/drawingml/2006/main" xmlns:r="http://schemas.openxmlformats.org/officeDocument/2006/relationships" xmlns:p="http://schemas.openxmlformats.org/presentationml/2006/main">
   <p:cSld>
+    <p:bg>
+      <p:bgPr>
+        <a:solidFill>
+          <a:schemeClr val="bg1"/>
+        </a:solidFill>
+        <a:effectLst/>
+      </p:bgPr>
+    </p:bg>
     <p:spTree>
       <p:nvGrpSpPr>
         <p:cNvPr id="1" name=""/>
@@ -3336,6 +3344,1043 @@
       </p:grpSpPr>
       <p:sp>
         <p:nvSpPr>
+          <p:cNvPr id="8" name="Rectangle 7">
+            <a:extLst>
+              <a:ext uri="{FF2B5EF4-FFF2-40B4-BE49-F238E27FC236}">
+                <a16:creationId xmlns:a16="http://schemas.microsoft.com/office/drawing/2014/main" id="{88294908-8B00-4F58-BBBA-20F71A40AA9E}"/>
+              </a:ext>
+              <a:ext uri="{C183D7F6-B498-43B3-948B-1728B52AA6E4}">
+                <adec:decorative xmlns:adec="http://schemas.microsoft.com/office/drawing/2017/decorative" val="1"/>
+              </a:ext>
+            </a:extLst>
+          </p:cNvPr>
+          <p:cNvSpPr>
+            <a:spLocks noGrp="1" noRot="1" noChangeAspect="1" noMove="1" noResize="1" noEditPoints="1" noAdjustHandles="1" noChangeArrowheads="1" noChangeShapeType="1" noTextEdit="1"/>
+          </p:cNvSpPr>
+          <p:nvPr>
+            <p:extLst>
+              <p:ext uri="{386F3935-93C4-4BCD-93E2-E3B085C9AB24}">
+                <p16:designElem xmlns:p16="http://schemas.microsoft.com/office/powerpoint/2015/main" val="1"/>
+              </p:ext>
+            </p:extLst>
+          </p:nvPr>
+        </p:nvSpPr>
+        <p:spPr>
+          <a:xfrm>
+            <a:off x="0" y="0"/>
+            <a:ext cx="12192000" cy="6858000"/>
+          </a:xfrm>
+          <a:prstGeom prst="rect">
+            <a:avLst/>
+          </a:prstGeom>
+          <a:solidFill>
+            <a:schemeClr val="bg2"/>
+          </a:solidFill>
+          <a:ln>
+            <a:noFill/>
+          </a:ln>
+        </p:spPr>
+        <p:style>
+          <a:lnRef idx="2">
+            <a:schemeClr val="accent1">
+              <a:shade val="50000"/>
+            </a:schemeClr>
+          </a:lnRef>
+          <a:fillRef idx="1">
+            <a:schemeClr val="accent1"/>
+          </a:fillRef>
+          <a:effectRef idx="0">
+            <a:schemeClr val="accent1"/>
+          </a:effectRef>
+          <a:fontRef idx="minor">
+            <a:schemeClr val="lt1"/>
+          </a:fontRef>
+        </p:style>
+        <p:txBody>
+          <a:bodyPr rtlCol="0" anchor="ctr"/>
+          <a:lstStyle/>
+          <a:p>
+            <a:pPr algn="ctr"/>
+            <a:endParaRPr lang="en-US" dirty="0"/>
+          </a:p>
+        </p:txBody>
+      </p:sp>
+      <p:sp>
+        <p:nvSpPr>
+          <p:cNvPr id="10" name="Freeform: Shape 9">
+            <a:extLst>
+              <a:ext uri="{FF2B5EF4-FFF2-40B4-BE49-F238E27FC236}">
+                <a16:creationId xmlns:a16="http://schemas.microsoft.com/office/drawing/2014/main" id="{4364C879-1404-4203-8E9D-CC5DE0A621A2}"/>
+              </a:ext>
+              <a:ext uri="{C183D7F6-B498-43B3-948B-1728B52AA6E4}">
+                <adec:decorative xmlns:adec="http://schemas.microsoft.com/office/drawing/2017/decorative" val="1"/>
+              </a:ext>
+            </a:extLst>
+          </p:cNvPr>
+          <p:cNvSpPr>
+            <a:spLocks noGrp="1" noRot="1" noChangeAspect="1" noMove="1" noResize="1" noEditPoints="1" noAdjustHandles="1" noChangeArrowheads="1" noChangeShapeType="1" noTextEdit="1"/>
+          </p:cNvSpPr>
+          <p:nvPr>
+            <p:extLst>
+              <p:ext uri="{386F3935-93C4-4BCD-93E2-E3B085C9AB24}">
+                <p16:designElem xmlns:p16="http://schemas.microsoft.com/office/powerpoint/2015/main" val="1"/>
+              </p:ext>
+            </p:extLst>
+          </p:nvPr>
+        </p:nvSpPr>
+        <p:spPr>
+          <a:xfrm rot="2700000">
+            <a:off x="82782" y="-1386168"/>
+            <a:ext cx="2424873" cy="3611191"/>
+          </a:xfrm>
+          <a:custGeom>
+            <a:avLst/>
+            <a:gdLst>
+              <a:gd name="connsiteX0" fmla="*/ 0 w 2424873"/>
+              <a:gd name="connsiteY0" fmla="*/ 2424874 h 3611191"/>
+              <a:gd name="connsiteX1" fmla="*/ 2424873 w 2424873"/>
+              <a:gd name="connsiteY1" fmla="*/ 0 h 3611191"/>
+              <a:gd name="connsiteX2" fmla="*/ 2424873 w 2424873"/>
+              <a:gd name="connsiteY2" fmla="*/ 3611191 h 3611191"/>
+              <a:gd name="connsiteX3" fmla="*/ 1186317 w 2424873"/>
+              <a:gd name="connsiteY3" fmla="*/ 3611191 h 3611191"/>
+            </a:gdLst>
+            <a:ahLst/>
+            <a:cxnLst>
+              <a:cxn ang="0">
+                <a:pos x="connsiteX0" y="connsiteY0"/>
+              </a:cxn>
+              <a:cxn ang="0">
+                <a:pos x="connsiteX1" y="connsiteY1"/>
+              </a:cxn>
+              <a:cxn ang="0">
+                <a:pos x="connsiteX2" y="connsiteY2"/>
+              </a:cxn>
+              <a:cxn ang="0">
+                <a:pos x="connsiteX3" y="connsiteY3"/>
+              </a:cxn>
+            </a:cxnLst>
+            <a:rect l="l" t="t" r="r" b="b"/>
+            <a:pathLst>
+              <a:path w="2424873" h="3611191">
+                <a:moveTo>
+                  <a:pt x="0" y="2424874"/>
+                </a:moveTo>
+                <a:lnTo>
+                  <a:pt x="2424873" y="0"/>
+                </a:lnTo>
+                <a:lnTo>
+                  <a:pt x="2424873" y="3611191"/>
+                </a:lnTo>
+                <a:lnTo>
+                  <a:pt x="1186317" y="3611191"/>
+                </a:lnTo>
+                <a:close/>
+              </a:path>
+            </a:pathLst>
+          </a:custGeom>
+          <a:solidFill>
+            <a:schemeClr val="accent4">
+              <a:alpha val="40000"/>
+            </a:schemeClr>
+          </a:solidFill>
+          <a:ln>
+            <a:noFill/>
+          </a:ln>
+        </p:spPr>
+        <p:style>
+          <a:lnRef idx="2">
+            <a:schemeClr val="accent1">
+              <a:shade val="50000"/>
+            </a:schemeClr>
+          </a:lnRef>
+          <a:fillRef idx="1">
+            <a:schemeClr val="accent1"/>
+          </a:fillRef>
+          <a:effectRef idx="0">
+            <a:schemeClr val="accent1"/>
+          </a:effectRef>
+          <a:fontRef idx="minor">
+            <a:schemeClr val="lt1"/>
+          </a:fontRef>
+        </p:style>
+        <p:txBody>
+          <a:bodyPr wrap="square" rtlCol="0" anchor="ctr">
+            <a:noAutofit/>
+          </a:bodyPr>
+          <a:lstStyle/>
+          <a:p>
+            <a:pPr algn="ctr"/>
+            <a:endParaRPr lang="en-US"/>
+          </a:p>
+        </p:txBody>
+      </p:sp>
+      <p:sp>
+        <p:nvSpPr>
+          <p:cNvPr id="12" name="Freeform: Shape 11">
+            <a:extLst>
+              <a:ext uri="{FF2B5EF4-FFF2-40B4-BE49-F238E27FC236}">
+                <a16:creationId xmlns:a16="http://schemas.microsoft.com/office/drawing/2014/main" id="{84617302-4B0D-4351-A6BB-6F0930D943AC}"/>
+              </a:ext>
+              <a:ext uri="{C183D7F6-B498-43B3-948B-1728B52AA6E4}">
+                <adec:decorative xmlns:adec="http://schemas.microsoft.com/office/drawing/2017/decorative" val="1"/>
+              </a:ext>
+            </a:extLst>
+          </p:cNvPr>
+          <p:cNvSpPr>
+            <a:spLocks noGrp="1" noRot="1" noChangeAspect="1" noMove="1" noResize="1" noEditPoints="1" noAdjustHandles="1" noChangeArrowheads="1" noChangeShapeType="1" noTextEdit="1"/>
+          </p:cNvSpPr>
+          <p:nvPr>
+            <p:extLst>
+              <p:ext uri="{386F3935-93C4-4BCD-93E2-E3B085C9AB24}">
+                <p16:designElem xmlns:p16="http://schemas.microsoft.com/office/powerpoint/2015/main" val="1"/>
+              </p:ext>
+            </p:extLst>
+          </p:nvPr>
+        </p:nvSpPr>
+        <p:spPr>
+          <a:xfrm rot="2700000">
+            <a:off x="1571000" y="-338582"/>
+            <a:ext cx="1635955" cy="1635955"/>
+          </a:xfrm>
+          <a:custGeom>
+            <a:avLst/>
+            <a:gdLst>
+              <a:gd name="connsiteX0" fmla="*/ 0 w 1635955"/>
+              <a:gd name="connsiteY0" fmla="*/ 957987 h 1635955"/>
+              <a:gd name="connsiteX1" fmla="*/ 957987 w 1635955"/>
+              <a:gd name="connsiteY1" fmla="*/ 0 h 1635955"/>
+              <a:gd name="connsiteX2" fmla="*/ 1635955 w 1635955"/>
+              <a:gd name="connsiteY2" fmla="*/ 0 h 1635955"/>
+              <a:gd name="connsiteX3" fmla="*/ 1635955 w 1635955"/>
+              <a:gd name="connsiteY3" fmla="*/ 1635955 h 1635955"/>
+              <a:gd name="connsiteX4" fmla="*/ 0 w 1635955"/>
+              <a:gd name="connsiteY4" fmla="*/ 1635955 h 1635955"/>
+            </a:gdLst>
+            <a:ahLst/>
+            <a:cxnLst>
+              <a:cxn ang="0">
+                <a:pos x="connsiteX0" y="connsiteY0"/>
+              </a:cxn>
+              <a:cxn ang="0">
+                <a:pos x="connsiteX1" y="connsiteY1"/>
+              </a:cxn>
+              <a:cxn ang="0">
+                <a:pos x="connsiteX2" y="connsiteY2"/>
+              </a:cxn>
+              <a:cxn ang="0">
+                <a:pos x="connsiteX3" y="connsiteY3"/>
+              </a:cxn>
+              <a:cxn ang="0">
+                <a:pos x="connsiteX4" y="connsiteY4"/>
+              </a:cxn>
+            </a:cxnLst>
+            <a:rect l="l" t="t" r="r" b="b"/>
+            <a:pathLst>
+              <a:path w="1635955" h="1635955">
+                <a:moveTo>
+                  <a:pt x="0" y="957987"/>
+                </a:moveTo>
+                <a:lnTo>
+                  <a:pt x="957987" y="0"/>
+                </a:lnTo>
+                <a:lnTo>
+                  <a:pt x="1635955" y="0"/>
+                </a:lnTo>
+                <a:lnTo>
+                  <a:pt x="1635955" y="1635955"/>
+                </a:lnTo>
+                <a:lnTo>
+                  <a:pt x="0" y="1635955"/>
+                </a:lnTo>
+                <a:close/>
+              </a:path>
+            </a:pathLst>
+          </a:custGeom>
+          <a:solidFill>
+            <a:schemeClr val="accent4">
+              <a:alpha val="40000"/>
+            </a:schemeClr>
+          </a:solidFill>
+          <a:ln>
+            <a:noFill/>
+          </a:ln>
+        </p:spPr>
+        <p:style>
+          <a:lnRef idx="2">
+            <a:schemeClr val="accent1">
+              <a:shade val="50000"/>
+            </a:schemeClr>
+          </a:lnRef>
+          <a:fillRef idx="1">
+            <a:schemeClr val="accent1"/>
+          </a:fillRef>
+          <a:effectRef idx="0">
+            <a:schemeClr val="accent1"/>
+          </a:effectRef>
+          <a:fontRef idx="minor">
+            <a:schemeClr val="lt1"/>
+          </a:fontRef>
+        </p:style>
+        <p:txBody>
+          <a:bodyPr wrap="square" rtlCol="0" anchor="ctr">
+            <a:noAutofit/>
+          </a:bodyPr>
+          <a:lstStyle/>
+          <a:p>
+            <a:pPr algn="ctr"/>
+            <a:endParaRPr lang="en-US"/>
+          </a:p>
+        </p:txBody>
+      </p:sp>
+      <p:sp>
+        <p:nvSpPr>
+          <p:cNvPr id="14" name="Freeform: Shape 13">
+            <a:extLst>
+              <a:ext uri="{FF2B5EF4-FFF2-40B4-BE49-F238E27FC236}">
+                <a16:creationId xmlns:a16="http://schemas.microsoft.com/office/drawing/2014/main" id="{DA2C7802-C2E0-4218-8F89-8DD7CCD2CD1C}"/>
+              </a:ext>
+              <a:ext uri="{C183D7F6-B498-43B3-948B-1728B52AA6E4}">
+                <adec:decorative xmlns:adec="http://schemas.microsoft.com/office/drawing/2017/decorative" val="1"/>
+              </a:ext>
+            </a:extLst>
+          </p:cNvPr>
+          <p:cNvSpPr>
+            <a:spLocks noGrp="1" noRot="1" noChangeAspect="1" noMove="1" noResize="1" noEditPoints="1" noAdjustHandles="1" noChangeArrowheads="1" noChangeShapeType="1" noTextEdit="1"/>
+          </p:cNvSpPr>
+          <p:nvPr>
+            <p:extLst>
+              <p:ext uri="{386F3935-93C4-4BCD-93E2-E3B085C9AB24}">
+                <p16:designElem xmlns:p16="http://schemas.microsoft.com/office/powerpoint/2015/main" val="1"/>
+              </p:ext>
+            </p:extLst>
+          </p:nvPr>
+        </p:nvSpPr>
+        <p:spPr>
+          <a:xfrm rot="2700000">
+            <a:off x="9627985" y="-6588"/>
+            <a:ext cx="4059393" cy="2548110"/>
+          </a:xfrm>
+          <a:custGeom>
+            <a:avLst/>
+            <a:gdLst>
+              <a:gd name="connsiteX0" fmla="*/ 0 w 4059393"/>
+              <a:gd name="connsiteY0" fmla="*/ 1511282 h 2548110"/>
+              <a:gd name="connsiteX1" fmla="*/ 1511282 w 4059393"/>
+              <a:gd name="connsiteY1" fmla="*/ 0 h 2548110"/>
+              <a:gd name="connsiteX2" fmla="*/ 4059393 w 4059393"/>
+              <a:gd name="connsiteY2" fmla="*/ 2548110 h 2548110"/>
+              <a:gd name="connsiteX3" fmla="*/ 0 w 4059393"/>
+              <a:gd name="connsiteY3" fmla="*/ 2548110 h 2548110"/>
+            </a:gdLst>
+            <a:ahLst/>
+            <a:cxnLst>
+              <a:cxn ang="0">
+                <a:pos x="connsiteX0" y="connsiteY0"/>
+              </a:cxn>
+              <a:cxn ang="0">
+                <a:pos x="connsiteX1" y="connsiteY1"/>
+              </a:cxn>
+              <a:cxn ang="0">
+                <a:pos x="connsiteX2" y="connsiteY2"/>
+              </a:cxn>
+              <a:cxn ang="0">
+                <a:pos x="connsiteX3" y="connsiteY3"/>
+              </a:cxn>
+            </a:cxnLst>
+            <a:rect l="l" t="t" r="r" b="b"/>
+            <a:pathLst>
+              <a:path w="4059393" h="2548110">
+                <a:moveTo>
+                  <a:pt x="0" y="1511282"/>
+                </a:moveTo>
+                <a:lnTo>
+                  <a:pt x="1511282" y="0"/>
+                </a:lnTo>
+                <a:lnTo>
+                  <a:pt x="4059393" y="2548110"/>
+                </a:lnTo>
+                <a:lnTo>
+                  <a:pt x="0" y="2548110"/>
+                </a:lnTo>
+                <a:close/>
+              </a:path>
+            </a:pathLst>
+          </a:custGeom>
+          <a:solidFill>
+            <a:schemeClr val="accent1">
+              <a:alpha val="30000"/>
+            </a:schemeClr>
+          </a:solidFill>
+          <a:ln>
+            <a:noFill/>
+          </a:ln>
+        </p:spPr>
+        <p:style>
+          <a:lnRef idx="2">
+            <a:schemeClr val="accent1">
+              <a:shade val="50000"/>
+            </a:schemeClr>
+          </a:lnRef>
+          <a:fillRef idx="1">
+            <a:schemeClr val="accent1"/>
+          </a:fillRef>
+          <a:effectRef idx="0">
+            <a:schemeClr val="accent1"/>
+          </a:effectRef>
+          <a:fontRef idx="minor">
+            <a:schemeClr val="lt1"/>
+          </a:fontRef>
+        </p:style>
+        <p:txBody>
+          <a:bodyPr wrap="square" rtlCol="0" anchor="ctr">
+            <a:noAutofit/>
+          </a:bodyPr>
+          <a:lstStyle/>
+          <a:p>
+            <a:pPr algn="ctr"/>
+            <a:endParaRPr lang="en-US"/>
+          </a:p>
+        </p:txBody>
+      </p:sp>
+      <p:sp>
+        <p:nvSpPr>
+          <p:cNvPr id="16" name="Rectangle 15">
+            <a:extLst>
+              <a:ext uri="{FF2B5EF4-FFF2-40B4-BE49-F238E27FC236}">
+                <a16:creationId xmlns:a16="http://schemas.microsoft.com/office/drawing/2014/main" id="{A6D7111A-21E5-4EE9-8A78-10E5530F0116}"/>
+              </a:ext>
+              <a:ext uri="{C183D7F6-B498-43B3-948B-1728B52AA6E4}">
+                <adec:decorative xmlns:adec="http://schemas.microsoft.com/office/drawing/2017/decorative" val="1"/>
+              </a:ext>
+            </a:extLst>
+          </p:cNvPr>
+          <p:cNvSpPr>
+            <a:spLocks noGrp="1" noRot="1" noChangeAspect="1" noMove="1" noResize="1" noEditPoints="1" noAdjustHandles="1" noChangeArrowheads="1" noChangeShapeType="1" noTextEdit="1"/>
+          </p:cNvSpPr>
+          <p:nvPr>
+            <p:extLst>
+              <p:ext uri="{386F3935-93C4-4BCD-93E2-E3B085C9AB24}">
+                <p16:designElem xmlns:p16="http://schemas.microsoft.com/office/powerpoint/2015/main" val="1"/>
+              </p:ext>
+            </p:extLst>
+          </p:nvPr>
+        </p:nvSpPr>
+        <p:spPr>
+          <a:xfrm rot="2700000">
+            <a:off x="10262924" y="1465780"/>
+            <a:ext cx="1185708" cy="1185708"/>
+          </a:xfrm>
+          <a:prstGeom prst="rect">
+            <a:avLst/>
+          </a:prstGeom>
+          <a:solidFill>
+            <a:schemeClr val="accent1">
+              <a:alpha val="30000"/>
+            </a:schemeClr>
+          </a:solidFill>
+          <a:ln>
+            <a:noFill/>
+          </a:ln>
+        </p:spPr>
+        <p:style>
+          <a:lnRef idx="2">
+            <a:schemeClr val="accent1">
+              <a:shade val="50000"/>
+            </a:schemeClr>
+          </a:lnRef>
+          <a:fillRef idx="1">
+            <a:schemeClr val="accent1"/>
+          </a:fillRef>
+          <a:effectRef idx="0">
+            <a:schemeClr val="accent1"/>
+          </a:effectRef>
+          <a:fontRef idx="minor">
+            <a:schemeClr val="lt1"/>
+          </a:fontRef>
+        </p:style>
+        <p:txBody>
+          <a:bodyPr wrap="square" rtlCol="0" anchor="ctr">
+            <a:noAutofit/>
+          </a:bodyPr>
+          <a:lstStyle/>
+          <a:p>
+            <a:pPr algn="ctr"/>
+            <a:endParaRPr lang="en-US"/>
+          </a:p>
+        </p:txBody>
+      </p:sp>
+      <p:sp>
+        <p:nvSpPr>
+          <p:cNvPr id="18" name="Freeform: Shape 17">
+            <a:extLst>
+              <a:ext uri="{FF2B5EF4-FFF2-40B4-BE49-F238E27FC236}">
+                <a16:creationId xmlns:a16="http://schemas.microsoft.com/office/drawing/2014/main" id="{A3969E80-A77B-49FC-9122-D89AFD5EE118}"/>
+              </a:ext>
+              <a:ext uri="{C183D7F6-B498-43B3-948B-1728B52AA6E4}">
+                <adec:decorative xmlns:adec="http://schemas.microsoft.com/office/drawing/2017/decorative" val="1"/>
+              </a:ext>
+            </a:extLst>
+          </p:cNvPr>
+          <p:cNvSpPr>
+            <a:spLocks noGrp="1" noRot="1" noChangeAspect="1" noMove="1" noResize="1" noEditPoints="1" noAdjustHandles="1" noChangeArrowheads="1" noChangeShapeType="1" noTextEdit="1"/>
+          </p:cNvSpPr>
+          <p:nvPr>
+            <p:extLst>
+              <p:ext uri="{386F3935-93C4-4BCD-93E2-E3B085C9AB24}">
+                <p16:designElem xmlns:p16="http://schemas.microsoft.com/office/powerpoint/2015/main" val="1"/>
+              </p:ext>
+            </p:extLst>
+          </p:nvPr>
+        </p:nvSpPr>
+        <p:spPr>
+          <a:xfrm rot="2700000">
+            <a:off x="-29557" y="5198743"/>
+            <a:ext cx="2444907" cy="2366116"/>
+          </a:xfrm>
+          <a:custGeom>
+            <a:avLst/>
+            <a:gdLst>
+              <a:gd name="connsiteX0" fmla="*/ 0 w 2203753"/>
+              <a:gd name="connsiteY0" fmla="*/ 0 h 2132734"/>
+              <a:gd name="connsiteX1" fmla="*/ 2203753 w 2203753"/>
+              <a:gd name="connsiteY1" fmla="*/ 0 h 2132734"/>
+              <a:gd name="connsiteX2" fmla="*/ 2203753 w 2203753"/>
+              <a:gd name="connsiteY2" fmla="*/ 576461 h 2132734"/>
+              <a:gd name="connsiteX3" fmla="*/ 647480 w 2203753"/>
+              <a:gd name="connsiteY3" fmla="*/ 2132734 h 2132734"/>
+              <a:gd name="connsiteX4" fmla="*/ 0 w 2203753"/>
+              <a:gd name="connsiteY4" fmla="*/ 1485255 h 2132734"/>
+            </a:gdLst>
+            <a:ahLst/>
+            <a:cxnLst>
+              <a:cxn ang="0">
+                <a:pos x="connsiteX0" y="connsiteY0"/>
+              </a:cxn>
+              <a:cxn ang="0">
+                <a:pos x="connsiteX1" y="connsiteY1"/>
+              </a:cxn>
+              <a:cxn ang="0">
+                <a:pos x="connsiteX2" y="connsiteY2"/>
+              </a:cxn>
+              <a:cxn ang="0">
+                <a:pos x="connsiteX3" y="connsiteY3"/>
+              </a:cxn>
+              <a:cxn ang="0">
+                <a:pos x="connsiteX4" y="connsiteY4"/>
+              </a:cxn>
+            </a:cxnLst>
+            <a:rect l="l" t="t" r="r" b="b"/>
+            <a:pathLst>
+              <a:path w="2203753" h="2132734">
+                <a:moveTo>
+                  <a:pt x="0" y="0"/>
+                </a:moveTo>
+                <a:lnTo>
+                  <a:pt x="2203753" y="0"/>
+                </a:lnTo>
+                <a:lnTo>
+                  <a:pt x="2203753" y="576461"/>
+                </a:lnTo>
+                <a:lnTo>
+                  <a:pt x="647480" y="2132734"/>
+                </a:lnTo>
+                <a:lnTo>
+                  <a:pt x="0" y="1485255"/>
+                </a:lnTo>
+                <a:close/>
+              </a:path>
+            </a:pathLst>
+          </a:custGeom>
+          <a:solidFill>
+            <a:schemeClr val="accent1">
+              <a:alpha val="30000"/>
+            </a:schemeClr>
+          </a:solidFill>
+          <a:ln>
+            <a:noFill/>
+          </a:ln>
+        </p:spPr>
+        <p:style>
+          <a:lnRef idx="2">
+            <a:schemeClr val="accent1">
+              <a:shade val="50000"/>
+            </a:schemeClr>
+          </a:lnRef>
+          <a:fillRef idx="1">
+            <a:schemeClr val="accent1"/>
+          </a:fillRef>
+          <a:effectRef idx="0">
+            <a:schemeClr val="accent1"/>
+          </a:effectRef>
+          <a:fontRef idx="minor">
+            <a:schemeClr val="lt1"/>
+          </a:fontRef>
+        </p:style>
+        <p:txBody>
+          <a:bodyPr wrap="square" rtlCol="0" anchor="ctr">
+            <a:noAutofit/>
+          </a:bodyPr>
+          <a:lstStyle/>
+          <a:p>
+            <a:pPr algn="ctr"/>
+            <a:endParaRPr lang="en-US"/>
+          </a:p>
+        </p:txBody>
+      </p:sp>
+      <p:sp>
+        <p:nvSpPr>
+          <p:cNvPr id="20" name="Rectangle 19">
+            <a:extLst>
+              <a:ext uri="{FF2B5EF4-FFF2-40B4-BE49-F238E27FC236}">
+                <a16:creationId xmlns:a16="http://schemas.microsoft.com/office/drawing/2014/main" id="{1849CA57-76BD-4CF2-80BA-D7A46A01B7B1}"/>
+              </a:ext>
+              <a:ext uri="{C183D7F6-B498-43B3-948B-1728B52AA6E4}">
+                <adec:decorative xmlns:adec="http://schemas.microsoft.com/office/drawing/2017/decorative" val="1"/>
+              </a:ext>
+            </a:extLst>
+          </p:cNvPr>
+          <p:cNvSpPr>
+            <a:spLocks noGrp="1" noRot="1" noChangeAspect="1" noMove="1" noResize="1" noEditPoints="1" noAdjustHandles="1" noChangeArrowheads="1" noChangeShapeType="1" noTextEdit="1"/>
+          </p:cNvSpPr>
+          <p:nvPr>
+            <p:extLst>
+              <p:ext uri="{386F3935-93C4-4BCD-93E2-E3B085C9AB24}">
+                <p16:designElem xmlns:p16="http://schemas.microsoft.com/office/powerpoint/2015/main" val="1"/>
+              </p:ext>
+            </p:extLst>
+          </p:nvPr>
+        </p:nvSpPr>
+        <p:spPr>
+          <a:xfrm rot="2700000">
+            <a:off x="1769787" y="5439893"/>
+            <a:ext cx="928467" cy="928467"/>
+          </a:xfrm>
+          <a:prstGeom prst="rect">
+            <a:avLst/>
+          </a:prstGeom>
+          <a:solidFill>
+            <a:schemeClr val="accent1">
+              <a:alpha val="30000"/>
+            </a:schemeClr>
+          </a:solidFill>
+          <a:ln>
+            <a:noFill/>
+          </a:ln>
+        </p:spPr>
+        <p:style>
+          <a:lnRef idx="2">
+            <a:schemeClr val="accent1">
+              <a:shade val="50000"/>
+            </a:schemeClr>
+          </a:lnRef>
+          <a:fillRef idx="1">
+            <a:schemeClr val="accent1"/>
+          </a:fillRef>
+          <a:effectRef idx="0">
+            <a:schemeClr val="accent1"/>
+          </a:effectRef>
+          <a:fontRef idx="minor">
+            <a:schemeClr val="lt1"/>
+          </a:fontRef>
+        </p:style>
+        <p:txBody>
+          <a:bodyPr wrap="square" rtlCol="0" anchor="ctr">
+            <a:noAutofit/>
+          </a:bodyPr>
+          <a:lstStyle/>
+          <a:p>
+            <a:pPr algn="ctr"/>
+            <a:endParaRPr lang="en-US">
+              <a:solidFill>
+                <a:srgbClr val="FFFFFF"/>
+              </a:solidFill>
+              <a:effectLst>
+                <a:outerShdw blurRad="38100" dist="38100" dir="2700000" algn="tl">
+                  <a:srgbClr val="000000">
+                    <a:alpha val="43137"/>
+                  </a:srgbClr>
+                </a:outerShdw>
+              </a:effectLst>
+            </a:endParaRPr>
+          </a:p>
+        </p:txBody>
+      </p:sp>
+      <p:sp>
+        <p:nvSpPr>
+          <p:cNvPr id="22" name="Freeform: Shape 21">
+            <a:extLst>
+              <a:ext uri="{FF2B5EF4-FFF2-40B4-BE49-F238E27FC236}">
+                <a16:creationId xmlns:a16="http://schemas.microsoft.com/office/drawing/2014/main" id="{35E9085E-E730-4768-83D4-6CB7E9897153}"/>
+              </a:ext>
+              <a:ext uri="{C183D7F6-B498-43B3-948B-1728B52AA6E4}">
+                <adec:decorative xmlns:adec="http://schemas.microsoft.com/office/drawing/2017/decorative" val="1"/>
+              </a:ext>
+            </a:extLst>
+          </p:cNvPr>
+          <p:cNvSpPr>
+            <a:spLocks noGrp="1" noRot="1" noChangeAspect="1" noMove="1" noResize="1" noEditPoints="1" noAdjustHandles="1" noChangeArrowheads="1" noChangeShapeType="1" noTextEdit="1"/>
+          </p:cNvSpPr>
+          <p:nvPr>
+            <p:extLst>
+              <p:ext uri="{386F3935-93C4-4BCD-93E2-E3B085C9AB24}">
+                <p16:designElem xmlns:p16="http://schemas.microsoft.com/office/powerpoint/2015/main" val="1"/>
+              </p:ext>
+            </p:extLst>
+          </p:nvPr>
+        </p:nvSpPr>
+        <p:spPr>
+          <a:xfrm rot="2700000">
+            <a:off x="3401311" y="734311"/>
+            <a:ext cx="5389379" cy="5389379"/>
+          </a:xfrm>
+          <a:custGeom>
+            <a:avLst/>
+            <a:gdLst>
+              <a:gd name="connsiteX0" fmla="*/ 0 w 5389379"/>
+              <a:gd name="connsiteY0" fmla="*/ 540040 h 5389379"/>
+              <a:gd name="connsiteX1" fmla="*/ 540040 w 5389379"/>
+              <a:gd name="connsiteY1" fmla="*/ 0 h 5389379"/>
+              <a:gd name="connsiteX2" fmla="*/ 5389379 w 5389379"/>
+              <a:gd name="connsiteY2" fmla="*/ 0 h 5389379"/>
+              <a:gd name="connsiteX3" fmla="*/ 5389379 w 5389379"/>
+              <a:gd name="connsiteY3" fmla="*/ 4838655 h 5389379"/>
+              <a:gd name="connsiteX4" fmla="*/ 4838655 w 5389379"/>
+              <a:gd name="connsiteY4" fmla="*/ 5389379 h 5389379"/>
+              <a:gd name="connsiteX5" fmla="*/ 0 w 5389379"/>
+              <a:gd name="connsiteY5" fmla="*/ 5389379 h 5389379"/>
+            </a:gdLst>
+            <a:ahLst/>
+            <a:cxnLst>
+              <a:cxn ang="0">
+                <a:pos x="connsiteX0" y="connsiteY0"/>
+              </a:cxn>
+              <a:cxn ang="0">
+                <a:pos x="connsiteX1" y="connsiteY1"/>
+              </a:cxn>
+              <a:cxn ang="0">
+                <a:pos x="connsiteX2" y="connsiteY2"/>
+              </a:cxn>
+              <a:cxn ang="0">
+                <a:pos x="connsiteX3" y="connsiteY3"/>
+              </a:cxn>
+              <a:cxn ang="0">
+                <a:pos x="connsiteX4" y="connsiteY4"/>
+              </a:cxn>
+              <a:cxn ang="0">
+                <a:pos x="connsiteX5" y="connsiteY5"/>
+              </a:cxn>
+            </a:cxnLst>
+            <a:rect l="l" t="t" r="r" b="b"/>
+            <a:pathLst>
+              <a:path w="5389379" h="5389379">
+                <a:moveTo>
+                  <a:pt x="0" y="540040"/>
+                </a:moveTo>
+                <a:lnTo>
+                  <a:pt x="540040" y="0"/>
+                </a:lnTo>
+                <a:lnTo>
+                  <a:pt x="5389379" y="0"/>
+                </a:lnTo>
+                <a:lnTo>
+                  <a:pt x="5389379" y="4838655"/>
+                </a:lnTo>
+                <a:lnTo>
+                  <a:pt x="4838655" y="5389379"/>
+                </a:lnTo>
+                <a:lnTo>
+                  <a:pt x="0" y="5389379"/>
+                </a:lnTo>
+                <a:close/>
+              </a:path>
+            </a:pathLst>
+          </a:custGeom>
+          <a:solidFill>
+            <a:srgbClr val="FFFFFF"/>
+          </a:solidFill>
+          <a:ln>
+            <a:noFill/>
+          </a:ln>
+        </p:spPr>
+        <p:style>
+          <a:lnRef idx="2">
+            <a:schemeClr val="accent1">
+              <a:shade val="50000"/>
+            </a:schemeClr>
+          </a:lnRef>
+          <a:fillRef idx="1">
+            <a:schemeClr val="accent1"/>
+          </a:fillRef>
+          <a:effectRef idx="0">
+            <a:schemeClr val="accent1"/>
+          </a:effectRef>
+          <a:fontRef idx="minor">
+            <a:schemeClr val="lt1"/>
+          </a:fontRef>
+        </p:style>
+        <p:txBody>
+          <a:bodyPr wrap="square" rtlCol="0" anchor="ctr">
+            <a:noAutofit/>
+          </a:bodyPr>
+          <a:lstStyle/>
+          <a:p>
+            <a:pPr algn="ctr"/>
+            <a:endParaRPr lang="en-US"/>
+          </a:p>
+        </p:txBody>
+      </p:sp>
+      <p:sp>
+        <p:nvSpPr>
+          <p:cNvPr id="24" name="Freeform: Shape 23">
+            <a:extLst>
+              <a:ext uri="{FF2B5EF4-FFF2-40B4-BE49-F238E27FC236}">
+                <a16:creationId xmlns:a16="http://schemas.microsoft.com/office/drawing/2014/main" id="{973272FE-A474-4CAE-8CA2-BCC8B476C3F4}"/>
+              </a:ext>
+              <a:ext uri="{C183D7F6-B498-43B3-948B-1728B52AA6E4}">
+                <adec:decorative xmlns:adec="http://schemas.microsoft.com/office/drawing/2017/decorative" val="1"/>
+              </a:ext>
+            </a:extLst>
+          </p:cNvPr>
+          <p:cNvSpPr>
+            <a:spLocks noGrp="1" noRot="1" noChangeAspect="1" noMove="1" noResize="1" noEditPoints="1" noAdjustHandles="1" noChangeArrowheads="1" noChangeShapeType="1" noTextEdit="1"/>
+          </p:cNvSpPr>
+          <p:nvPr>
+            <p:extLst>
+              <p:ext uri="{386F3935-93C4-4BCD-93E2-E3B085C9AB24}">
+                <p16:designElem xmlns:p16="http://schemas.microsoft.com/office/powerpoint/2015/main" val="1"/>
+              </p:ext>
+            </p:extLst>
+          </p:nvPr>
+        </p:nvSpPr>
+        <p:spPr>
+          <a:xfrm rot="2700000">
+            <a:off x="2700283" y="33283"/>
+            <a:ext cx="6791435" cy="6791435"/>
+          </a:xfrm>
+          <a:custGeom>
+            <a:avLst/>
+            <a:gdLst>
+              <a:gd name="connsiteX0" fmla="*/ 1860938 w 6791435"/>
+              <a:gd name="connsiteY0" fmla="*/ 81158 h 6791435"/>
+              <a:gd name="connsiteX1" fmla="*/ 1942096 w 6791435"/>
+              <a:gd name="connsiteY1" fmla="*/ 0 h 6791435"/>
+              <a:gd name="connsiteX2" fmla="*/ 6791435 w 6791435"/>
+              <a:gd name="connsiteY2" fmla="*/ 0 h 6791435"/>
+              <a:gd name="connsiteX3" fmla="*/ 6791435 w 6791435"/>
+              <a:gd name="connsiteY3" fmla="*/ 4838655 h 6791435"/>
+              <a:gd name="connsiteX4" fmla="*/ 6710277 w 6791435"/>
+              <a:gd name="connsiteY4" fmla="*/ 4919813 h 6791435"/>
+              <a:gd name="connsiteX5" fmla="*/ 6710277 w 6791435"/>
+              <a:gd name="connsiteY5" fmla="*/ 81158 h 6791435"/>
+              <a:gd name="connsiteX6" fmla="*/ 0 w 6791435"/>
+              <a:gd name="connsiteY6" fmla="*/ 1942096 h 6791435"/>
+              <a:gd name="connsiteX7" fmla="*/ 81158 w 6791435"/>
+              <a:gd name="connsiteY7" fmla="*/ 1860938 h 6791435"/>
+              <a:gd name="connsiteX8" fmla="*/ 81158 w 6791435"/>
+              <a:gd name="connsiteY8" fmla="*/ 6710277 h 6791435"/>
+              <a:gd name="connsiteX9" fmla="*/ 4919813 w 6791435"/>
+              <a:gd name="connsiteY9" fmla="*/ 6710277 h 6791435"/>
+              <a:gd name="connsiteX10" fmla="*/ 4838655 w 6791435"/>
+              <a:gd name="connsiteY10" fmla="*/ 6791435 h 6791435"/>
+              <a:gd name="connsiteX11" fmla="*/ 0 w 6791435"/>
+              <a:gd name="connsiteY11" fmla="*/ 6791435 h 6791435"/>
+            </a:gdLst>
+            <a:ahLst/>
+            <a:cxnLst>
+              <a:cxn ang="0">
+                <a:pos x="connsiteX0" y="connsiteY0"/>
+              </a:cxn>
+              <a:cxn ang="0">
+                <a:pos x="connsiteX1" y="connsiteY1"/>
+              </a:cxn>
+              <a:cxn ang="0">
+                <a:pos x="connsiteX2" y="connsiteY2"/>
+              </a:cxn>
+              <a:cxn ang="0">
+                <a:pos x="connsiteX3" y="connsiteY3"/>
+              </a:cxn>
+              <a:cxn ang="0">
+                <a:pos x="connsiteX4" y="connsiteY4"/>
+              </a:cxn>
+              <a:cxn ang="0">
+                <a:pos x="connsiteX5" y="connsiteY5"/>
+              </a:cxn>
+              <a:cxn ang="0">
+                <a:pos x="connsiteX6" y="connsiteY6"/>
+              </a:cxn>
+              <a:cxn ang="0">
+                <a:pos x="connsiteX7" y="connsiteY7"/>
+              </a:cxn>
+              <a:cxn ang="0">
+                <a:pos x="connsiteX8" y="connsiteY8"/>
+              </a:cxn>
+              <a:cxn ang="0">
+                <a:pos x="connsiteX9" y="connsiteY9"/>
+              </a:cxn>
+              <a:cxn ang="0">
+                <a:pos x="connsiteX10" y="connsiteY10"/>
+              </a:cxn>
+              <a:cxn ang="0">
+                <a:pos x="connsiteX11" y="connsiteY11"/>
+              </a:cxn>
+            </a:cxnLst>
+            <a:rect l="l" t="t" r="r" b="b"/>
+            <a:pathLst>
+              <a:path w="6791435" h="6791435">
+                <a:moveTo>
+                  <a:pt x="1860938" y="81158"/>
+                </a:moveTo>
+                <a:lnTo>
+                  <a:pt x="1942096" y="0"/>
+                </a:lnTo>
+                <a:lnTo>
+                  <a:pt x="6791435" y="0"/>
+                </a:lnTo>
+                <a:lnTo>
+                  <a:pt x="6791435" y="4838655"/>
+                </a:lnTo>
+                <a:lnTo>
+                  <a:pt x="6710277" y="4919813"/>
+                </a:lnTo>
+                <a:lnTo>
+                  <a:pt x="6710277" y="81158"/>
+                </a:lnTo>
+                <a:close/>
+                <a:moveTo>
+                  <a:pt x="0" y="1942096"/>
+                </a:moveTo>
+                <a:lnTo>
+                  <a:pt x="81158" y="1860938"/>
+                </a:lnTo>
+                <a:lnTo>
+                  <a:pt x="81158" y="6710277"/>
+                </a:lnTo>
+                <a:lnTo>
+                  <a:pt x="4919813" y="6710277"/>
+                </a:lnTo>
+                <a:lnTo>
+                  <a:pt x="4838655" y="6791435"/>
+                </a:lnTo>
+                <a:lnTo>
+                  <a:pt x="0" y="6791435"/>
+                </a:lnTo>
+                <a:close/>
+              </a:path>
+            </a:pathLst>
+          </a:custGeom>
+          <a:solidFill>
+            <a:srgbClr val="FFFFFF">
+              <a:alpha val="60000"/>
+            </a:srgbClr>
+          </a:solidFill>
+          <a:ln>
+            <a:noFill/>
+          </a:ln>
+        </p:spPr>
+        <p:style>
+          <a:lnRef idx="2">
+            <a:schemeClr val="accent1">
+              <a:shade val="50000"/>
+            </a:schemeClr>
+          </a:lnRef>
+          <a:fillRef idx="1">
+            <a:schemeClr val="accent1"/>
+          </a:fillRef>
+          <a:effectRef idx="0">
+            <a:schemeClr val="accent1"/>
+          </a:effectRef>
+          <a:fontRef idx="minor">
+            <a:schemeClr val="lt1"/>
+          </a:fontRef>
+        </p:style>
+        <p:txBody>
+          <a:bodyPr wrap="square" rtlCol="0" anchor="ctr">
+            <a:noAutofit/>
+          </a:bodyPr>
+          <a:lstStyle/>
+          <a:p>
+            <a:pPr algn="ctr"/>
+            <a:endParaRPr lang="en-US">
+              <a:solidFill>
+                <a:schemeClr val="tx1"/>
+              </a:solidFill>
+            </a:endParaRPr>
+          </a:p>
+        </p:txBody>
+      </p:sp>
+      <p:sp>
+        <p:nvSpPr>
+          <p:cNvPr id="3" name="Sottotitolo 2">
+            <a:extLst>
+              <a:ext uri="{FF2B5EF4-FFF2-40B4-BE49-F238E27FC236}">
+                <a16:creationId xmlns:a16="http://schemas.microsoft.com/office/drawing/2014/main" id="{F6356BAF-2387-4652-ACC1-14EDBEACC66F}"/>
+              </a:ext>
+            </a:extLst>
+          </p:cNvPr>
+          <p:cNvSpPr>
+            <a:spLocks noGrp="1"/>
+          </p:cNvSpPr>
+          <p:nvPr>
+            <p:ph type="subTitle" idx="1"/>
+          </p:nvPr>
+        </p:nvSpPr>
+        <p:spPr>
+          <a:xfrm>
+            <a:off x="4288470" y="4049282"/>
+            <a:ext cx="3615059" cy="1291542"/>
+          </a:xfrm>
+          <a:noFill/>
+        </p:spPr>
+        <p:txBody>
+          <a:bodyPr>
+            <a:noAutofit/>
+          </a:bodyPr>
+          <a:lstStyle/>
+          <a:p>
+            <a:r>
+              <a:rPr lang="it-IT" sz="1400" dirty="0">
+                <a:solidFill>
+                  <a:srgbClr val="080808"/>
+                </a:solidFill>
+              </a:rPr>
+              <a:t>Embedded Systems Architectures 2019-2020</a:t>
+            </a:r>
+          </a:p>
+          <a:p>
+            <a:r>
+              <a:rPr lang="it-IT" sz="1400" dirty="0">
+                <a:solidFill>
+                  <a:srgbClr val="080808"/>
+                </a:solidFill>
+              </a:rPr>
+              <a:t>Giacomo Menchi</a:t>
+            </a:r>
+          </a:p>
+          <a:p>
+            <a:r>
+              <a:rPr lang="it-IT" sz="1400" dirty="0">
+                <a:solidFill>
+                  <a:srgbClr val="080808"/>
+                </a:solidFill>
+              </a:rPr>
+              <a:t>Matteo Guerrini</a:t>
+            </a:r>
+          </a:p>
+          <a:p>
+            <a:r>
+              <a:rPr lang="it-IT" sz="1400" dirty="0">
+                <a:solidFill>
+                  <a:srgbClr val="080808"/>
+                </a:solidFill>
+              </a:rPr>
+              <a:t>Manuel Cretone</a:t>
+            </a:r>
+          </a:p>
+        </p:txBody>
+      </p:sp>
+      <p:sp>
+        <p:nvSpPr>
           <p:cNvPr id="2" name="Titolo 1">
             <a:extLst>
               <a:ext uri="{FF2B5EF4-FFF2-40B4-BE49-F238E27FC236}">
@@ -3350,72 +4395,204 @@
             <p:ph type="ctrTitle"/>
           </p:nvPr>
         </p:nvSpPr>
-        <p:spPr/>
-        <p:txBody>
-          <a:bodyPr/>
-          <a:lstStyle/>
-          <a:p>
-            <a:r>
-              <a:rPr lang="it-IT" dirty="0" err="1"/>
+        <p:spPr>
+          <a:xfrm>
+            <a:off x="3204642" y="2353641"/>
+            <a:ext cx="5782716" cy="2150719"/>
+          </a:xfrm>
+          <a:noFill/>
+        </p:spPr>
+        <p:txBody>
+          <a:bodyPr anchor="ctr">
+            <a:normAutofit/>
+          </a:bodyPr>
+          <a:lstStyle/>
+          <a:p>
+            <a:r>
+              <a:rPr lang="it-IT" sz="4800" dirty="0">
+                <a:solidFill>
+                  <a:srgbClr val="080808"/>
+                </a:solidFill>
+              </a:rPr>
               <a:t>Blinduino</a:t>
             </a:r>
-            <a:endParaRPr lang="it-IT" dirty="0"/>
-          </a:p>
-        </p:txBody>
-      </p:sp>
-      <p:sp>
-        <p:nvSpPr>
-          <p:cNvPr id="3" name="Sottotitolo 2">
-            <a:extLst>
-              <a:ext uri="{FF2B5EF4-FFF2-40B4-BE49-F238E27FC236}">
-                <a16:creationId xmlns:a16="http://schemas.microsoft.com/office/drawing/2014/main" id="{F6356BAF-2387-4652-ACC1-14EDBEACC66F}"/>
-              </a:ext>
-            </a:extLst>
-          </p:cNvPr>
-          <p:cNvSpPr>
-            <a:spLocks noGrp="1"/>
-          </p:cNvSpPr>
-          <p:nvPr>
-            <p:ph type="subTitle" idx="1"/>
-          </p:nvPr>
-        </p:nvSpPr>
-        <p:spPr/>
-        <p:txBody>
-          <a:bodyPr>
-            <a:normAutofit fontScale="92500" lnSpcReduction="10000"/>
+          </a:p>
+        </p:txBody>
+      </p:sp>
+      <p:sp>
+        <p:nvSpPr>
+          <p:cNvPr id="26" name="Freeform: Shape 25">
+            <a:extLst>
+              <a:ext uri="{FF2B5EF4-FFF2-40B4-BE49-F238E27FC236}">
+                <a16:creationId xmlns:a16="http://schemas.microsoft.com/office/drawing/2014/main" id="{E07981EA-05A6-437C-88D7-B377B92B031D}"/>
+              </a:ext>
+              <a:ext uri="{C183D7F6-B498-43B3-948B-1728B52AA6E4}">
+                <adec:decorative xmlns:adec="http://schemas.microsoft.com/office/drawing/2017/decorative" val="1"/>
+              </a:ext>
+            </a:extLst>
+          </p:cNvPr>
+          <p:cNvSpPr>
+            <a:spLocks noGrp="1" noRot="1" noChangeAspect="1" noMove="1" noResize="1" noEditPoints="1" noAdjustHandles="1" noChangeArrowheads="1" noChangeShapeType="1" noTextEdit="1"/>
+          </p:cNvSpPr>
+          <p:nvPr>
+            <p:extLst>
+              <p:ext uri="{386F3935-93C4-4BCD-93E2-E3B085C9AB24}">
+                <p16:designElem xmlns:p16="http://schemas.microsoft.com/office/powerpoint/2015/main" val="1"/>
+              </p:ext>
+            </p:extLst>
+          </p:nvPr>
+        </p:nvSpPr>
+        <p:spPr>
+          <a:xfrm rot="2700000">
+            <a:off x="9629823" y="5457591"/>
+            <a:ext cx="2231794" cy="2568811"/>
+          </a:xfrm>
+          <a:custGeom>
+            <a:avLst/>
+            <a:gdLst>
+              <a:gd name="connsiteX0" fmla="*/ 0 w 2940086"/>
+              <a:gd name="connsiteY0" fmla="*/ 0 h 3384061"/>
+              <a:gd name="connsiteX1" fmla="*/ 2496112 w 2940086"/>
+              <a:gd name="connsiteY1" fmla="*/ 0 h 3384061"/>
+              <a:gd name="connsiteX2" fmla="*/ 2940086 w 2940086"/>
+              <a:gd name="connsiteY2" fmla="*/ 443975 h 3384061"/>
+              <a:gd name="connsiteX3" fmla="*/ 0 w 2940086"/>
+              <a:gd name="connsiteY3" fmla="*/ 3384061 h 3384061"/>
+            </a:gdLst>
+            <a:ahLst/>
+            <a:cxnLst>
+              <a:cxn ang="0">
+                <a:pos x="connsiteX0" y="connsiteY0"/>
+              </a:cxn>
+              <a:cxn ang="0">
+                <a:pos x="connsiteX1" y="connsiteY1"/>
+              </a:cxn>
+              <a:cxn ang="0">
+                <a:pos x="connsiteX2" y="connsiteY2"/>
+              </a:cxn>
+              <a:cxn ang="0">
+                <a:pos x="connsiteX3" y="connsiteY3"/>
+              </a:cxn>
+            </a:cxnLst>
+            <a:rect l="l" t="t" r="r" b="b"/>
+            <a:pathLst>
+              <a:path w="2940086" h="3384061">
+                <a:moveTo>
+                  <a:pt x="0" y="0"/>
+                </a:moveTo>
+                <a:lnTo>
+                  <a:pt x="2496112" y="0"/>
+                </a:lnTo>
+                <a:lnTo>
+                  <a:pt x="2940086" y="443975"/>
+                </a:lnTo>
+                <a:lnTo>
+                  <a:pt x="0" y="3384061"/>
+                </a:lnTo>
+                <a:close/>
+              </a:path>
+            </a:pathLst>
+          </a:custGeom>
+          <a:solidFill>
+            <a:schemeClr val="accent4">
+              <a:alpha val="40000"/>
+            </a:schemeClr>
+          </a:solidFill>
+          <a:ln>
+            <a:noFill/>
+          </a:ln>
+        </p:spPr>
+        <p:style>
+          <a:lnRef idx="2">
+            <a:schemeClr val="accent1">
+              <a:shade val="50000"/>
+            </a:schemeClr>
+          </a:lnRef>
+          <a:fillRef idx="1">
+            <a:schemeClr val="accent1"/>
+          </a:fillRef>
+          <a:effectRef idx="0">
+            <a:schemeClr val="accent1"/>
+          </a:effectRef>
+          <a:fontRef idx="minor">
+            <a:schemeClr val="lt1"/>
+          </a:fontRef>
+        </p:style>
+        <p:txBody>
+          <a:bodyPr wrap="square" rtlCol="0" anchor="ctr">
+            <a:noAutofit/>
           </a:bodyPr>
           <a:lstStyle/>
           <a:p>
-            <a:r>
-              <a:rPr lang="it-IT" dirty="0"/>
-              <a:t>Project Embedded Systems </a:t>
-            </a:r>
-            <a:r>
-              <a:rPr lang="it-IT" dirty="0" err="1"/>
-              <a:t>Architectures</a:t>
-            </a:r>
-            <a:r>
-              <a:rPr lang="it-IT" dirty="0"/>
-              <a:t> 2019-2020</a:t>
-            </a:r>
-          </a:p>
-          <a:p>
-            <a:r>
-              <a:rPr lang="it-IT" dirty="0"/>
-              <a:t>Giacomo Menchi</a:t>
-            </a:r>
-          </a:p>
-          <a:p>
-            <a:r>
-              <a:rPr lang="it-IT" dirty="0"/>
-              <a:t>Matteo Guerrini</a:t>
-            </a:r>
-          </a:p>
-          <a:p>
-            <a:r>
-              <a:rPr lang="it-IT" dirty="0"/>
-              <a:t>Manuel Cretone</a:t>
-            </a:r>
+            <a:pPr algn="ctr"/>
+            <a:endParaRPr lang="en-US"/>
+          </a:p>
+        </p:txBody>
+      </p:sp>
+      <p:sp>
+        <p:nvSpPr>
+          <p:cNvPr id="28" name="Rectangle 27">
+            <a:extLst>
+              <a:ext uri="{FF2B5EF4-FFF2-40B4-BE49-F238E27FC236}">
+                <a16:creationId xmlns:a16="http://schemas.microsoft.com/office/drawing/2014/main" id="{15E3C750-986E-4769-B1AE-49289FBEE757}"/>
+              </a:ext>
+              <a:ext uri="{C183D7F6-B498-43B3-948B-1728B52AA6E4}">
+                <adec:decorative xmlns:adec="http://schemas.microsoft.com/office/drawing/2017/decorative" val="1"/>
+              </a:ext>
+            </a:extLst>
+          </p:cNvPr>
+          <p:cNvSpPr>
+            <a:spLocks noGrp="1" noRot="1" noChangeAspect="1" noMove="1" noResize="1" noEditPoints="1" noAdjustHandles="1" noChangeArrowheads="1" noChangeShapeType="1" noTextEdit="1"/>
+          </p:cNvSpPr>
+          <p:nvPr>
+            <p:extLst>
+              <p:ext uri="{386F3935-93C4-4BCD-93E2-E3B085C9AB24}">
+                <p16:designElem xmlns:p16="http://schemas.microsoft.com/office/powerpoint/2015/main" val="1"/>
+              </p:ext>
+            </p:extLst>
+          </p:nvPr>
+        </p:nvSpPr>
+        <p:spPr>
+          <a:xfrm rot="2700000">
+            <a:off x="9720059" y="5243545"/>
+            <a:ext cx="959985" cy="959985"/>
+          </a:xfrm>
+          <a:prstGeom prst="rect">
+            <a:avLst/>
+          </a:prstGeom>
+          <a:solidFill>
+            <a:schemeClr val="accent4">
+              <a:alpha val="40000"/>
+            </a:schemeClr>
+          </a:solidFill>
+          <a:ln>
+            <a:noFill/>
+          </a:ln>
+        </p:spPr>
+        <p:style>
+          <a:lnRef idx="2">
+            <a:schemeClr val="accent1">
+              <a:shade val="50000"/>
+            </a:schemeClr>
+          </a:lnRef>
+          <a:fillRef idx="1">
+            <a:schemeClr val="accent1"/>
+          </a:fillRef>
+          <a:effectRef idx="0">
+            <a:schemeClr val="accent1"/>
+          </a:effectRef>
+          <a:fontRef idx="minor">
+            <a:schemeClr val="lt1"/>
+          </a:fontRef>
+        </p:style>
+        <p:txBody>
+          <a:bodyPr wrap="square" rtlCol="0" anchor="ctr">
+            <a:noAutofit/>
+          </a:bodyPr>
+          <a:lstStyle/>
+          <a:p>
+            <a:pPr algn="ctr"/>
+            <a:endParaRPr lang="en-US"/>
           </a:p>
         </p:txBody>
       </p:sp>
@@ -3435,6 +4612,14 @@
 <file path=ppt/slides/slide2.xml><?xml version="1.0" encoding="utf-8"?>
 <p:sld xmlns:a="http://schemas.openxmlformats.org/drawingml/2006/main" xmlns:r="http://schemas.openxmlformats.org/officeDocument/2006/relationships" xmlns:p="http://schemas.openxmlformats.org/presentationml/2006/main">
   <p:cSld>
+    <p:bg>
+      <p:bgPr>
+        <a:solidFill>
+          <a:schemeClr val="bg1"/>
+        </a:solidFill>
+        <a:effectLst/>
+      </p:bgPr>
+    </p:bg>
     <p:spTree>
       <p:nvGrpSpPr>
         <p:cNvPr id="1" name=""/>
@@ -3451,6 +4636,69 @@
       </p:grpSpPr>
       <p:sp>
         <p:nvSpPr>
+          <p:cNvPr id="8" name="Rectangle 7">
+            <a:extLst>
+              <a:ext uri="{FF2B5EF4-FFF2-40B4-BE49-F238E27FC236}">
+                <a16:creationId xmlns:a16="http://schemas.microsoft.com/office/drawing/2014/main" id="{2B566528-1B12-4246-9431-5C2D7D081168}"/>
+              </a:ext>
+              <a:ext uri="{C183D7F6-B498-43B3-948B-1728B52AA6E4}">
+                <adec:decorative xmlns:adec="http://schemas.microsoft.com/office/drawing/2017/decorative" val="1"/>
+              </a:ext>
+            </a:extLst>
+          </p:cNvPr>
+          <p:cNvSpPr>
+            <a:spLocks noGrp="1" noRot="1" noChangeAspect="1" noMove="1" noResize="1" noEditPoints="1" noAdjustHandles="1" noChangeArrowheads="1" noChangeShapeType="1" noTextEdit="1"/>
+          </p:cNvSpPr>
+          <p:nvPr>
+            <p:extLst>
+              <p:ext uri="{386F3935-93C4-4BCD-93E2-E3B085C9AB24}">
+                <p16:designElem xmlns:p16="http://schemas.microsoft.com/office/powerpoint/2015/main" val="1"/>
+              </p:ext>
+            </p:extLst>
+          </p:nvPr>
+        </p:nvSpPr>
+        <p:spPr>
+          <a:xfrm>
+            <a:off x="0" y="0"/>
+            <a:ext cx="12192000" cy="6858000"/>
+          </a:xfrm>
+          <a:prstGeom prst="rect">
+            <a:avLst/>
+          </a:prstGeom>
+          <a:solidFill>
+            <a:schemeClr val="bg1"/>
+          </a:solidFill>
+          <a:ln>
+            <a:noFill/>
+          </a:ln>
+        </p:spPr>
+        <p:style>
+          <a:lnRef idx="2">
+            <a:schemeClr val="accent1">
+              <a:shade val="50000"/>
+            </a:schemeClr>
+          </a:lnRef>
+          <a:fillRef idx="1">
+            <a:schemeClr val="accent1"/>
+          </a:fillRef>
+          <a:effectRef idx="0">
+            <a:schemeClr val="accent1"/>
+          </a:effectRef>
+          <a:fontRef idx="minor">
+            <a:schemeClr val="lt1"/>
+          </a:fontRef>
+        </p:style>
+        <p:txBody>
+          <a:bodyPr rtlCol="0" anchor="ctr"/>
+          <a:lstStyle/>
+          <a:p>
+            <a:pPr algn="ctr"/>
+            <a:endParaRPr lang="en-US" dirty="0"/>
+          </a:p>
+        </p:txBody>
+      </p:sp>
+      <p:sp>
+        <p:nvSpPr>
           <p:cNvPr id="2" name="Titolo 1">
             <a:extLst>
               <a:ext uri="{FF2B5EF4-FFF2-40B4-BE49-F238E27FC236}">
@@ -3465,13 +4713,20 @@
             <p:ph type="title"/>
           </p:nvPr>
         </p:nvSpPr>
-        <p:spPr/>
-        <p:txBody>
-          <a:bodyPr/>
-          <a:lstStyle/>
-          <a:p>
-            <a:r>
-              <a:rPr lang="it-IT" dirty="0"/>
+        <p:spPr>
+          <a:xfrm>
+            <a:off x="643467" y="321734"/>
+            <a:ext cx="10905066" cy="1135737"/>
+          </a:xfrm>
+        </p:spPr>
+        <p:txBody>
+          <a:bodyPr>
+            <a:normAutofit/>
+          </a:bodyPr>
+          <a:lstStyle/>
+          <a:p>
+            <a:r>
+              <a:rPr lang="it-IT" sz="3600" dirty="0"/>
               <a:t>Goals</a:t>
             </a:r>
           </a:p>
@@ -3493,19 +4748,26 @@
             <p:ph idx="1"/>
           </p:nvPr>
         </p:nvSpPr>
-        <p:spPr/>
-        <p:txBody>
-          <a:bodyPr/>
-          <a:lstStyle/>
-          <a:p>
-            <a:r>
-              <a:rPr lang="en-GB" dirty="0"/>
+        <p:spPr>
+          <a:xfrm>
+            <a:off x="643467" y="1782981"/>
+            <a:ext cx="10905066" cy="4393982"/>
+          </a:xfrm>
+        </p:spPr>
+        <p:txBody>
+          <a:bodyPr>
+            <a:normAutofit/>
+          </a:bodyPr>
+          <a:lstStyle/>
+          <a:p>
+            <a:r>
+              <a:rPr lang="en-GB" sz="2000" dirty="0"/>
               <a:t>Create a system that helps blind people to move securely.</a:t>
             </a:r>
           </a:p>
           <a:p>
             <a:r>
-              <a:rPr lang="en-GB" dirty="0"/>
+              <a:rPr lang="en-GB" sz="2000" dirty="0"/>
               <a:t>The system must:</a:t>
             </a:r>
           </a:p>
@@ -3515,7 +4777,7 @@
               <a:buAutoNum type="arabicPeriod"/>
             </a:pPr>
             <a:r>
-              <a:rPr lang="en-GB" dirty="0"/>
+              <a:rPr lang="en-GB" sz="2000" dirty="0"/>
               <a:t>Recognize an obstacle and communicate its presence to the user;</a:t>
             </a:r>
           </a:p>
@@ -3525,19 +4787,277 @@
               <a:buAutoNum type="arabicPeriod"/>
             </a:pPr>
             <a:r>
-              <a:rPr lang="en-GB" dirty="0"/>
-              <a:t>If the user is standing still, the object in front of him (in a certain range), is identified and described;</a:t>
-            </a:r>
-          </a:p>
-          <a:p>
-            <a:pPr marL="914400" lvl="1" indent="-457200">
-              <a:buFont typeface="+mj-lt"/>
-              <a:buAutoNum type="arabicPeriod"/>
-            </a:pPr>
-            <a:r>
-              <a:rPr lang="en-GB" dirty="0"/>
-              <a:t>Guide the user to a desired destination giving him instructions.</a:t>
-            </a:r>
+              <a:rPr lang="en-GB" sz="2000" dirty="0"/>
+              <a:t>If the user is standing still, the object in front of him (in a certain range), is identified and described.</a:t>
+            </a:r>
+          </a:p>
+        </p:txBody>
+      </p:sp>
+      <p:sp>
+        <p:nvSpPr>
+          <p:cNvPr id="10" name="Rectangle 9">
+            <a:extLst>
+              <a:ext uri="{FF2B5EF4-FFF2-40B4-BE49-F238E27FC236}">
+                <a16:creationId xmlns:a16="http://schemas.microsoft.com/office/drawing/2014/main" id="{2E80C965-DB6D-4F81-9E9E-B027384D0BD6}"/>
+              </a:ext>
+              <a:ext uri="{C183D7F6-B498-43B3-948B-1728B52AA6E4}">
+                <adec:decorative xmlns:adec="http://schemas.microsoft.com/office/drawing/2017/decorative" val="1"/>
+              </a:ext>
+            </a:extLst>
+          </p:cNvPr>
+          <p:cNvSpPr>
+            <a:spLocks noGrp="1" noRot="1" noChangeAspect="1" noMove="1" noResize="1" noEditPoints="1" noAdjustHandles="1" noChangeArrowheads="1" noChangeShapeType="1" noTextEdit="1"/>
+          </p:cNvSpPr>
+          <p:nvPr>
+            <p:extLst>
+              <p:ext uri="{386F3935-93C4-4BCD-93E2-E3B085C9AB24}">
+                <p16:designElem xmlns:p16="http://schemas.microsoft.com/office/powerpoint/2015/main" val="1"/>
+              </p:ext>
+            </p:extLst>
+          </p:nvPr>
+        </p:nvSpPr>
+        <p:spPr>
+          <a:xfrm rot="2700000">
+            <a:off x="11052629" y="2120024"/>
+            <a:ext cx="645368" cy="645368"/>
+          </a:xfrm>
+          <a:prstGeom prst="rect">
+            <a:avLst/>
+          </a:prstGeom>
+          <a:solidFill>
+            <a:schemeClr val="accent4">
+              <a:alpha val="30000"/>
+            </a:schemeClr>
+          </a:solidFill>
+          <a:ln>
+            <a:noFill/>
+          </a:ln>
+        </p:spPr>
+        <p:style>
+          <a:lnRef idx="2">
+            <a:schemeClr val="accent1">
+              <a:shade val="50000"/>
+            </a:schemeClr>
+          </a:lnRef>
+          <a:fillRef idx="1">
+            <a:schemeClr val="accent1"/>
+          </a:fillRef>
+          <a:effectRef idx="0">
+            <a:schemeClr val="accent1"/>
+          </a:effectRef>
+          <a:fontRef idx="minor">
+            <a:schemeClr val="lt1"/>
+          </a:fontRef>
+        </p:style>
+        <p:txBody>
+          <a:bodyPr rtlCol="0" anchor="ctr"/>
+          <a:lstStyle/>
+          <a:p>
+            <a:pPr algn="ctr"/>
+            <a:endParaRPr lang="en-US"/>
+          </a:p>
+        </p:txBody>
+      </p:sp>
+      <p:sp>
+        <p:nvSpPr>
+          <p:cNvPr id="12" name="Isosceles Triangle 11">
+            <a:extLst>
+              <a:ext uri="{FF2B5EF4-FFF2-40B4-BE49-F238E27FC236}">
+                <a16:creationId xmlns:a16="http://schemas.microsoft.com/office/drawing/2014/main" id="{A580F890-B085-4E95-96AA-55AEBEC5CE6E}"/>
+              </a:ext>
+              <a:ext uri="{C183D7F6-B498-43B3-948B-1728B52AA6E4}">
+                <adec:decorative xmlns:adec="http://schemas.microsoft.com/office/drawing/2017/decorative" val="1"/>
+              </a:ext>
+            </a:extLst>
+          </p:cNvPr>
+          <p:cNvSpPr>
+            <a:spLocks noGrp="1" noRot="1" noChangeAspect="1" noMove="1" noResize="1" noEditPoints="1" noAdjustHandles="1" noChangeArrowheads="1" noChangeShapeType="1" noTextEdit="1"/>
+          </p:cNvSpPr>
+          <p:nvPr>
+            <p:extLst>
+              <p:ext uri="{386F3935-93C4-4BCD-93E2-E3B085C9AB24}">
+                <p16:designElem xmlns:p16="http://schemas.microsoft.com/office/powerpoint/2015/main" val="1"/>
+              </p:ext>
+            </p:extLst>
+          </p:nvPr>
+        </p:nvSpPr>
+        <p:spPr>
+          <a:xfrm rot="16200000">
+            <a:off x="10289068" y="1343027"/>
+            <a:ext cx="2532832" cy="1273032"/>
+          </a:xfrm>
+          <a:prstGeom prst="triangle">
+            <a:avLst>
+              <a:gd name="adj" fmla="val 50000"/>
+            </a:avLst>
+          </a:prstGeom>
+          <a:solidFill>
+            <a:schemeClr val="accent4">
+              <a:alpha val="30000"/>
+            </a:schemeClr>
+          </a:solidFill>
+          <a:ln>
+            <a:noFill/>
+          </a:ln>
+        </p:spPr>
+        <p:style>
+          <a:lnRef idx="2">
+            <a:schemeClr val="accent1">
+              <a:shade val="50000"/>
+            </a:schemeClr>
+          </a:lnRef>
+          <a:fillRef idx="1">
+            <a:schemeClr val="accent1"/>
+          </a:fillRef>
+          <a:effectRef idx="0">
+            <a:schemeClr val="accent1"/>
+          </a:effectRef>
+          <a:fontRef idx="minor">
+            <a:schemeClr val="lt1"/>
+          </a:fontRef>
+        </p:style>
+        <p:txBody>
+          <a:bodyPr rtlCol="0" anchor="ctr"/>
+          <a:lstStyle/>
+          <a:p>
+            <a:pPr algn="ctr"/>
+            <a:endParaRPr lang="en-US"/>
+          </a:p>
+        </p:txBody>
+      </p:sp>
+      <p:sp>
+        <p:nvSpPr>
+          <p:cNvPr id="14" name="Isosceles Triangle 13">
+            <a:extLst>
+              <a:ext uri="{FF2B5EF4-FFF2-40B4-BE49-F238E27FC236}">
+                <a16:creationId xmlns:a16="http://schemas.microsoft.com/office/drawing/2014/main" id="{D3F51FEB-38FB-4F6C-9F7B-2F2AFAB65463}"/>
+              </a:ext>
+              <a:ext uri="{C183D7F6-B498-43B3-948B-1728B52AA6E4}">
+                <adec:decorative xmlns:adec="http://schemas.microsoft.com/office/drawing/2017/decorative" val="1"/>
+              </a:ext>
+            </a:extLst>
+          </p:cNvPr>
+          <p:cNvSpPr>
+            <a:spLocks noGrp="1" noRot="1" noChangeAspect="1" noMove="1" noResize="1" noEditPoints="1" noAdjustHandles="1" noChangeArrowheads="1" noChangeShapeType="1" noTextEdit="1"/>
+          </p:cNvSpPr>
+          <p:nvPr>
+            <p:extLst>
+              <p:ext uri="{386F3935-93C4-4BCD-93E2-E3B085C9AB24}">
+                <p16:designElem xmlns:p16="http://schemas.microsoft.com/office/powerpoint/2015/main" val="1"/>
+              </p:ext>
+            </p:extLst>
+          </p:nvPr>
+        </p:nvSpPr>
+        <p:spPr>
+          <a:xfrm rot="5400000">
+            <a:off x="-501760" y="5103257"/>
+            <a:ext cx="2017580" cy="1014060"/>
+          </a:xfrm>
+          <a:prstGeom prst="triangle">
+            <a:avLst>
+              <a:gd name="adj" fmla="val 50000"/>
+            </a:avLst>
+          </a:prstGeom>
+          <a:solidFill>
+            <a:schemeClr val="accent1">
+              <a:alpha val="30000"/>
+            </a:schemeClr>
+          </a:solidFill>
+          <a:ln>
+            <a:noFill/>
+          </a:ln>
+        </p:spPr>
+        <p:style>
+          <a:lnRef idx="2">
+            <a:schemeClr val="accent1">
+              <a:shade val="50000"/>
+            </a:schemeClr>
+          </a:lnRef>
+          <a:fillRef idx="1">
+            <a:schemeClr val="accent1"/>
+          </a:fillRef>
+          <a:effectRef idx="0">
+            <a:schemeClr val="accent1"/>
+          </a:effectRef>
+          <a:fontRef idx="minor">
+            <a:schemeClr val="lt1"/>
+          </a:fontRef>
+        </p:style>
+        <p:txBody>
+          <a:bodyPr wrap="square" rtlCol="0" anchor="ctr">
+            <a:noAutofit/>
+          </a:bodyPr>
+          <a:lstStyle/>
+          <a:p>
+            <a:pPr algn="ctr"/>
+            <a:endParaRPr lang="en-US"/>
+          </a:p>
+        </p:txBody>
+      </p:sp>
+      <p:sp>
+        <p:nvSpPr>
+          <p:cNvPr id="16" name="Rectangle 15">
+            <a:extLst>
+              <a:ext uri="{FF2B5EF4-FFF2-40B4-BE49-F238E27FC236}">
+                <a16:creationId xmlns:a16="http://schemas.microsoft.com/office/drawing/2014/main" id="{1E547BA6-BAE0-43BB-A7CA-60F69CE252F0}"/>
+              </a:ext>
+              <a:ext uri="{C183D7F6-B498-43B3-948B-1728B52AA6E4}">
+                <adec:decorative xmlns:adec="http://schemas.microsoft.com/office/drawing/2017/decorative" val="1"/>
+              </a:ext>
+            </a:extLst>
+          </p:cNvPr>
+          <p:cNvSpPr>
+            <a:spLocks noGrp="1" noRot="1" noChangeAspect="1" noMove="1" noResize="1" noEditPoints="1" noAdjustHandles="1" noChangeArrowheads="1" noChangeShapeType="1" noTextEdit="1"/>
+          </p:cNvSpPr>
+          <p:nvPr>
+            <p:extLst>
+              <p:ext uri="{386F3935-93C4-4BCD-93E2-E3B085C9AB24}">
+                <p16:designElem xmlns:p16="http://schemas.microsoft.com/office/powerpoint/2015/main" val="1"/>
+              </p:ext>
+            </p:extLst>
+          </p:nvPr>
+        </p:nvSpPr>
+        <p:spPr>
+          <a:xfrm rot="2700000">
+            <a:off x="427916" y="5728708"/>
+            <a:ext cx="485578" cy="485578"/>
+          </a:xfrm>
+          <a:prstGeom prst="rect">
+            <a:avLst/>
+          </a:prstGeom>
+          <a:solidFill>
+            <a:schemeClr val="accent1">
+              <a:alpha val="30000"/>
+            </a:schemeClr>
+          </a:solidFill>
+          <a:ln>
+            <a:noFill/>
+          </a:ln>
+        </p:spPr>
+        <p:style>
+          <a:lnRef idx="2">
+            <a:schemeClr val="accent1">
+              <a:shade val="50000"/>
+            </a:schemeClr>
+          </a:lnRef>
+          <a:fillRef idx="1">
+            <a:schemeClr val="accent1"/>
+          </a:fillRef>
+          <a:effectRef idx="0">
+            <a:schemeClr val="accent1"/>
+          </a:effectRef>
+          <a:fontRef idx="minor">
+            <a:schemeClr val="lt1"/>
+          </a:fontRef>
+        </p:style>
+        <p:txBody>
+          <a:bodyPr wrap="square" rtlCol="0" anchor="ctr">
+            <a:noAutofit/>
+          </a:bodyPr>
+          <a:lstStyle/>
+          <a:p>
+            <a:pPr algn="ctr"/>
+            <a:endParaRPr lang="en-US"/>
           </a:p>
         </p:txBody>
       </p:sp>
@@ -3557,6 +5077,14 @@
 <file path=ppt/slides/slide3.xml><?xml version="1.0" encoding="utf-8"?>
 <p:sld xmlns:a="http://schemas.openxmlformats.org/drawingml/2006/main" xmlns:r="http://schemas.openxmlformats.org/officeDocument/2006/relationships" xmlns:p="http://schemas.openxmlformats.org/presentationml/2006/main">
   <p:cSld>
+    <p:bg>
+      <p:bgPr>
+        <a:solidFill>
+          <a:schemeClr val="bg1"/>
+        </a:solidFill>
+        <a:effectLst/>
+      </p:bgPr>
+    </p:bg>
     <p:spTree>
       <p:nvGrpSpPr>
         <p:cNvPr id="1" name=""/>
@@ -3571,6 +5099,401 @@
           <a:chExt cx="0" cy="0"/>
         </a:xfrm>
       </p:grpSpPr>
+      <p:sp useBgFill="1">
+        <p:nvSpPr>
+          <p:cNvPr id="15" name="Rectangle 7">
+            <a:extLst>
+              <a:ext uri="{FF2B5EF4-FFF2-40B4-BE49-F238E27FC236}">
+                <a16:creationId xmlns:a16="http://schemas.microsoft.com/office/drawing/2014/main" id="{2029D5AD-8348-4446-B191-6A9B6FE03F21}"/>
+              </a:ext>
+              <a:ext uri="{C183D7F6-B498-43B3-948B-1728B52AA6E4}">
+                <adec:decorative xmlns:adec="http://schemas.microsoft.com/office/drawing/2017/decorative" val="1"/>
+              </a:ext>
+            </a:extLst>
+          </p:cNvPr>
+          <p:cNvSpPr>
+            <a:spLocks noGrp="1" noRot="1" noChangeAspect="1" noMove="1" noResize="1" noEditPoints="1" noAdjustHandles="1" noChangeArrowheads="1" noChangeShapeType="1" noTextEdit="1"/>
+          </p:cNvSpPr>
+          <p:nvPr>
+            <p:extLst>
+              <p:ext uri="{386F3935-93C4-4BCD-93E2-E3B085C9AB24}">
+                <p16:designElem xmlns:p16="http://schemas.microsoft.com/office/powerpoint/2015/main" val="1"/>
+              </p:ext>
+            </p:extLst>
+          </p:nvPr>
+        </p:nvSpPr>
+        <p:spPr>
+          <a:xfrm>
+            <a:off x="0" y="0"/>
+            <a:ext cx="12188952" cy="6858000"/>
+          </a:xfrm>
+          <a:prstGeom prst="rect">
+            <a:avLst/>
+          </a:prstGeom>
+          <a:ln>
+            <a:noFill/>
+          </a:ln>
+        </p:spPr>
+        <p:style>
+          <a:lnRef idx="2">
+            <a:schemeClr val="accent1">
+              <a:shade val="50000"/>
+            </a:schemeClr>
+          </a:lnRef>
+          <a:fillRef idx="1">
+            <a:schemeClr val="accent1"/>
+          </a:fillRef>
+          <a:effectRef idx="0">
+            <a:schemeClr val="accent1"/>
+          </a:effectRef>
+          <a:fontRef idx="minor">
+            <a:schemeClr val="lt1"/>
+          </a:fontRef>
+        </p:style>
+        <p:txBody>
+          <a:bodyPr rtlCol="0" anchor="ctr"/>
+          <a:lstStyle/>
+          <a:p>
+            <a:pPr algn="ctr"/>
+            <a:endParaRPr lang="en-US"/>
+          </a:p>
+        </p:txBody>
+      </p:sp>
+      <p:sp useBgFill="1">
+        <p:nvSpPr>
+          <p:cNvPr id="16" name="Freeform: Shape 9">
+            <a:extLst>
+              <a:ext uri="{FF2B5EF4-FFF2-40B4-BE49-F238E27FC236}">
+                <a16:creationId xmlns:a16="http://schemas.microsoft.com/office/drawing/2014/main" id="{A3F395A2-2B64-4749-BD93-2F159C7E1FB5}"/>
+              </a:ext>
+              <a:ext uri="{C183D7F6-B498-43B3-948B-1728B52AA6E4}">
+                <adec:decorative xmlns:adec="http://schemas.microsoft.com/office/drawing/2017/decorative" val="1"/>
+              </a:ext>
+            </a:extLst>
+          </p:cNvPr>
+          <p:cNvSpPr>
+            <a:spLocks noGrp="1" noRot="1" noChangeAspect="1" noMove="1" noResize="1" noEditPoints="1" noAdjustHandles="1" noChangeArrowheads="1" noChangeShapeType="1" noTextEdit="1"/>
+          </p:cNvSpPr>
+          <p:nvPr>
+            <p:extLst>
+              <p:ext uri="{386F3935-93C4-4BCD-93E2-E3B085C9AB24}">
+                <p16:designElem xmlns:p16="http://schemas.microsoft.com/office/powerpoint/2015/main" val="1"/>
+              </p:ext>
+            </p:extLst>
+          </p:nvPr>
+        </p:nvSpPr>
+        <p:spPr>
+          <a:xfrm>
+            <a:off x="0" y="0"/>
+            <a:ext cx="12188952" cy="1899601"/>
+          </a:xfrm>
+          <a:custGeom>
+            <a:avLst/>
+            <a:gdLst>
+              <a:gd name="connsiteX0" fmla="*/ 0 w 12188952"/>
+              <a:gd name="connsiteY0" fmla="*/ 0 h 1899601"/>
+              <a:gd name="connsiteX1" fmla="*/ 12188952 w 12188952"/>
+              <a:gd name="connsiteY1" fmla="*/ 0 h 1899601"/>
+              <a:gd name="connsiteX2" fmla="*/ 12188952 w 12188952"/>
+              <a:gd name="connsiteY2" fmla="*/ 1635106 h 1899601"/>
+              <a:gd name="connsiteX3" fmla="*/ 11356325 w 12188952"/>
+              <a:gd name="connsiteY3" fmla="*/ 1707615 h 1899601"/>
+              <a:gd name="connsiteX4" fmla="*/ 6096001 w 12188952"/>
+              <a:gd name="connsiteY4" fmla="*/ 1899601 h 1899601"/>
+              <a:gd name="connsiteX5" fmla="*/ 835678 w 12188952"/>
+              <a:gd name="connsiteY5" fmla="*/ 1707615 h 1899601"/>
+              <a:gd name="connsiteX6" fmla="*/ 0 w 12188952"/>
+              <a:gd name="connsiteY6" fmla="*/ 1634841 h 1899601"/>
+            </a:gdLst>
+            <a:ahLst/>
+            <a:cxnLst>
+              <a:cxn ang="0">
+                <a:pos x="connsiteX0" y="connsiteY0"/>
+              </a:cxn>
+              <a:cxn ang="0">
+                <a:pos x="connsiteX1" y="connsiteY1"/>
+              </a:cxn>
+              <a:cxn ang="0">
+                <a:pos x="connsiteX2" y="connsiteY2"/>
+              </a:cxn>
+              <a:cxn ang="0">
+                <a:pos x="connsiteX3" y="connsiteY3"/>
+              </a:cxn>
+              <a:cxn ang="0">
+                <a:pos x="connsiteX4" y="connsiteY4"/>
+              </a:cxn>
+              <a:cxn ang="0">
+                <a:pos x="connsiteX5" y="connsiteY5"/>
+              </a:cxn>
+              <a:cxn ang="0">
+                <a:pos x="connsiteX6" y="connsiteY6"/>
+              </a:cxn>
+            </a:cxnLst>
+            <a:rect l="l" t="t" r="r" b="b"/>
+            <a:pathLst>
+              <a:path w="12188952" h="1899601">
+                <a:moveTo>
+                  <a:pt x="0" y="0"/>
+                </a:moveTo>
+                <a:lnTo>
+                  <a:pt x="12188952" y="0"/>
+                </a:lnTo>
+                <a:lnTo>
+                  <a:pt x="12188952" y="1635106"/>
+                </a:lnTo>
+                <a:lnTo>
+                  <a:pt x="11356325" y="1707615"/>
+                </a:lnTo>
+                <a:cubicBezTo>
+                  <a:pt x="9739512" y="1831240"/>
+                  <a:pt x="7961919" y="1899601"/>
+                  <a:pt x="6096001" y="1899601"/>
+                </a:cubicBezTo>
+                <a:cubicBezTo>
+                  <a:pt x="4230084" y="1899601"/>
+                  <a:pt x="2452490" y="1831240"/>
+                  <a:pt x="835678" y="1707615"/>
+                </a:cubicBezTo>
+                <a:lnTo>
+                  <a:pt x="0" y="1634841"/>
+                </a:lnTo>
+                <a:close/>
+              </a:path>
+            </a:pathLst>
+          </a:custGeom>
+          <a:ln w="9525">
+            <a:solidFill>
+              <a:srgbClr val="EFEFEF"/>
+            </a:solidFill>
+          </a:ln>
+          <a:effectLst>
+            <a:outerShdw blurRad="50800" dist="38100" dir="2700000" algn="tl" rotWithShape="0">
+              <a:schemeClr val="bg1">
+                <a:lumMod val="85000"/>
+                <a:alpha val="30000"/>
+              </a:schemeClr>
+            </a:outerShdw>
+          </a:effectLst>
+        </p:spPr>
+        <p:style>
+          <a:lnRef idx="2">
+            <a:schemeClr val="accent1">
+              <a:shade val="50000"/>
+            </a:schemeClr>
+          </a:lnRef>
+          <a:fillRef idx="1">
+            <a:schemeClr val="accent1"/>
+          </a:fillRef>
+          <a:effectRef idx="0">
+            <a:schemeClr val="accent1"/>
+          </a:effectRef>
+          <a:fontRef idx="minor">
+            <a:schemeClr val="lt1"/>
+          </a:fontRef>
+        </p:style>
+        <p:txBody>
+          <a:bodyPr wrap="square" rtlCol="0" anchor="ctr">
+            <a:noAutofit/>
+          </a:bodyPr>
+          <a:lstStyle/>
+          <a:p>
+            <a:pPr marL="0" marR="0" lvl="0" indent="0" algn="ctr" defTabSz="914400" rtl="0" eaLnBrk="1" fontAlgn="auto" latinLnBrk="0" hangingPunct="1">
+              <a:lnSpc>
+                <a:spcPct val="100000"/>
+              </a:lnSpc>
+              <a:spcBef>
+                <a:spcPts val="0"/>
+              </a:spcBef>
+              <a:spcAft>
+                <a:spcPts val="0"/>
+              </a:spcAft>
+              <a:buClrTx/>
+              <a:buSzTx/>
+              <a:buFontTx/>
+              <a:buNone/>
+              <a:tabLst/>
+              <a:defRPr/>
+            </a:pPr>
+            <a:endParaRPr kumimoji="0" lang="en-US" sz="1800" b="0" i="0" u="none" strike="noStrike" kern="1200" cap="none" spc="0" normalizeH="0" baseline="0" noProof="0">
+              <a:ln>
+                <a:noFill/>
+              </a:ln>
+              <a:solidFill>
+                <a:prstClr val="white"/>
+              </a:solidFill>
+              <a:effectLst/>
+              <a:uLnTx/>
+              <a:uFillTx/>
+              <a:latin typeface="Calibri" panose="020F0502020204030204"/>
+              <a:ea typeface="+mn-ea"/>
+              <a:cs typeface="+mn-cs"/>
+            </a:endParaRPr>
+          </a:p>
+        </p:txBody>
+      </p:sp>
+      <p:sp useBgFill="1">
+        <p:nvSpPr>
+          <p:cNvPr id="17" name="Freeform: Shape 11">
+            <a:extLst>
+              <a:ext uri="{FF2B5EF4-FFF2-40B4-BE49-F238E27FC236}">
+                <a16:creationId xmlns:a16="http://schemas.microsoft.com/office/drawing/2014/main" id="{5CF0135B-EAB8-4CA0-896C-2D897ECD28BC}"/>
+              </a:ext>
+              <a:ext uri="{C183D7F6-B498-43B3-948B-1728B52AA6E4}">
+                <adec:decorative xmlns:adec="http://schemas.microsoft.com/office/drawing/2017/decorative" val="1"/>
+              </a:ext>
+            </a:extLst>
+          </p:cNvPr>
+          <p:cNvSpPr>
+            <a:spLocks noGrp="1" noRot="1" noChangeAspect="1" noMove="1" noResize="1" noEditPoints="1" noAdjustHandles="1" noChangeArrowheads="1" noChangeShapeType="1" noTextEdit="1"/>
+          </p:cNvSpPr>
+          <p:nvPr>
+            <p:extLst>
+              <p:ext uri="{386F3935-93C4-4BCD-93E2-E3B085C9AB24}">
+                <p16:designElem xmlns:p16="http://schemas.microsoft.com/office/powerpoint/2015/main" val="1"/>
+              </p:ext>
+            </p:extLst>
+          </p:nvPr>
+        </p:nvSpPr>
+        <p:spPr>
+          <a:xfrm>
+            <a:off x="0" y="0"/>
+            <a:ext cx="12192000" cy="1890722"/>
+          </a:xfrm>
+          <a:custGeom>
+            <a:avLst/>
+            <a:gdLst>
+              <a:gd name="connsiteX0" fmla="*/ 0 w 12192000"/>
+              <a:gd name="connsiteY0" fmla="*/ 0 h 1890722"/>
+              <a:gd name="connsiteX1" fmla="*/ 12192000 w 12192000"/>
+              <a:gd name="connsiteY1" fmla="*/ 0 h 1890722"/>
+              <a:gd name="connsiteX2" fmla="*/ 12192000 w 12192000"/>
+              <a:gd name="connsiteY2" fmla="*/ 1626227 h 1890722"/>
+              <a:gd name="connsiteX3" fmla="*/ 11359165 w 12192000"/>
+              <a:gd name="connsiteY3" fmla="*/ 1698736 h 1890722"/>
+              <a:gd name="connsiteX4" fmla="*/ 6097526 w 12192000"/>
+              <a:gd name="connsiteY4" fmla="*/ 1890722 h 1890722"/>
+              <a:gd name="connsiteX5" fmla="*/ 835887 w 12192000"/>
+              <a:gd name="connsiteY5" fmla="*/ 1698736 h 1890722"/>
+              <a:gd name="connsiteX6" fmla="*/ 0 w 12192000"/>
+              <a:gd name="connsiteY6" fmla="*/ 1625962 h 1890722"/>
+            </a:gdLst>
+            <a:ahLst/>
+            <a:cxnLst>
+              <a:cxn ang="0">
+                <a:pos x="connsiteX0" y="connsiteY0"/>
+              </a:cxn>
+              <a:cxn ang="0">
+                <a:pos x="connsiteX1" y="connsiteY1"/>
+              </a:cxn>
+              <a:cxn ang="0">
+                <a:pos x="connsiteX2" y="connsiteY2"/>
+              </a:cxn>
+              <a:cxn ang="0">
+                <a:pos x="connsiteX3" y="connsiteY3"/>
+              </a:cxn>
+              <a:cxn ang="0">
+                <a:pos x="connsiteX4" y="connsiteY4"/>
+              </a:cxn>
+              <a:cxn ang="0">
+                <a:pos x="connsiteX5" y="connsiteY5"/>
+              </a:cxn>
+              <a:cxn ang="0">
+                <a:pos x="connsiteX6" y="connsiteY6"/>
+              </a:cxn>
+            </a:cxnLst>
+            <a:rect l="l" t="t" r="r" b="b"/>
+            <a:pathLst>
+              <a:path w="12192000" h="1890722">
+                <a:moveTo>
+                  <a:pt x="0" y="0"/>
+                </a:moveTo>
+                <a:lnTo>
+                  <a:pt x="12192000" y="0"/>
+                </a:lnTo>
+                <a:lnTo>
+                  <a:pt x="12192000" y="1626227"/>
+                </a:lnTo>
+                <a:lnTo>
+                  <a:pt x="11359165" y="1698736"/>
+                </a:lnTo>
+                <a:cubicBezTo>
+                  <a:pt x="9741947" y="1822361"/>
+                  <a:pt x="7963910" y="1890722"/>
+                  <a:pt x="6097526" y="1890722"/>
+                </a:cubicBezTo>
+                <a:cubicBezTo>
+                  <a:pt x="4231142" y="1890722"/>
+                  <a:pt x="2453104" y="1822361"/>
+                  <a:pt x="835887" y="1698736"/>
+                </a:cubicBezTo>
+                <a:lnTo>
+                  <a:pt x="0" y="1625962"/>
+                </a:lnTo>
+                <a:close/>
+              </a:path>
+            </a:pathLst>
+          </a:custGeom>
+          <a:ln w="9525">
+            <a:noFill/>
+          </a:ln>
+          <a:effectLst/>
+        </p:spPr>
+        <p:style>
+          <a:lnRef idx="2">
+            <a:schemeClr val="accent1">
+              <a:shade val="50000"/>
+            </a:schemeClr>
+          </a:lnRef>
+          <a:fillRef idx="1">
+            <a:schemeClr val="accent1"/>
+          </a:fillRef>
+          <a:effectRef idx="0">
+            <a:schemeClr val="accent1"/>
+          </a:effectRef>
+          <a:fontRef idx="minor">
+            <a:schemeClr val="lt1"/>
+          </a:fontRef>
+        </p:style>
+        <p:txBody>
+          <a:bodyPr wrap="square" rtlCol="0" anchor="ctr">
+            <a:noAutofit/>
+          </a:bodyPr>
+          <a:lstStyle/>
+          <a:p>
+            <a:pPr marL="0" marR="0" lvl="0" indent="0" algn="ctr" defTabSz="914400" rtl="0" eaLnBrk="1" fontAlgn="auto" latinLnBrk="0" hangingPunct="1">
+              <a:lnSpc>
+                <a:spcPct val="100000"/>
+              </a:lnSpc>
+              <a:spcBef>
+                <a:spcPts val="0"/>
+              </a:spcBef>
+              <a:spcAft>
+                <a:spcPts val="0"/>
+              </a:spcAft>
+              <a:buClrTx/>
+              <a:buSzTx/>
+              <a:buFontTx/>
+              <a:buNone/>
+              <a:tabLst/>
+              <a:defRPr/>
+            </a:pPr>
+            <a:endParaRPr kumimoji="0" lang="en-US" sz="1800" b="0" i="0" u="none" strike="noStrike" kern="1200" cap="none" spc="0" normalizeH="0" baseline="0" noProof="0">
+              <a:ln>
+                <a:noFill/>
+              </a:ln>
+              <a:solidFill>
+                <a:prstClr val="white"/>
+              </a:solidFill>
+              <a:effectLst/>
+              <a:uLnTx/>
+              <a:uFillTx/>
+              <a:latin typeface="Calibri" panose="020F0502020204030204"/>
+              <a:ea typeface="+mn-ea"/>
+              <a:cs typeface="+mn-cs"/>
+            </a:endParaRPr>
+          </a:p>
+        </p:txBody>
+      </p:sp>
       <p:sp>
         <p:nvSpPr>
           <p:cNvPr id="2" name="Titolo 1">
@@ -3587,29 +5510,36 @@
             <p:ph type="title"/>
           </p:nvPr>
         </p:nvSpPr>
-        <p:spPr/>
-        <p:txBody>
-          <a:bodyPr/>
-          <a:lstStyle/>
-          <a:p>
-            <a:r>
-              <a:rPr lang="it-IT" dirty="0"/>
+        <p:spPr>
+          <a:xfrm>
+            <a:off x="838200" y="253397"/>
+            <a:ext cx="10515600" cy="1273233"/>
+          </a:xfrm>
+        </p:spPr>
+        <p:txBody>
+          <a:bodyPr>
+            <a:normAutofit/>
+          </a:bodyPr>
+          <a:lstStyle/>
+          <a:p>
+            <a:r>
+              <a:rPr lang="it-IT" sz="4000" dirty="0"/>
               <a:t>1. </a:t>
             </a:r>
             <a:r>
-              <a:rPr lang="it-IT" dirty="0" err="1"/>
+              <a:rPr lang="it-IT" sz="4000" dirty="0" err="1"/>
               <a:t>Obstacle</a:t>
             </a:r>
             <a:r>
-              <a:rPr lang="it-IT" dirty="0"/>
+              <a:rPr lang="it-IT" sz="4000" dirty="0"/>
               <a:t> </a:t>
             </a:r>
             <a:r>
-              <a:rPr lang="it-IT" dirty="0" err="1"/>
+              <a:rPr lang="it-IT" sz="4000" dirty="0" err="1"/>
               <a:t>Recognition</a:t>
             </a:r>
             <a:r>
-              <a:rPr lang="it-IT" dirty="0"/>
+              <a:rPr lang="it-IT" sz="4000" dirty="0"/>
               <a:t> </a:t>
             </a:r>
           </a:p>
@@ -3617,6 +5547,74 @@
       </p:sp>
       <p:sp>
         <p:nvSpPr>
+          <p:cNvPr id="14" name="Rectangle 13">
+            <a:extLst>
+              <a:ext uri="{FF2B5EF4-FFF2-40B4-BE49-F238E27FC236}">
+                <a16:creationId xmlns:a16="http://schemas.microsoft.com/office/drawing/2014/main" id="{92C3387C-D24F-4737-8A37-1DC5CFF09CFA}"/>
+              </a:ext>
+              <a:ext uri="{C183D7F6-B498-43B3-948B-1728B52AA6E4}">
+                <adec:decorative xmlns:adec="http://schemas.microsoft.com/office/drawing/2017/decorative" val="1"/>
+              </a:ext>
+            </a:extLst>
+          </p:cNvPr>
+          <p:cNvSpPr>
+            <a:spLocks noGrp="1" noRot="1" noChangeAspect="1" noMove="1" noResize="1" noEditPoints="1" noAdjustHandles="1" noChangeArrowheads="1" noChangeShapeType="1" noTextEdit="1"/>
+          </p:cNvSpPr>
+          <p:nvPr>
+            <p:extLst>
+              <p:ext uri="{386F3935-93C4-4BCD-93E2-E3B085C9AB24}">
+                <p16:designElem xmlns:p16="http://schemas.microsoft.com/office/powerpoint/2015/main" val="1"/>
+              </p:ext>
+            </p:extLst>
+          </p:nvPr>
+        </p:nvSpPr>
+        <p:spPr>
+          <a:xfrm>
+            <a:off x="0" y="524522"/>
+            <a:ext cx="128016" cy="704088"/>
+          </a:xfrm>
+          <a:prstGeom prst="rect">
+            <a:avLst/>
+          </a:prstGeom>
+          <a:solidFill>
+            <a:schemeClr val="accent2"/>
+          </a:solidFill>
+          <a:ln>
+            <a:noFill/>
+          </a:ln>
+        </p:spPr>
+        <p:style>
+          <a:lnRef idx="2">
+            <a:schemeClr val="accent1">
+              <a:shade val="50000"/>
+            </a:schemeClr>
+          </a:lnRef>
+          <a:fillRef idx="1">
+            <a:schemeClr val="accent1"/>
+          </a:fillRef>
+          <a:effectRef idx="0">
+            <a:schemeClr val="accent1"/>
+          </a:effectRef>
+          <a:fontRef idx="minor">
+            <a:schemeClr val="lt1"/>
+          </a:fontRef>
+        </p:style>
+        <p:txBody>
+          <a:bodyPr rtlCol="0" anchor="ctr"/>
+          <a:lstStyle/>
+          <a:p>
+            <a:pPr algn="ctr"/>
+            <a:endParaRPr lang="en-US">
+              <a:solidFill>
+                <a:prstClr val="white"/>
+              </a:solidFill>
+              <a:latin typeface="Calibri" panose="020F0502020204030204"/>
+            </a:endParaRPr>
+          </a:p>
+        </p:txBody>
+      </p:sp>
+      <p:sp>
+        <p:nvSpPr>
           <p:cNvPr id="3" name="Segnaposto contenuto 2">
             <a:extLst>
               <a:ext uri="{FF2B5EF4-FFF2-40B4-BE49-F238E27FC236}">
@@ -3631,302 +5629,169 @@
             <p:ph idx="1"/>
           </p:nvPr>
         </p:nvSpPr>
-        <p:spPr/>
-        <p:txBody>
-          <a:bodyPr/>
-          <a:lstStyle/>
-          <a:p>
-            <a:r>
-              <a:rPr lang="it-IT" dirty="0"/>
+        <p:spPr>
+          <a:xfrm>
+            <a:off x="838200" y="2478024"/>
+            <a:ext cx="10515600" cy="3694176"/>
+          </a:xfrm>
+        </p:spPr>
+        <p:txBody>
+          <a:bodyPr>
+            <a:normAutofit/>
+          </a:bodyPr>
+          <a:lstStyle/>
+          <a:p>
+            <a:r>
+              <a:rPr lang="it-IT" sz="2200" dirty="0"/>
+              <a:t>The obstacle recognition is achieved by proximity sensors, placed in three different spots:</a:t>
+            </a:r>
+          </a:p>
+          <a:p>
+            <a:pPr lvl="1"/>
+            <a:r>
+              <a:rPr lang="it-IT" sz="2200" dirty="0"/>
+              <a:t>One is placed on the fronthead,</a:t>
+            </a:r>
+          </a:p>
+          <a:p>
+            <a:pPr lvl="1"/>
+            <a:r>
+              <a:rPr lang="it-IT" sz="2200" dirty="0"/>
+              <a:t>One is placed on the </a:t>
+            </a:r>
+            <a:r>
+              <a:rPr lang="it-IT" sz="2200" dirty="0" err="1"/>
+              <a:t>ankle</a:t>
+            </a:r>
+            <a:r>
+              <a:rPr lang="it-IT" sz="2200" dirty="0"/>
+              <a:t>,</a:t>
+            </a:r>
+          </a:p>
+          <a:p>
+            <a:pPr lvl="1"/>
+            <a:r>
+              <a:rPr lang="it-IT" sz="2200" dirty="0"/>
+              <a:t>One </a:t>
+            </a:r>
+            <a:r>
+              <a:rPr lang="it-IT" sz="2200" dirty="0" err="1"/>
+              <a:t>is</a:t>
+            </a:r>
+            <a:r>
+              <a:rPr lang="it-IT" sz="2200" dirty="0"/>
+              <a:t> </a:t>
+            </a:r>
+            <a:r>
+              <a:rPr lang="it-IT" sz="2200" dirty="0" err="1"/>
+              <a:t>placed</a:t>
+            </a:r>
+            <a:r>
+              <a:rPr lang="it-IT" sz="2200" dirty="0"/>
+              <a:t> on the </a:t>
+            </a:r>
+            <a:r>
+              <a:rPr lang="en-US" sz="2200" dirty="0"/>
+              <a:t>wrist</a:t>
+            </a:r>
+            <a:r>
+              <a:rPr lang="it-IT" sz="2200" dirty="0"/>
+              <a:t> and can be </a:t>
+            </a:r>
+            <a:r>
+              <a:rPr lang="it-IT" sz="2200" dirty="0" err="1"/>
+              <a:t>moved</a:t>
+            </a:r>
+            <a:r>
+              <a:rPr lang="it-IT" sz="2200" dirty="0"/>
+              <a:t> to be </a:t>
+            </a:r>
+            <a:r>
+              <a:rPr lang="it-IT" sz="2200" dirty="0" err="1"/>
+              <a:t>used</a:t>
+            </a:r>
+            <a:r>
+              <a:rPr lang="it-IT" sz="2200" dirty="0"/>
+              <a:t>.</a:t>
+            </a:r>
+          </a:p>
+          <a:p>
+            <a:r>
+              <a:rPr lang="it-IT" sz="2200" dirty="0"/>
               <a:t>The </a:t>
             </a:r>
             <a:r>
-              <a:rPr lang="it-IT" dirty="0" err="1"/>
-              <a:t>obstacle</a:t>
-            </a:r>
-            <a:r>
-              <a:rPr lang="it-IT" dirty="0"/>
+              <a:rPr lang="it-IT" sz="2200" dirty="0" err="1"/>
+              <a:t>three</a:t>
+            </a:r>
+            <a:r>
+              <a:rPr lang="it-IT" sz="2200" dirty="0"/>
               <a:t> </a:t>
             </a:r>
             <a:r>
-              <a:rPr lang="it-IT" dirty="0" err="1"/>
-              <a:t>recognition</a:t>
-            </a:r>
-            <a:r>
-              <a:rPr lang="it-IT" dirty="0"/>
+              <a:rPr lang="it-IT" sz="2200" dirty="0" err="1"/>
+              <a:t>proximity</a:t>
+            </a:r>
+            <a:r>
+              <a:rPr lang="it-IT" sz="2200" dirty="0"/>
+              <a:t> sensors are coupled with </a:t>
+            </a:r>
+            <a:r>
+              <a:rPr lang="it-IT" sz="2200" dirty="0" err="1"/>
+              <a:t>three</a:t>
+            </a:r>
+            <a:r>
+              <a:rPr lang="it-IT" sz="2200" dirty="0"/>
               <a:t> </a:t>
             </a:r>
             <a:r>
-              <a:rPr lang="it-IT" dirty="0" err="1"/>
-              <a:t>is</a:t>
-            </a:r>
-            <a:r>
-              <a:rPr lang="it-IT" dirty="0"/>
+              <a:rPr lang="it-IT" sz="2200" dirty="0" err="1"/>
+              <a:t>vibration</a:t>
+            </a:r>
+            <a:r>
+              <a:rPr lang="it-IT" sz="2200" dirty="0"/>
               <a:t> </a:t>
             </a:r>
             <a:r>
-              <a:rPr lang="it-IT" dirty="0" err="1"/>
-              <a:t>achieved</a:t>
-            </a:r>
-            <a:r>
-              <a:rPr lang="it-IT" dirty="0"/>
-              <a:t> by </a:t>
-            </a:r>
-            <a:r>
-              <a:rPr lang="it-IT" dirty="0" err="1"/>
-              <a:t>proximity</a:t>
-            </a:r>
-            <a:r>
-              <a:rPr lang="it-IT" dirty="0"/>
+              <a:rPr lang="it-IT" sz="2200" dirty="0" err="1"/>
+              <a:t>actuators</a:t>
+            </a:r>
+            <a:r>
+              <a:rPr lang="it-IT" sz="2200" dirty="0"/>
+              <a:t>, </a:t>
+            </a:r>
+            <a:r>
+              <a:rPr lang="it-IT" sz="2200" dirty="0" err="1"/>
+              <a:t>which</a:t>
+            </a:r>
+            <a:r>
+              <a:rPr lang="it-IT" sz="2200" dirty="0"/>
               <a:t> </a:t>
             </a:r>
             <a:r>
-              <a:rPr lang="it-IT" dirty="0" err="1"/>
-              <a:t>sensors</a:t>
-            </a:r>
-            <a:r>
-              <a:rPr lang="it-IT" dirty="0"/>
-              <a:t>, </a:t>
-            </a:r>
-            <a:r>
-              <a:rPr lang="it-IT" dirty="0" err="1"/>
-              <a:t>placed</a:t>
-            </a:r>
-            <a:r>
-              <a:rPr lang="it-IT" dirty="0"/>
-              <a:t> in </a:t>
-            </a:r>
-            <a:r>
-              <a:rPr lang="it-IT" dirty="0" err="1"/>
-              <a:t>three</a:t>
-            </a:r>
-            <a:r>
-              <a:rPr lang="it-IT" dirty="0"/>
+              <a:rPr lang="it-IT" sz="2200" dirty="0" err="1"/>
+              <a:t>instantly</a:t>
+            </a:r>
+            <a:r>
+              <a:rPr lang="it-IT" sz="2200" dirty="0"/>
               <a:t> </a:t>
             </a:r>
             <a:r>
-              <a:rPr lang="it-IT" dirty="0" err="1"/>
-              <a:t>different</a:t>
-            </a:r>
-            <a:r>
-              <a:rPr lang="it-IT" dirty="0"/>
-              <a:t> spots:</a:t>
-            </a:r>
-          </a:p>
-          <a:p>
-            <a:pPr lvl="1"/>
-            <a:r>
-              <a:rPr lang="it-IT" dirty="0"/>
-              <a:t>One </a:t>
-            </a:r>
-            <a:r>
-              <a:rPr lang="it-IT" dirty="0" err="1"/>
-              <a:t>is</a:t>
-            </a:r>
-            <a:r>
-              <a:rPr lang="it-IT" dirty="0"/>
-              <a:t> </a:t>
-            </a:r>
-            <a:r>
-              <a:rPr lang="it-IT" dirty="0" err="1"/>
-              <a:t>placed</a:t>
-            </a:r>
-            <a:r>
-              <a:rPr lang="it-IT" dirty="0"/>
-              <a:t> on the </a:t>
-            </a:r>
-            <a:r>
-              <a:rPr lang="it-IT" dirty="0" err="1"/>
-              <a:t>fronthead</a:t>
-            </a:r>
-            <a:r>
-              <a:rPr lang="it-IT" dirty="0"/>
-              <a:t>,</a:t>
-            </a:r>
-          </a:p>
-          <a:p>
-            <a:pPr lvl="1"/>
-            <a:r>
-              <a:rPr lang="it-IT" dirty="0"/>
-              <a:t>One </a:t>
-            </a:r>
-            <a:r>
-              <a:rPr lang="it-IT" dirty="0" err="1"/>
-              <a:t>is</a:t>
-            </a:r>
-            <a:r>
-              <a:rPr lang="it-IT" dirty="0"/>
-              <a:t> </a:t>
-            </a:r>
-            <a:r>
-              <a:rPr lang="it-IT" dirty="0" err="1"/>
-              <a:t>placed</a:t>
-            </a:r>
-            <a:r>
-              <a:rPr lang="it-IT" dirty="0"/>
-              <a:t> on the </a:t>
-            </a:r>
-            <a:r>
-              <a:rPr lang="it-IT" dirty="0" err="1"/>
-              <a:t>waist</a:t>
-            </a:r>
-            <a:r>
-              <a:rPr lang="it-IT" dirty="0"/>
-              <a:t>,</a:t>
-            </a:r>
-          </a:p>
-          <a:p>
-            <a:pPr lvl="1"/>
-            <a:r>
-              <a:rPr lang="it-IT" dirty="0"/>
-              <a:t>One </a:t>
-            </a:r>
-            <a:r>
-              <a:rPr lang="it-IT" dirty="0" err="1"/>
-              <a:t>is</a:t>
-            </a:r>
-            <a:r>
-              <a:rPr lang="it-IT" dirty="0"/>
-              <a:t> </a:t>
-            </a:r>
-            <a:r>
-              <a:rPr lang="it-IT" dirty="0" err="1"/>
-              <a:t>placed</a:t>
-            </a:r>
-            <a:r>
-              <a:rPr lang="it-IT" dirty="0"/>
-              <a:t> on the </a:t>
-            </a:r>
-            <a:r>
-              <a:rPr lang="it-IT" dirty="0" err="1"/>
-              <a:t>ankle</a:t>
-            </a:r>
-            <a:r>
-              <a:rPr lang="it-IT" dirty="0"/>
-              <a:t>.</a:t>
-            </a:r>
-          </a:p>
-          <a:p>
-            <a:r>
-              <a:rPr lang="it-IT" dirty="0" err="1"/>
-              <a:t>Each</a:t>
-            </a:r>
-            <a:r>
-              <a:rPr lang="it-IT" dirty="0"/>
-              <a:t> </a:t>
-            </a:r>
-            <a:r>
-              <a:rPr lang="it-IT" dirty="0" err="1"/>
-              <a:t>proximity</a:t>
-            </a:r>
-            <a:r>
-              <a:rPr lang="it-IT" dirty="0"/>
-              <a:t> </a:t>
-            </a:r>
-            <a:r>
-              <a:rPr lang="it-IT" dirty="0" err="1"/>
-              <a:t>sensor</a:t>
-            </a:r>
-            <a:r>
-              <a:rPr lang="it-IT" dirty="0"/>
-              <a:t> </a:t>
-            </a:r>
-            <a:r>
-              <a:rPr lang="it-IT" dirty="0" err="1"/>
-              <a:t>is</a:t>
-            </a:r>
-            <a:r>
-              <a:rPr lang="it-IT" dirty="0"/>
-              <a:t> </a:t>
-            </a:r>
-            <a:r>
-              <a:rPr lang="it-IT" dirty="0" err="1"/>
-              <a:t>coupled</a:t>
-            </a:r>
-            <a:r>
-              <a:rPr lang="it-IT" dirty="0"/>
-              <a:t> with a </a:t>
-            </a:r>
-            <a:r>
-              <a:rPr lang="it-IT" dirty="0" err="1"/>
-              <a:t>vibration</a:t>
-            </a:r>
-            <a:r>
-              <a:rPr lang="it-IT" dirty="0"/>
-              <a:t> </a:t>
-            </a:r>
-            <a:r>
-              <a:rPr lang="it-IT" dirty="0" err="1"/>
-              <a:t>actuator</a:t>
-            </a:r>
-            <a:r>
-              <a:rPr lang="it-IT" dirty="0"/>
-              <a:t>, </a:t>
-            </a:r>
-            <a:r>
-              <a:rPr lang="it-IT" dirty="0" err="1"/>
-              <a:t>which</a:t>
-            </a:r>
-            <a:r>
-              <a:rPr lang="it-IT" dirty="0"/>
-              <a:t> </a:t>
-            </a:r>
-            <a:r>
-              <a:rPr lang="it-IT" dirty="0" err="1"/>
-              <a:t>communicates</a:t>
-            </a:r>
-            <a:r>
-              <a:rPr lang="it-IT" dirty="0"/>
-              <a:t> </a:t>
-            </a:r>
-            <a:r>
-              <a:rPr lang="it-IT" dirty="0" err="1"/>
-              <a:t>where</a:t>
-            </a:r>
-            <a:r>
-              <a:rPr lang="it-IT" dirty="0"/>
-              <a:t> the </a:t>
-            </a:r>
-            <a:r>
-              <a:rPr lang="it-IT" dirty="0" err="1"/>
-              <a:t>obstacle</a:t>
-            </a:r>
-            <a:r>
-              <a:rPr lang="it-IT" dirty="0"/>
-              <a:t> </a:t>
-            </a:r>
-            <a:r>
-              <a:rPr lang="it-IT" dirty="0" err="1"/>
-              <a:t>is</a:t>
-            </a:r>
-            <a:r>
-              <a:rPr lang="it-IT" dirty="0"/>
-              <a:t>.</a:t>
-            </a:r>
-          </a:p>
-          <a:p>
-            <a:pPr marL="457200" lvl="1" indent="0">
-              <a:buNone/>
-            </a:pPr>
-            <a:endParaRPr lang="it-IT" dirty="0"/>
-          </a:p>
-          <a:p>
-            <a:pPr marL="457200" lvl="1" indent="0">
-              <a:buNone/>
-            </a:pPr>
-            <a:endParaRPr lang="it-IT" dirty="0"/>
-          </a:p>
-          <a:p>
-            <a:pPr marL="457200" lvl="1" indent="0">
-              <a:buNone/>
-            </a:pPr>
-            <a:endParaRPr lang="it-IT" dirty="0"/>
-          </a:p>
-          <a:p>
-            <a:pPr marL="457200" lvl="1" indent="0">
-              <a:buNone/>
-            </a:pPr>
-            <a:endParaRPr lang="it-IT" dirty="0"/>
+              <a:rPr lang="it-IT" sz="2200" dirty="0" err="1"/>
+              <a:t>communicate</a:t>
+            </a:r>
+            <a:r>
+              <a:rPr lang="it-IT" sz="2200" dirty="0"/>
+              <a:t> where the </a:t>
+            </a:r>
+            <a:r>
+              <a:rPr lang="it-IT" sz="2200" dirty="0" err="1"/>
+              <a:t>obstacles</a:t>
+            </a:r>
+            <a:r>
+              <a:rPr lang="it-IT" sz="2200" dirty="0"/>
+              <a:t> are.</a:t>
+            </a:r>
           </a:p>
         </p:txBody>
       </p:sp>
@@ -3946,6 +5811,14 @@
 <file path=ppt/slides/slide4.xml><?xml version="1.0" encoding="utf-8"?>
 <p:sld xmlns:a="http://schemas.openxmlformats.org/drawingml/2006/main" xmlns:r="http://schemas.openxmlformats.org/officeDocument/2006/relationships" xmlns:p="http://schemas.openxmlformats.org/presentationml/2006/main">
   <p:cSld>
+    <p:bg>
+      <p:bgPr>
+        <a:solidFill>
+          <a:schemeClr val="bg1"/>
+        </a:solidFill>
+        <a:effectLst/>
+      </p:bgPr>
+    </p:bg>
     <p:spTree>
       <p:nvGrpSpPr>
         <p:cNvPr id="1" name=""/>
@@ -3960,6 +5833,401 @@
           <a:chExt cx="0" cy="0"/>
         </a:xfrm>
       </p:grpSpPr>
+      <p:sp useBgFill="1">
+        <p:nvSpPr>
+          <p:cNvPr id="15" name="Rectangle 14">
+            <a:extLst>
+              <a:ext uri="{FF2B5EF4-FFF2-40B4-BE49-F238E27FC236}">
+                <a16:creationId xmlns:a16="http://schemas.microsoft.com/office/drawing/2014/main" id="{2029D5AD-8348-4446-B191-6A9B6FE03F21}"/>
+              </a:ext>
+              <a:ext uri="{C183D7F6-B498-43B3-948B-1728B52AA6E4}">
+                <adec:decorative xmlns:adec="http://schemas.microsoft.com/office/drawing/2017/decorative" val="1"/>
+              </a:ext>
+            </a:extLst>
+          </p:cNvPr>
+          <p:cNvSpPr>
+            <a:spLocks noGrp="1" noRot="1" noChangeAspect="1" noMove="1" noResize="1" noEditPoints="1" noAdjustHandles="1" noChangeArrowheads="1" noChangeShapeType="1" noTextEdit="1"/>
+          </p:cNvSpPr>
+          <p:nvPr>
+            <p:extLst>
+              <p:ext uri="{386F3935-93C4-4BCD-93E2-E3B085C9AB24}">
+                <p16:designElem xmlns:p16="http://schemas.microsoft.com/office/powerpoint/2015/main" val="1"/>
+              </p:ext>
+            </p:extLst>
+          </p:nvPr>
+        </p:nvSpPr>
+        <p:spPr>
+          <a:xfrm>
+            <a:off x="0" y="0"/>
+            <a:ext cx="12188952" cy="6858000"/>
+          </a:xfrm>
+          <a:prstGeom prst="rect">
+            <a:avLst/>
+          </a:prstGeom>
+          <a:ln>
+            <a:noFill/>
+          </a:ln>
+        </p:spPr>
+        <p:style>
+          <a:lnRef idx="2">
+            <a:schemeClr val="accent1">
+              <a:shade val="50000"/>
+            </a:schemeClr>
+          </a:lnRef>
+          <a:fillRef idx="1">
+            <a:schemeClr val="accent1"/>
+          </a:fillRef>
+          <a:effectRef idx="0">
+            <a:schemeClr val="accent1"/>
+          </a:effectRef>
+          <a:fontRef idx="minor">
+            <a:schemeClr val="lt1"/>
+          </a:fontRef>
+        </p:style>
+        <p:txBody>
+          <a:bodyPr rtlCol="0" anchor="ctr"/>
+          <a:lstStyle/>
+          <a:p>
+            <a:pPr algn="ctr"/>
+            <a:endParaRPr lang="en-US"/>
+          </a:p>
+        </p:txBody>
+      </p:sp>
+      <p:sp useBgFill="1">
+        <p:nvSpPr>
+          <p:cNvPr id="17" name="Freeform: Shape 16">
+            <a:extLst>
+              <a:ext uri="{FF2B5EF4-FFF2-40B4-BE49-F238E27FC236}">
+                <a16:creationId xmlns:a16="http://schemas.microsoft.com/office/drawing/2014/main" id="{A3F395A2-2B64-4749-BD93-2F159C7E1FB5}"/>
+              </a:ext>
+              <a:ext uri="{C183D7F6-B498-43B3-948B-1728B52AA6E4}">
+                <adec:decorative xmlns:adec="http://schemas.microsoft.com/office/drawing/2017/decorative" val="1"/>
+              </a:ext>
+            </a:extLst>
+          </p:cNvPr>
+          <p:cNvSpPr>
+            <a:spLocks noGrp="1" noRot="1" noChangeAspect="1" noMove="1" noResize="1" noEditPoints="1" noAdjustHandles="1" noChangeArrowheads="1" noChangeShapeType="1" noTextEdit="1"/>
+          </p:cNvSpPr>
+          <p:nvPr>
+            <p:extLst>
+              <p:ext uri="{386F3935-93C4-4BCD-93E2-E3B085C9AB24}">
+                <p16:designElem xmlns:p16="http://schemas.microsoft.com/office/powerpoint/2015/main" val="1"/>
+              </p:ext>
+            </p:extLst>
+          </p:nvPr>
+        </p:nvSpPr>
+        <p:spPr>
+          <a:xfrm>
+            <a:off x="0" y="0"/>
+            <a:ext cx="12188952" cy="1899601"/>
+          </a:xfrm>
+          <a:custGeom>
+            <a:avLst/>
+            <a:gdLst>
+              <a:gd name="connsiteX0" fmla="*/ 0 w 12188952"/>
+              <a:gd name="connsiteY0" fmla="*/ 0 h 1899601"/>
+              <a:gd name="connsiteX1" fmla="*/ 12188952 w 12188952"/>
+              <a:gd name="connsiteY1" fmla="*/ 0 h 1899601"/>
+              <a:gd name="connsiteX2" fmla="*/ 12188952 w 12188952"/>
+              <a:gd name="connsiteY2" fmla="*/ 1635106 h 1899601"/>
+              <a:gd name="connsiteX3" fmla="*/ 11356325 w 12188952"/>
+              <a:gd name="connsiteY3" fmla="*/ 1707615 h 1899601"/>
+              <a:gd name="connsiteX4" fmla="*/ 6096001 w 12188952"/>
+              <a:gd name="connsiteY4" fmla="*/ 1899601 h 1899601"/>
+              <a:gd name="connsiteX5" fmla="*/ 835678 w 12188952"/>
+              <a:gd name="connsiteY5" fmla="*/ 1707615 h 1899601"/>
+              <a:gd name="connsiteX6" fmla="*/ 0 w 12188952"/>
+              <a:gd name="connsiteY6" fmla="*/ 1634841 h 1899601"/>
+            </a:gdLst>
+            <a:ahLst/>
+            <a:cxnLst>
+              <a:cxn ang="0">
+                <a:pos x="connsiteX0" y="connsiteY0"/>
+              </a:cxn>
+              <a:cxn ang="0">
+                <a:pos x="connsiteX1" y="connsiteY1"/>
+              </a:cxn>
+              <a:cxn ang="0">
+                <a:pos x="connsiteX2" y="connsiteY2"/>
+              </a:cxn>
+              <a:cxn ang="0">
+                <a:pos x="connsiteX3" y="connsiteY3"/>
+              </a:cxn>
+              <a:cxn ang="0">
+                <a:pos x="connsiteX4" y="connsiteY4"/>
+              </a:cxn>
+              <a:cxn ang="0">
+                <a:pos x="connsiteX5" y="connsiteY5"/>
+              </a:cxn>
+              <a:cxn ang="0">
+                <a:pos x="connsiteX6" y="connsiteY6"/>
+              </a:cxn>
+            </a:cxnLst>
+            <a:rect l="l" t="t" r="r" b="b"/>
+            <a:pathLst>
+              <a:path w="12188952" h="1899601">
+                <a:moveTo>
+                  <a:pt x="0" y="0"/>
+                </a:moveTo>
+                <a:lnTo>
+                  <a:pt x="12188952" y="0"/>
+                </a:lnTo>
+                <a:lnTo>
+                  <a:pt x="12188952" y="1635106"/>
+                </a:lnTo>
+                <a:lnTo>
+                  <a:pt x="11356325" y="1707615"/>
+                </a:lnTo>
+                <a:cubicBezTo>
+                  <a:pt x="9739512" y="1831240"/>
+                  <a:pt x="7961919" y="1899601"/>
+                  <a:pt x="6096001" y="1899601"/>
+                </a:cubicBezTo>
+                <a:cubicBezTo>
+                  <a:pt x="4230084" y="1899601"/>
+                  <a:pt x="2452490" y="1831240"/>
+                  <a:pt x="835678" y="1707615"/>
+                </a:cubicBezTo>
+                <a:lnTo>
+                  <a:pt x="0" y="1634841"/>
+                </a:lnTo>
+                <a:close/>
+              </a:path>
+            </a:pathLst>
+          </a:custGeom>
+          <a:ln w="9525">
+            <a:solidFill>
+              <a:srgbClr val="EFEFEF"/>
+            </a:solidFill>
+          </a:ln>
+          <a:effectLst>
+            <a:outerShdw blurRad="50800" dist="38100" dir="2700000" algn="tl" rotWithShape="0">
+              <a:schemeClr val="bg1">
+                <a:lumMod val="85000"/>
+                <a:alpha val="30000"/>
+              </a:schemeClr>
+            </a:outerShdw>
+          </a:effectLst>
+        </p:spPr>
+        <p:style>
+          <a:lnRef idx="2">
+            <a:schemeClr val="accent1">
+              <a:shade val="50000"/>
+            </a:schemeClr>
+          </a:lnRef>
+          <a:fillRef idx="1">
+            <a:schemeClr val="accent1"/>
+          </a:fillRef>
+          <a:effectRef idx="0">
+            <a:schemeClr val="accent1"/>
+          </a:effectRef>
+          <a:fontRef idx="minor">
+            <a:schemeClr val="lt1"/>
+          </a:fontRef>
+        </p:style>
+        <p:txBody>
+          <a:bodyPr wrap="square" rtlCol="0" anchor="ctr">
+            <a:noAutofit/>
+          </a:bodyPr>
+          <a:lstStyle/>
+          <a:p>
+            <a:pPr marL="0" marR="0" lvl="0" indent="0" algn="ctr" defTabSz="914400" rtl="0" eaLnBrk="1" fontAlgn="auto" latinLnBrk="0" hangingPunct="1">
+              <a:lnSpc>
+                <a:spcPct val="100000"/>
+              </a:lnSpc>
+              <a:spcBef>
+                <a:spcPts val="0"/>
+              </a:spcBef>
+              <a:spcAft>
+                <a:spcPts val="0"/>
+              </a:spcAft>
+              <a:buClrTx/>
+              <a:buSzTx/>
+              <a:buFontTx/>
+              <a:buNone/>
+              <a:tabLst/>
+              <a:defRPr/>
+            </a:pPr>
+            <a:endParaRPr kumimoji="0" lang="en-US" sz="1800" b="0" i="0" u="none" strike="noStrike" kern="1200" cap="none" spc="0" normalizeH="0" baseline="0" noProof="0">
+              <a:ln>
+                <a:noFill/>
+              </a:ln>
+              <a:solidFill>
+                <a:prstClr val="white"/>
+              </a:solidFill>
+              <a:effectLst/>
+              <a:uLnTx/>
+              <a:uFillTx/>
+              <a:latin typeface="Calibri" panose="020F0502020204030204"/>
+              <a:ea typeface="+mn-ea"/>
+              <a:cs typeface="+mn-cs"/>
+            </a:endParaRPr>
+          </a:p>
+        </p:txBody>
+      </p:sp>
+      <p:sp useBgFill="1">
+        <p:nvSpPr>
+          <p:cNvPr id="19" name="Freeform: Shape 18">
+            <a:extLst>
+              <a:ext uri="{FF2B5EF4-FFF2-40B4-BE49-F238E27FC236}">
+                <a16:creationId xmlns:a16="http://schemas.microsoft.com/office/drawing/2014/main" id="{5CF0135B-EAB8-4CA0-896C-2D897ECD28BC}"/>
+              </a:ext>
+              <a:ext uri="{C183D7F6-B498-43B3-948B-1728B52AA6E4}">
+                <adec:decorative xmlns:adec="http://schemas.microsoft.com/office/drawing/2017/decorative" val="1"/>
+              </a:ext>
+            </a:extLst>
+          </p:cNvPr>
+          <p:cNvSpPr>
+            <a:spLocks noGrp="1" noRot="1" noChangeAspect="1" noMove="1" noResize="1" noEditPoints="1" noAdjustHandles="1" noChangeArrowheads="1" noChangeShapeType="1" noTextEdit="1"/>
+          </p:cNvSpPr>
+          <p:nvPr>
+            <p:extLst>
+              <p:ext uri="{386F3935-93C4-4BCD-93E2-E3B085C9AB24}">
+                <p16:designElem xmlns:p16="http://schemas.microsoft.com/office/powerpoint/2015/main" val="1"/>
+              </p:ext>
+            </p:extLst>
+          </p:nvPr>
+        </p:nvSpPr>
+        <p:spPr>
+          <a:xfrm>
+            <a:off x="0" y="0"/>
+            <a:ext cx="12192000" cy="1890722"/>
+          </a:xfrm>
+          <a:custGeom>
+            <a:avLst/>
+            <a:gdLst>
+              <a:gd name="connsiteX0" fmla="*/ 0 w 12192000"/>
+              <a:gd name="connsiteY0" fmla="*/ 0 h 1890722"/>
+              <a:gd name="connsiteX1" fmla="*/ 12192000 w 12192000"/>
+              <a:gd name="connsiteY1" fmla="*/ 0 h 1890722"/>
+              <a:gd name="connsiteX2" fmla="*/ 12192000 w 12192000"/>
+              <a:gd name="connsiteY2" fmla="*/ 1626227 h 1890722"/>
+              <a:gd name="connsiteX3" fmla="*/ 11359165 w 12192000"/>
+              <a:gd name="connsiteY3" fmla="*/ 1698736 h 1890722"/>
+              <a:gd name="connsiteX4" fmla="*/ 6097526 w 12192000"/>
+              <a:gd name="connsiteY4" fmla="*/ 1890722 h 1890722"/>
+              <a:gd name="connsiteX5" fmla="*/ 835887 w 12192000"/>
+              <a:gd name="connsiteY5" fmla="*/ 1698736 h 1890722"/>
+              <a:gd name="connsiteX6" fmla="*/ 0 w 12192000"/>
+              <a:gd name="connsiteY6" fmla="*/ 1625962 h 1890722"/>
+            </a:gdLst>
+            <a:ahLst/>
+            <a:cxnLst>
+              <a:cxn ang="0">
+                <a:pos x="connsiteX0" y="connsiteY0"/>
+              </a:cxn>
+              <a:cxn ang="0">
+                <a:pos x="connsiteX1" y="connsiteY1"/>
+              </a:cxn>
+              <a:cxn ang="0">
+                <a:pos x="connsiteX2" y="connsiteY2"/>
+              </a:cxn>
+              <a:cxn ang="0">
+                <a:pos x="connsiteX3" y="connsiteY3"/>
+              </a:cxn>
+              <a:cxn ang="0">
+                <a:pos x="connsiteX4" y="connsiteY4"/>
+              </a:cxn>
+              <a:cxn ang="0">
+                <a:pos x="connsiteX5" y="connsiteY5"/>
+              </a:cxn>
+              <a:cxn ang="0">
+                <a:pos x="connsiteX6" y="connsiteY6"/>
+              </a:cxn>
+            </a:cxnLst>
+            <a:rect l="l" t="t" r="r" b="b"/>
+            <a:pathLst>
+              <a:path w="12192000" h="1890722">
+                <a:moveTo>
+                  <a:pt x="0" y="0"/>
+                </a:moveTo>
+                <a:lnTo>
+                  <a:pt x="12192000" y="0"/>
+                </a:lnTo>
+                <a:lnTo>
+                  <a:pt x="12192000" y="1626227"/>
+                </a:lnTo>
+                <a:lnTo>
+                  <a:pt x="11359165" y="1698736"/>
+                </a:lnTo>
+                <a:cubicBezTo>
+                  <a:pt x="9741947" y="1822361"/>
+                  <a:pt x="7963910" y="1890722"/>
+                  <a:pt x="6097526" y="1890722"/>
+                </a:cubicBezTo>
+                <a:cubicBezTo>
+                  <a:pt x="4231142" y="1890722"/>
+                  <a:pt x="2453104" y="1822361"/>
+                  <a:pt x="835887" y="1698736"/>
+                </a:cubicBezTo>
+                <a:lnTo>
+                  <a:pt x="0" y="1625962"/>
+                </a:lnTo>
+                <a:close/>
+              </a:path>
+            </a:pathLst>
+          </a:custGeom>
+          <a:ln w="9525">
+            <a:noFill/>
+          </a:ln>
+          <a:effectLst/>
+        </p:spPr>
+        <p:style>
+          <a:lnRef idx="2">
+            <a:schemeClr val="accent1">
+              <a:shade val="50000"/>
+            </a:schemeClr>
+          </a:lnRef>
+          <a:fillRef idx="1">
+            <a:schemeClr val="accent1"/>
+          </a:fillRef>
+          <a:effectRef idx="0">
+            <a:schemeClr val="accent1"/>
+          </a:effectRef>
+          <a:fontRef idx="minor">
+            <a:schemeClr val="lt1"/>
+          </a:fontRef>
+        </p:style>
+        <p:txBody>
+          <a:bodyPr wrap="square" rtlCol="0" anchor="ctr">
+            <a:noAutofit/>
+          </a:bodyPr>
+          <a:lstStyle/>
+          <a:p>
+            <a:pPr marL="0" marR="0" lvl="0" indent="0" algn="ctr" defTabSz="914400" rtl="0" eaLnBrk="1" fontAlgn="auto" latinLnBrk="0" hangingPunct="1">
+              <a:lnSpc>
+                <a:spcPct val="100000"/>
+              </a:lnSpc>
+              <a:spcBef>
+                <a:spcPts val="0"/>
+              </a:spcBef>
+              <a:spcAft>
+                <a:spcPts val="0"/>
+              </a:spcAft>
+              <a:buClrTx/>
+              <a:buSzTx/>
+              <a:buFontTx/>
+              <a:buNone/>
+              <a:tabLst/>
+              <a:defRPr/>
+            </a:pPr>
+            <a:endParaRPr kumimoji="0" lang="en-US" sz="1800" b="0" i="0" u="none" strike="noStrike" kern="1200" cap="none" spc="0" normalizeH="0" baseline="0" noProof="0">
+              <a:ln>
+                <a:noFill/>
+              </a:ln>
+              <a:solidFill>
+                <a:prstClr val="white"/>
+              </a:solidFill>
+              <a:effectLst/>
+              <a:uLnTx/>
+              <a:uFillTx/>
+              <a:latin typeface="Calibri" panose="020F0502020204030204"/>
+              <a:ea typeface="+mn-ea"/>
+              <a:cs typeface="+mn-cs"/>
+            </a:endParaRPr>
+          </a:p>
+        </p:txBody>
+      </p:sp>
       <p:sp>
         <p:nvSpPr>
           <p:cNvPr id="2" name="Titolo 1">
@@ -3976,13 +6244,20 @@
             <p:ph type="title"/>
           </p:nvPr>
         </p:nvSpPr>
-        <p:spPr/>
-        <p:txBody>
-          <a:bodyPr/>
-          <a:lstStyle/>
-          <a:p>
-            <a:r>
-              <a:rPr lang="it-IT" dirty="0"/>
+        <p:spPr>
+          <a:xfrm>
+            <a:off x="838200" y="253397"/>
+            <a:ext cx="10515600" cy="1273233"/>
+          </a:xfrm>
+        </p:spPr>
+        <p:txBody>
+          <a:bodyPr>
+            <a:normAutofit/>
+          </a:bodyPr>
+          <a:lstStyle/>
+          <a:p>
+            <a:r>
+              <a:rPr lang="it-IT" sz="4000"/>
               <a:t>1.1 Components list</a:t>
             </a:r>
           </a:p>
@@ -3990,6 +6265,74 @@
       </p:sp>
       <p:sp>
         <p:nvSpPr>
+          <p:cNvPr id="21" name="Rectangle 20">
+            <a:extLst>
+              <a:ext uri="{FF2B5EF4-FFF2-40B4-BE49-F238E27FC236}">
+                <a16:creationId xmlns:a16="http://schemas.microsoft.com/office/drawing/2014/main" id="{92C3387C-D24F-4737-8A37-1DC5CFF09CFA}"/>
+              </a:ext>
+              <a:ext uri="{C183D7F6-B498-43B3-948B-1728B52AA6E4}">
+                <adec:decorative xmlns:adec="http://schemas.microsoft.com/office/drawing/2017/decorative" val="1"/>
+              </a:ext>
+            </a:extLst>
+          </p:cNvPr>
+          <p:cNvSpPr>
+            <a:spLocks noGrp="1" noRot="1" noChangeAspect="1" noMove="1" noResize="1" noEditPoints="1" noAdjustHandles="1" noChangeArrowheads="1" noChangeShapeType="1" noTextEdit="1"/>
+          </p:cNvSpPr>
+          <p:nvPr>
+            <p:extLst>
+              <p:ext uri="{386F3935-93C4-4BCD-93E2-E3B085C9AB24}">
+                <p16:designElem xmlns:p16="http://schemas.microsoft.com/office/powerpoint/2015/main" val="1"/>
+              </p:ext>
+            </p:extLst>
+          </p:nvPr>
+        </p:nvSpPr>
+        <p:spPr>
+          <a:xfrm>
+            <a:off x="0" y="524522"/>
+            <a:ext cx="128016" cy="704088"/>
+          </a:xfrm>
+          <a:prstGeom prst="rect">
+            <a:avLst/>
+          </a:prstGeom>
+          <a:solidFill>
+            <a:schemeClr val="accent2"/>
+          </a:solidFill>
+          <a:ln>
+            <a:noFill/>
+          </a:ln>
+        </p:spPr>
+        <p:style>
+          <a:lnRef idx="2">
+            <a:schemeClr val="accent1">
+              <a:shade val="50000"/>
+            </a:schemeClr>
+          </a:lnRef>
+          <a:fillRef idx="1">
+            <a:schemeClr val="accent1"/>
+          </a:fillRef>
+          <a:effectRef idx="0">
+            <a:schemeClr val="accent1"/>
+          </a:effectRef>
+          <a:fontRef idx="minor">
+            <a:schemeClr val="lt1"/>
+          </a:fontRef>
+        </p:style>
+        <p:txBody>
+          <a:bodyPr rtlCol="0" anchor="ctr"/>
+          <a:lstStyle/>
+          <a:p>
+            <a:pPr algn="ctr"/>
+            <a:endParaRPr lang="en-US">
+              <a:solidFill>
+                <a:prstClr val="white"/>
+              </a:solidFill>
+              <a:latin typeface="Calibri" panose="020F0502020204030204"/>
+            </a:endParaRPr>
+          </a:p>
+        </p:txBody>
+      </p:sp>
+      <p:sp>
+        <p:nvSpPr>
           <p:cNvPr id="3" name="Segnaposto contenuto 2">
             <a:extLst>
               <a:ext uri="{FF2B5EF4-FFF2-40B4-BE49-F238E27FC236}">
@@ -4004,54 +6347,58 @@
             <p:ph idx="1"/>
           </p:nvPr>
         </p:nvSpPr>
-        <p:spPr/>
-        <p:txBody>
-          <a:bodyPr/>
-          <a:lstStyle/>
-          <a:p>
-            <a:r>
-              <a:rPr lang="it-IT" dirty="0" err="1"/>
+        <p:spPr>
+          <a:xfrm>
+            <a:off x="838200" y="2478024"/>
+            <a:ext cx="10515600" cy="3694176"/>
+          </a:xfrm>
+        </p:spPr>
+        <p:txBody>
+          <a:bodyPr>
+            <a:normAutofit/>
+          </a:bodyPr>
+          <a:lstStyle/>
+          <a:p>
+            <a:r>
+              <a:rPr lang="it-IT" sz="2200" dirty="0" err="1"/>
               <a:t>Proximity</a:t>
             </a:r>
             <a:r>
-              <a:rPr lang="it-IT" dirty="0"/>
-              <a:t> (3/4)</a:t>
-            </a:r>
-          </a:p>
-          <a:p>
-            <a:r>
-              <a:rPr lang="it-IT" dirty="0"/>
-              <a:t>Arduino Uno (3/4)</a:t>
-            </a:r>
-          </a:p>
-          <a:p>
-            <a:r>
-              <a:rPr lang="it-IT" dirty="0" err="1"/>
+              <a:rPr lang="it-IT" sz="2200" dirty="0"/>
+              <a:t> </a:t>
+            </a:r>
+            <a:r>
+              <a:rPr lang="it-IT" sz="2200" dirty="0" err="1"/>
+              <a:t>sensor</a:t>
+            </a:r>
+            <a:r>
+              <a:rPr lang="it-IT" sz="2200" dirty="0"/>
+              <a:t> (3)</a:t>
+            </a:r>
+          </a:p>
+          <a:p>
+            <a:r>
+              <a:rPr lang="it-IT" sz="2200" dirty="0"/>
+              <a:t>Arduino Uno (3)</a:t>
+            </a:r>
+          </a:p>
+          <a:p>
+            <a:r>
+              <a:rPr lang="it-IT" sz="2200" dirty="0" err="1"/>
               <a:t>Vibration</a:t>
             </a:r>
             <a:r>
-              <a:rPr lang="it-IT" dirty="0"/>
+              <a:rPr lang="it-IT" sz="2200" dirty="0"/>
               <a:t> </a:t>
             </a:r>
             <a:r>
-              <a:rPr lang="it-IT" dirty="0" err="1"/>
+              <a:rPr lang="it-IT" sz="2200" dirty="0" err="1"/>
               <a:t>actuator</a:t>
             </a:r>
             <a:r>
-              <a:rPr lang="it-IT" dirty="0"/>
-              <a:t> (1)</a:t>
-            </a:r>
-          </a:p>
-          <a:p>
-            <a:r>
-              <a:rPr lang="it-IT" dirty="0"/>
-              <a:t>Bluetooth device (3/4) ????? – Vedere soluzione multipli </a:t>
-            </a:r>
-            <a:r>
-              <a:rPr lang="it-IT" dirty="0" err="1"/>
-              <a:t>bluetooth</a:t>
-            </a:r>
-            <a:endParaRPr lang="it-IT" dirty="0"/>
+              <a:rPr lang="it-IT" sz="2200" dirty="0"/>
+              <a:t> (3)</a:t>
+            </a:r>
           </a:p>
         </p:txBody>
       </p:sp>
@@ -4071,6 +6418,14 @@
 <file path=ppt/slides/slide5.xml><?xml version="1.0" encoding="utf-8"?>
 <p:sld xmlns:a="http://schemas.openxmlformats.org/drawingml/2006/main" xmlns:r="http://schemas.openxmlformats.org/officeDocument/2006/relationships" xmlns:p="http://schemas.openxmlformats.org/presentationml/2006/main">
   <p:cSld>
+    <p:bg>
+      <p:bgPr>
+        <a:solidFill>
+          <a:schemeClr val="bg1"/>
+        </a:solidFill>
+        <a:effectLst/>
+      </p:bgPr>
+    </p:bg>
     <p:spTree>
       <p:nvGrpSpPr>
         <p:cNvPr id="1" name=""/>
@@ -4087,6 +6442,73 @@
       </p:grpSpPr>
       <p:sp>
         <p:nvSpPr>
+          <p:cNvPr id="15" name="Rectangle 14">
+            <a:extLst>
+              <a:ext uri="{FF2B5EF4-FFF2-40B4-BE49-F238E27FC236}">
+                <a16:creationId xmlns:a16="http://schemas.microsoft.com/office/drawing/2014/main" id="{B775CD93-9DF2-48CB-9F57-1BCA9A46C7FA}"/>
+              </a:ext>
+              <a:ext uri="{C183D7F6-B498-43B3-948B-1728B52AA6E4}">
+                <adec:decorative xmlns:adec="http://schemas.microsoft.com/office/drawing/2017/decorative" val="1"/>
+              </a:ext>
+            </a:extLst>
+          </p:cNvPr>
+          <p:cNvSpPr>
+            <a:spLocks noGrp="1" noRot="1" noChangeAspect="1" noMove="1" noResize="1" noEditPoints="1" noAdjustHandles="1" noChangeArrowheads="1" noChangeShapeType="1" noTextEdit="1"/>
+          </p:cNvSpPr>
+          <p:nvPr>
+            <p:extLst>
+              <p:ext uri="{386F3935-93C4-4BCD-93E2-E3B085C9AB24}">
+                <p16:designElem xmlns:p16="http://schemas.microsoft.com/office/powerpoint/2015/main" val="1"/>
+              </p:ext>
+            </p:extLst>
+          </p:nvPr>
+        </p:nvSpPr>
+        <p:spPr>
+          <a:xfrm>
+            <a:off x="458922" y="453981"/>
+            <a:ext cx="6675120" cy="1877811"/>
+          </a:xfrm>
+          <a:prstGeom prst="rect">
+            <a:avLst/>
+          </a:prstGeom>
+          <a:solidFill>
+            <a:srgbClr val="595959"/>
+          </a:solidFill>
+          <a:ln w="25400">
+            <a:noFill/>
+          </a:ln>
+        </p:spPr>
+        <p:style>
+          <a:lnRef idx="2">
+            <a:schemeClr val="accent1">
+              <a:shade val="50000"/>
+            </a:schemeClr>
+          </a:lnRef>
+          <a:fillRef idx="1">
+            <a:schemeClr val="accent1"/>
+          </a:fillRef>
+          <a:effectRef idx="0">
+            <a:schemeClr val="accent1"/>
+          </a:effectRef>
+          <a:fontRef idx="minor">
+            <a:schemeClr val="lt1"/>
+          </a:fontRef>
+        </p:style>
+        <p:txBody>
+          <a:bodyPr rtlCol="0" anchor="ctr"/>
+          <a:lstStyle/>
+          <a:p>
+            <a:pPr algn="ctr"/>
+            <a:endParaRPr lang="en-US">
+              <a:solidFill>
+                <a:srgbClr val="FFFFFF"/>
+              </a:solidFill>
+            </a:endParaRPr>
+          </a:p>
+        </p:txBody>
+      </p:sp>
+      <p:sp>
+        <p:nvSpPr>
           <p:cNvPr id="2" name="Titolo 1">
             <a:extLst>
               <a:ext uri="{FF2B5EF4-FFF2-40B4-BE49-F238E27FC236}">
@@ -4101,242 +6523,431 @@
             <p:ph type="title"/>
           </p:nvPr>
         </p:nvSpPr>
-        <p:spPr/>
-        <p:txBody>
-          <a:bodyPr/>
-          <a:lstStyle/>
-          <a:p>
-            <a:r>
-              <a:rPr lang="it-IT" dirty="0"/>
-              <a:t>2. Object </a:t>
-            </a:r>
-            <a:r>
-              <a:rPr lang="it-IT" dirty="0" err="1"/>
-              <a:t>Recognition</a:t>
-            </a:r>
-            <a:r>
-              <a:rPr lang="it-IT" dirty="0"/>
+        <p:spPr>
+          <a:xfrm>
+            <a:off x="731520" y="731520"/>
+            <a:ext cx="6089904" cy="1426464"/>
+          </a:xfrm>
+        </p:spPr>
+        <p:txBody>
+          <a:bodyPr>
+            <a:normAutofit/>
+          </a:bodyPr>
+          <a:lstStyle/>
+          <a:p>
+            <a:r>
+              <a:rPr lang="it-IT">
+                <a:solidFill>
+                  <a:srgbClr val="FFFFFF"/>
+                </a:solidFill>
+              </a:rPr>
+              <a:t>2. Object Recognition </a:t>
+            </a:r>
+          </a:p>
+        </p:txBody>
+      </p:sp>
+      <p:sp>
+        <p:nvSpPr>
+          <p:cNvPr id="17" name="Rectangle 16">
+            <a:extLst>
+              <a:ext uri="{FF2B5EF4-FFF2-40B4-BE49-F238E27FC236}">
+                <a16:creationId xmlns:a16="http://schemas.microsoft.com/office/drawing/2014/main" id="{6166C6D1-23AC-49C4-BA07-238E4E9F8CEB}"/>
+              </a:ext>
+              <a:ext uri="{C183D7F6-B498-43B3-948B-1728B52AA6E4}">
+                <adec:decorative xmlns:adec="http://schemas.microsoft.com/office/drawing/2017/decorative" val="1"/>
+              </a:ext>
+            </a:extLst>
+          </p:cNvPr>
+          <p:cNvSpPr>
+            <a:spLocks noGrp="1" noRot="1" noChangeAspect="1" noMove="1" noResize="1" noEditPoints="1" noAdjustHandles="1" noChangeArrowheads="1" noChangeShapeType="1" noTextEdit="1"/>
+          </p:cNvSpPr>
+          <p:nvPr>
+            <p:extLst>
+              <p:ext uri="{386F3935-93C4-4BCD-93E2-E3B085C9AB24}">
+                <p16:designElem xmlns:p16="http://schemas.microsoft.com/office/powerpoint/2015/main" val="1"/>
+              </p:ext>
+            </p:extLst>
+          </p:nvPr>
+        </p:nvSpPr>
+        <p:spPr>
+          <a:xfrm>
+            <a:off x="7277100" y="461737"/>
+            <a:ext cx="2149361" cy="1870055"/>
+          </a:xfrm>
+          <a:prstGeom prst="rect">
+            <a:avLst/>
+          </a:prstGeom>
+          <a:solidFill>
+            <a:schemeClr val="accent1">
+              <a:alpha val="95000"/>
+            </a:schemeClr>
+          </a:solidFill>
+          <a:ln w="25400">
+            <a:noFill/>
+          </a:ln>
+        </p:spPr>
+        <p:style>
+          <a:lnRef idx="2">
+            <a:schemeClr val="accent1">
+              <a:shade val="50000"/>
+            </a:schemeClr>
+          </a:lnRef>
+          <a:fillRef idx="1">
+            <a:schemeClr val="accent1"/>
+          </a:fillRef>
+          <a:effectRef idx="0">
+            <a:schemeClr val="accent1"/>
+          </a:effectRef>
+          <a:fontRef idx="minor">
+            <a:schemeClr val="lt1"/>
+          </a:fontRef>
+        </p:style>
+        <p:txBody>
+          <a:bodyPr rtlCol="0" anchor="ctr"/>
+          <a:lstStyle/>
+          <a:p>
+            <a:pPr algn="ctr"/>
+            <a:endParaRPr lang="en-US">
+              <a:solidFill>
+                <a:srgbClr val="FFFFFF"/>
+              </a:solidFill>
+            </a:endParaRPr>
+          </a:p>
+        </p:txBody>
+      </p:sp>
+      <p:sp>
+        <p:nvSpPr>
+          <p:cNvPr id="19" name="Rectangle 18">
+            <a:extLst>
+              <a:ext uri="{FF2B5EF4-FFF2-40B4-BE49-F238E27FC236}">
+                <a16:creationId xmlns:a16="http://schemas.microsoft.com/office/drawing/2014/main" id="{E186B68C-84BC-4A6E-99D1-EE87483C1349}"/>
+              </a:ext>
+              <a:ext uri="{C183D7F6-B498-43B3-948B-1728B52AA6E4}">
+                <adec:decorative xmlns:adec="http://schemas.microsoft.com/office/drawing/2017/decorative" val="1"/>
+              </a:ext>
+            </a:extLst>
+          </p:cNvPr>
+          <p:cNvSpPr>
+            <a:spLocks noGrp="1" noRot="1" noChangeAspect="1" noMove="1" noResize="1" noEditPoints="1" noAdjustHandles="1" noChangeArrowheads="1" noChangeShapeType="1" noTextEdit="1"/>
+          </p:cNvSpPr>
+          <p:nvPr>
+            <p:extLst>
+              <p:ext uri="{386F3935-93C4-4BCD-93E2-E3B085C9AB24}">
+                <p16:designElem xmlns:p16="http://schemas.microsoft.com/office/powerpoint/2015/main" val="1"/>
+              </p:ext>
+            </p:extLst>
+          </p:nvPr>
+        </p:nvSpPr>
+        <p:spPr>
+          <a:xfrm>
+            <a:off x="9573768" y="453155"/>
+            <a:ext cx="2149358" cy="1878638"/>
+          </a:xfrm>
+          <a:prstGeom prst="rect">
+            <a:avLst/>
+          </a:prstGeom>
+          <a:solidFill>
+            <a:srgbClr val="A5A5A5"/>
+          </a:solidFill>
+          <a:ln w="25400">
+            <a:noFill/>
+          </a:ln>
+        </p:spPr>
+        <p:style>
+          <a:lnRef idx="2">
+            <a:schemeClr val="accent1">
+              <a:shade val="50000"/>
+            </a:schemeClr>
+          </a:lnRef>
+          <a:fillRef idx="1">
+            <a:schemeClr val="accent1"/>
+          </a:fillRef>
+          <a:effectRef idx="0">
+            <a:schemeClr val="accent1"/>
+          </a:effectRef>
+          <a:fontRef idx="minor">
+            <a:schemeClr val="lt1"/>
+          </a:fontRef>
+        </p:style>
+        <p:txBody>
+          <a:bodyPr rtlCol="0" anchor="ctr"/>
+          <a:lstStyle/>
+          <a:p>
+            <a:pPr algn="ctr"/>
+            <a:endParaRPr lang="en-US">
+              <a:solidFill>
+                <a:srgbClr val="FFFFFF"/>
+              </a:solidFill>
+            </a:endParaRPr>
+          </a:p>
+        </p:txBody>
+      </p:sp>
+      <p:sp>
+        <p:nvSpPr>
+          <p:cNvPr id="21" name="Rectangle 20">
+            <a:extLst>
+              <a:ext uri="{FF2B5EF4-FFF2-40B4-BE49-F238E27FC236}">
+                <a16:creationId xmlns:a16="http://schemas.microsoft.com/office/drawing/2014/main" id="{1C091803-41C2-48E0-9228-5148460C7479}"/>
+              </a:ext>
+              <a:ext uri="{C183D7F6-B498-43B3-948B-1728B52AA6E4}">
+                <adec:decorative xmlns:adec="http://schemas.microsoft.com/office/drawing/2017/decorative" val="1"/>
+              </a:ext>
+            </a:extLst>
+          </p:cNvPr>
+          <p:cNvSpPr>
+            <a:spLocks noGrp="1" noRot="1" noChangeAspect="1" noMove="1" noResize="1" noEditPoints="1" noAdjustHandles="1" noChangeArrowheads="1" noChangeShapeType="1" noTextEdit="1"/>
+          </p:cNvSpPr>
+          <p:nvPr>
+            <p:extLst>
+              <p:ext uri="{386F3935-93C4-4BCD-93E2-E3B085C9AB24}">
+                <p16:designElem xmlns:p16="http://schemas.microsoft.com/office/powerpoint/2015/main" val="1"/>
+              </p:ext>
+            </p:extLst>
+          </p:nvPr>
+        </p:nvSpPr>
+        <p:spPr>
+          <a:xfrm>
+            <a:off x="458920" y="2480956"/>
+            <a:ext cx="11264206" cy="3918122"/>
+          </a:xfrm>
+          <a:prstGeom prst="rect">
+            <a:avLst/>
+          </a:prstGeom>
+          <a:solidFill>
+            <a:schemeClr val="tx1">
+              <a:lumMod val="50000"/>
+              <a:lumOff val="50000"/>
+              <a:alpha val="20000"/>
+            </a:schemeClr>
+          </a:solidFill>
+          <a:ln>
+            <a:noFill/>
+          </a:ln>
+        </p:spPr>
+        <p:style>
+          <a:lnRef idx="2">
+            <a:schemeClr val="accent1">
+              <a:shade val="50000"/>
+            </a:schemeClr>
+          </a:lnRef>
+          <a:fillRef idx="1">
+            <a:schemeClr val="accent1"/>
+          </a:fillRef>
+          <a:effectRef idx="0">
+            <a:schemeClr val="accent1"/>
+          </a:effectRef>
+          <a:fontRef idx="minor">
+            <a:schemeClr val="lt1"/>
+          </a:fontRef>
+        </p:style>
+        <p:txBody>
+          <a:bodyPr rtlCol="0" anchor="ctr"/>
+          <a:lstStyle/>
+          <a:p>
+            <a:pPr algn="ctr"/>
+            <a:endParaRPr lang="en-US"/>
+          </a:p>
+        </p:txBody>
+      </p:sp>
+      <p:sp>
+        <p:nvSpPr>
+          <p:cNvPr id="3" name="Segnaposto contenuto 2">
+            <a:extLst>
+              <a:ext uri="{FF2B5EF4-FFF2-40B4-BE49-F238E27FC236}">
+                <a16:creationId xmlns:a16="http://schemas.microsoft.com/office/drawing/2014/main" id="{B6344B59-3BC6-47B6-8624-4BA4681F70FF}"/>
+              </a:ext>
+            </a:extLst>
+          </p:cNvPr>
+          <p:cNvSpPr>
+            <a:spLocks noGrp="1"/>
+          </p:cNvSpPr>
+          <p:nvPr>
+            <p:ph idx="1"/>
+          </p:nvPr>
+        </p:nvSpPr>
+        <p:spPr>
+          <a:xfrm>
+            <a:off x="789456" y="2798385"/>
+            <a:ext cx="10597729" cy="3283260"/>
+          </a:xfrm>
+        </p:spPr>
+        <p:txBody>
+          <a:bodyPr anchor="ctr">
+            <a:normAutofit/>
+          </a:bodyPr>
+          <a:lstStyle/>
+          <a:p>
+            <a:r>
+              <a:rPr lang="it-IT" sz="2700" dirty="0"/>
+              <a:t>The </a:t>
+            </a:r>
+            <a:r>
+              <a:rPr lang="it-IT" sz="2700" dirty="0" err="1"/>
+              <a:t>object</a:t>
+            </a:r>
+            <a:r>
+              <a:rPr lang="it-IT" sz="2700" dirty="0"/>
               <a:t> </a:t>
             </a:r>
-          </a:p>
-        </p:txBody>
-      </p:sp>
-      <p:sp>
-        <p:nvSpPr>
-          <p:cNvPr id="3" name="Segnaposto contenuto 2">
-            <a:extLst>
-              <a:ext uri="{FF2B5EF4-FFF2-40B4-BE49-F238E27FC236}">
-                <a16:creationId xmlns:a16="http://schemas.microsoft.com/office/drawing/2014/main" id="{B6344B59-3BC6-47B6-8624-4BA4681F70FF}"/>
-              </a:ext>
-            </a:extLst>
-          </p:cNvPr>
-          <p:cNvSpPr>
-            <a:spLocks noGrp="1"/>
-          </p:cNvSpPr>
-          <p:nvPr>
-            <p:ph idx="1"/>
-          </p:nvPr>
-        </p:nvSpPr>
-        <p:spPr/>
-        <p:txBody>
-          <a:bodyPr/>
-          <a:lstStyle/>
-          <a:p>
-            <a:r>
-              <a:rPr lang="it-IT" dirty="0"/>
+            <a:r>
+              <a:rPr lang="it-IT" sz="2700" dirty="0" err="1"/>
+              <a:t>that</a:t>
+            </a:r>
+            <a:r>
+              <a:rPr lang="it-IT" sz="2700" dirty="0"/>
+              <a:t> the user </a:t>
+            </a:r>
+            <a:r>
+              <a:rPr lang="it-IT" sz="2700" dirty="0" err="1"/>
+              <a:t>is</a:t>
+            </a:r>
+            <a:r>
+              <a:rPr lang="it-IT" sz="2700" dirty="0"/>
+              <a:t> </a:t>
+            </a:r>
+            <a:r>
+              <a:rPr lang="it-IT" sz="2700" dirty="0" err="1"/>
+              <a:t>looking</a:t>
+            </a:r>
+            <a:r>
+              <a:rPr lang="it-IT" sz="2700" dirty="0"/>
+              <a:t> </a:t>
+            </a:r>
+            <a:r>
+              <a:rPr lang="it-IT" sz="2700" dirty="0" err="1"/>
+              <a:t>at</a:t>
+            </a:r>
+            <a:r>
+              <a:rPr lang="it-IT" sz="2700" dirty="0"/>
+              <a:t> </a:t>
+            </a:r>
+            <a:r>
+              <a:rPr lang="it-IT" sz="2700" dirty="0" err="1"/>
+              <a:t>closely</a:t>
+            </a:r>
+            <a:r>
+              <a:rPr lang="it-IT" sz="2700" dirty="0"/>
+              <a:t> (or holding) </a:t>
+            </a:r>
+            <a:r>
+              <a:rPr lang="it-IT" sz="2700" dirty="0" err="1"/>
+              <a:t>is</a:t>
+            </a:r>
+            <a:r>
+              <a:rPr lang="it-IT" sz="2700" dirty="0"/>
+              <a:t> </a:t>
+            </a:r>
+            <a:r>
+              <a:rPr lang="it-IT" sz="2700" dirty="0" err="1"/>
+              <a:t>recognized</a:t>
+            </a:r>
+            <a:r>
+              <a:rPr lang="it-IT" sz="2700" dirty="0"/>
+              <a:t> by a camera.</a:t>
+            </a:r>
+          </a:p>
+          <a:p>
+            <a:r>
+              <a:rPr lang="it-IT" sz="2700" dirty="0" err="1"/>
+              <a:t>This</a:t>
+            </a:r>
+            <a:r>
+              <a:rPr lang="it-IT" sz="2700" dirty="0"/>
+              <a:t> </a:t>
+            </a:r>
+            <a:r>
+              <a:rPr lang="it-IT" sz="2700" dirty="0" err="1"/>
+              <a:t>happens</a:t>
+            </a:r>
+            <a:r>
+              <a:rPr lang="it-IT" sz="2700" dirty="0"/>
+              <a:t> </a:t>
+            </a:r>
+            <a:r>
+              <a:rPr lang="it-IT" sz="2700" dirty="0" err="1"/>
+              <a:t>only</a:t>
+            </a:r>
+            <a:r>
+              <a:rPr lang="it-IT" sz="2700" dirty="0"/>
+              <a:t> </a:t>
+            </a:r>
+            <a:r>
+              <a:rPr lang="it-IT" sz="2700" dirty="0" err="1"/>
+              <a:t>if</a:t>
+            </a:r>
+            <a:r>
+              <a:rPr lang="it-IT" sz="2700" dirty="0"/>
+              <a:t> the </a:t>
+            </a:r>
+            <a:r>
+              <a:rPr lang="it-IT" sz="2700" dirty="0" err="1"/>
+              <a:t>person</a:t>
+            </a:r>
+            <a:r>
+              <a:rPr lang="it-IT" sz="2700" dirty="0"/>
+              <a:t> </a:t>
+            </a:r>
+            <a:r>
+              <a:rPr lang="it-IT" sz="2700" dirty="0" err="1"/>
+              <a:t>presses</a:t>
+            </a:r>
+            <a:r>
+              <a:rPr lang="it-IT" sz="2700" dirty="0"/>
+              <a:t> a </a:t>
+            </a:r>
+            <a:r>
+              <a:rPr lang="it-IT" sz="2700" dirty="0" err="1"/>
+              <a:t>button</a:t>
+            </a:r>
+            <a:r>
+              <a:rPr lang="it-IT" sz="2700" dirty="0"/>
+              <a:t>.</a:t>
+            </a:r>
+          </a:p>
+          <a:p>
+            <a:r>
+              <a:rPr lang="it-IT" sz="2700" dirty="0"/>
               <a:t>The </a:t>
             </a:r>
             <a:r>
-              <a:rPr lang="it-IT" dirty="0" err="1"/>
-              <a:t>object</a:t>
-            </a:r>
-            <a:r>
-              <a:rPr lang="it-IT" dirty="0"/>
+              <a:rPr lang="it-IT" sz="2700" dirty="0" err="1"/>
+              <a:t>result</a:t>
+            </a:r>
+            <a:r>
+              <a:rPr lang="it-IT" sz="2700" dirty="0"/>
+              <a:t> (phone, </a:t>
+            </a:r>
+            <a:r>
+              <a:rPr lang="it-IT" sz="2700" dirty="0" err="1"/>
+              <a:t>bottle</a:t>
+            </a:r>
+            <a:r>
+              <a:rPr lang="it-IT" sz="2700" dirty="0"/>
+              <a:t>, box, </a:t>
+            </a:r>
+            <a:r>
+              <a:rPr lang="it-IT" sz="2700" dirty="0" err="1"/>
+              <a:t>etc</a:t>
+            </a:r>
+            <a:r>
+              <a:rPr lang="it-IT" sz="2700" dirty="0"/>
+              <a:t>…) </a:t>
+            </a:r>
+            <a:r>
+              <a:rPr lang="it-IT" sz="2700" dirty="0" err="1"/>
+              <a:t>is</a:t>
+            </a:r>
+            <a:r>
+              <a:rPr lang="it-IT" sz="2700" dirty="0"/>
               <a:t> </a:t>
             </a:r>
             <a:r>
-              <a:rPr lang="it-IT" dirty="0" err="1"/>
-              <a:t>that</a:t>
-            </a:r>
-            <a:r>
-              <a:rPr lang="it-IT" dirty="0"/>
-              <a:t> the user </a:t>
-            </a:r>
-            <a:r>
-              <a:rPr lang="it-IT" dirty="0" err="1"/>
-              <a:t>is</a:t>
-            </a:r>
-            <a:r>
-              <a:rPr lang="it-IT" dirty="0"/>
-              <a:t> </a:t>
-            </a:r>
-            <a:r>
-              <a:rPr lang="it-IT" dirty="0" err="1"/>
-              <a:t>looking</a:t>
-            </a:r>
-            <a:r>
-              <a:rPr lang="it-IT" dirty="0"/>
-              <a:t> </a:t>
-            </a:r>
-            <a:r>
-              <a:rPr lang="it-IT" dirty="0" err="1"/>
-              <a:t>at</a:t>
-            </a:r>
-            <a:r>
-              <a:rPr lang="it-IT" dirty="0"/>
-              <a:t> </a:t>
-            </a:r>
-            <a:r>
-              <a:rPr lang="it-IT" dirty="0" err="1"/>
-              <a:t>closely</a:t>
-            </a:r>
-            <a:r>
-              <a:rPr lang="it-IT" dirty="0"/>
-              <a:t> (or holding) </a:t>
-            </a:r>
-            <a:r>
-              <a:rPr lang="it-IT" dirty="0" err="1"/>
-              <a:t>is</a:t>
-            </a:r>
-            <a:r>
-              <a:rPr lang="it-IT" dirty="0"/>
-              <a:t> </a:t>
-            </a:r>
-            <a:r>
-              <a:rPr lang="it-IT" dirty="0" err="1"/>
-              <a:t>recognized</a:t>
-            </a:r>
-            <a:r>
-              <a:rPr lang="it-IT" dirty="0"/>
-              <a:t> by a camera.</a:t>
-            </a:r>
-          </a:p>
-          <a:p>
-            <a:r>
-              <a:rPr lang="it-IT" dirty="0" err="1"/>
-              <a:t>This</a:t>
-            </a:r>
-            <a:r>
-              <a:rPr lang="it-IT" dirty="0"/>
-              <a:t> </a:t>
-            </a:r>
-            <a:r>
-              <a:rPr lang="it-IT" dirty="0" err="1"/>
-              <a:t>happens</a:t>
-            </a:r>
-            <a:r>
-              <a:rPr lang="it-IT" dirty="0"/>
-              <a:t> </a:t>
-            </a:r>
-            <a:r>
-              <a:rPr lang="it-IT" dirty="0" err="1"/>
-              <a:t>only</a:t>
-            </a:r>
-            <a:r>
-              <a:rPr lang="it-IT" dirty="0"/>
-              <a:t> </a:t>
-            </a:r>
-            <a:r>
-              <a:rPr lang="it-IT" dirty="0" err="1"/>
-              <a:t>if</a:t>
-            </a:r>
-            <a:r>
-              <a:rPr lang="it-IT" dirty="0"/>
-              <a:t> the </a:t>
-            </a:r>
-            <a:r>
-              <a:rPr lang="it-IT" dirty="0" err="1"/>
-              <a:t>person</a:t>
-            </a:r>
-            <a:r>
-              <a:rPr lang="it-IT" dirty="0"/>
-              <a:t> </a:t>
-            </a:r>
-            <a:r>
-              <a:rPr lang="it-IT" dirty="0" err="1"/>
-              <a:t>is</a:t>
-            </a:r>
-            <a:r>
-              <a:rPr lang="it-IT" dirty="0"/>
-              <a:t> standing </a:t>
-            </a:r>
-            <a:r>
-              <a:rPr lang="it-IT" dirty="0" err="1"/>
-              <a:t>still</a:t>
-            </a:r>
-            <a:r>
-              <a:rPr lang="it-IT" dirty="0"/>
-              <a:t>, </a:t>
-            </a:r>
-            <a:r>
-              <a:rPr lang="it-IT" dirty="0" err="1"/>
-              <a:t>evaluated</a:t>
-            </a:r>
-            <a:r>
-              <a:rPr lang="it-IT" dirty="0"/>
-              <a:t> </a:t>
-            </a:r>
-            <a:r>
-              <a:rPr lang="it-IT" dirty="0" err="1"/>
-              <a:t>using</a:t>
-            </a:r>
-            <a:r>
-              <a:rPr lang="it-IT" dirty="0"/>
-              <a:t> an </a:t>
-            </a:r>
-            <a:r>
-              <a:rPr lang="it-IT" dirty="0" err="1"/>
-              <a:t>accelerometer</a:t>
-            </a:r>
-            <a:r>
-              <a:rPr lang="it-IT" dirty="0"/>
-              <a:t>.</a:t>
-            </a:r>
-          </a:p>
-          <a:p>
-            <a:r>
-              <a:rPr lang="it-IT" dirty="0"/>
-              <a:t>The </a:t>
-            </a:r>
-            <a:r>
-              <a:rPr lang="it-IT" dirty="0" err="1"/>
-              <a:t>result</a:t>
-            </a:r>
-            <a:r>
-              <a:rPr lang="it-IT" dirty="0"/>
-              <a:t> (phone, </a:t>
-            </a:r>
-            <a:r>
-              <a:rPr lang="it-IT" dirty="0" err="1"/>
-              <a:t>bottle</a:t>
-            </a:r>
-            <a:r>
-              <a:rPr lang="it-IT" dirty="0"/>
-              <a:t>, box, </a:t>
-            </a:r>
-            <a:r>
-              <a:rPr lang="it-IT" dirty="0" err="1"/>
-              <a:t>etc</a:t>
-            </a:r>
-            <a:r>
-              <a:rPr lang="it-IT" dirty="0"/>
-              <a:t>…) </a:t>
-            </a:r>
-            <a:r>
-              <a:rPr lang="it-IT" dirty="0" err="1"/>
-              <a:t>is</a:t>
-            </a:r>
-            <a:r>
-              <a:rPr lang="it-IT" dirty="0"/>
-              <a:t> </a:t>
-            </a:r>
-            <a:r>
-              <a:rPr lang="it-IT" dirty="0" err="1"/>
+              <a:rPr lang="it-IT" sz="2700" dirty="0" err="1"/>
               <a:t>communicated</a:t>
             </a:r>
             <a:r>
-              <a:rPr lang="it-IT" dirty="0"/>
-              <a:t> via speaker.</a:t>
+              <a:rPr lang="it-IT" sz="2700" dirty="0"/>
+              <a:t> to the user.</a:t>
             </a:r>
           </a:p>
         </p:txBody>
@@ -4357,6 +6968,14 @@
 <file path=ppt/slides/slide6.xml><?xml version="1.0" encoding="utf-8"?>
 <p:sld xmlns:a="http://schemas.openxmlformats.org/drawingml/2006/main" xmlns:r="http://schemas.openxmlformats.org/officeDocument/2006/relationships" xmlns:p="http://schemas.openxmlformats.org/presentationml/2006/main">
   <p:cSld>
+    <p:bg>
+      <p:bgPr>
+        <a:solidFill>
+          <a:schemeClr val="bg1"/>
+        </a:solidFill>
+        <a:effectLst/>
+      </p:bgPr>
+    </p:bg>
     <p:spTree>
       <p:nvGrpSpPr>
         <p:cNvPr id="1" name=""/>
@@ -4373,6 +6992,73 @@
       </p:grpSpPr>
       <p:sp>
         <p:nvSpPr>
+          <p:cNvPr id="15" name="Rectangle 14">
+            <a:extLst>
+              <a:ext uri="{FF2B5EF4-FFF2-40B4-BE49-F238E27FC236}">
+                <a16:creationId xmlns:a16="http://schemas.microsoft.com/office/drawing/2014/main" id="{B775CD93-9DF2-48CB-9F57-1BCA9A46C7FA}"/>
+              </a:ext>
+              <a:ext uri="{C183D7F6-B498-43B3-948B-1728B52AA6E4}">
+                <adec:decorative xmlns:adec="http://schemas.microsoft.com/office/drawing/2017/decorative" val="1"/>
+              </a:ext>
+            </a:extLst>
+          </p:cNvPr>
+          <p:cNvSpPr>
+            <a:spLocks noGrp="1" noRot="1" noChangeAspect="1" noMove="1" noResize="1" noEditPoints="1" noAdjustHandles="1" noChangeArrowheads="1" noChangeShapeType="1" noTextEdit="1"/>
+          </p:cNvSpPr>
+          <p:nvPr>
+            <p:extLst>
+              <p:ext uri="{386F3935-93C4-4BCD-93E2-E3B085C9AB24}">
+                <p16:designElem xmlns:p16="http://schemas.microsoft.com/office/powerpoint/2015/main" val="1"/>
+              </p:ext>
+            </p:extLst>
+          </p:nvPr>
+        </p:nvSpPr>
+        <p:spPr>
+          <a:xfrm>
+            <a:off x="458922" y="453981"/>
+            <a:ext cx="6675120" cy="1877811"/>
+          </a:xfrm>
+          <a:prstGeom prst="rect">
+            <a:avLst/>
+          </a:prstGeom>
+          <a:solidFill>
+            <a:srgbClr val="595959"/>
+          </a:solidFill>
+          <a:ln w="25400">
+            <a:noFill/>
+          </a:ln>
+        </p:spPr>
+        <p:style>
+          <a:lnRef idx="2">
+            <a:schemeClr val="accent1">
+              <a:shade val="50000"/>
+            </a:schemeClr>
+          </a:lnRef>
+          <a:fillRef idx="1">
+            <a:schemeClr val="accent1"/>
+          </a:fillRef>
+          <a:effectRef idx="0">
+            <a:schemeClr val="accent1"/>
+          </a:effectRef>
+          <a:fontRef idx="minor">
+            <a:schemeClr val="lt1"/>
+          </a:fontRef>
+        </p:style>
+        <p:txBody>
+          <a:bodyPr rtlCol="0" anchor="ctr"/>
+          <a:lstStyle/>
+          <a:p>
+            <a:pPr algn="ctr"/>
+            <a:endParaRPr lang="en-US">
+              <a:solidFill>
+                <a:srgbClr val="FFFFFF"/>
+              </a:solidFill>
+            </a:endParaRPr>
+          </a:p>
+        </p:txBody>
+      </p:sp>
+      <p:sp>
+        <p:nvSpPr>
           <p:cNvPr id="2" name="Titolo 1">
             <a:extLst>
               <a:ext uri="{FF2B5EF4-FFF2-40B4-BE49-F238E27FC236}">
@@ -4387,13 +7073,24 @@
             <p:ph type="title"/>
           </p:nvPr>
         </p:nvSpPr>
-        <p:spPr/>
-        <p:txBody>
-          <a:bodyPr/>
-          <a:lstStyle/>
-          <a:p>
-            <a:r>
-              <a:rPr lang="it-IT" dirty="0"/>
+        <p:spPr>
+          <a:xfrm>
+            <a:off x="731520" y="731520"/>
+            <a:ext cx="6089904" cy="1426464"/>
+          </a:xfrm>
+        </p:spPr>
+        <p:txBody>
+          <a:bodyPr>
+            <a:normAutofit/>
+          </a:bodyPr>
+          <a:lstStyle/>
+          <a:p>
+            <a:r>
+              <a:rPr lang="it-IT">
+                <a:solidFill>
+                  <a:srgbClr val="FFFFFF"/>
+                </a:solidFill>
+              </a:rPr>
               <a:t>2.1 Components list</a:t>
             </a:r>
           </a:p>
@@ -4401,6 +7098,209 @@
       </p:sp>
       <p:sp>
         <p:nvSpPr>
+          <p:cNvPr id="17" name="Rectangle 16">
+            <a:extLst>
+              <a:ext uri="{FF2B5EF4-FFF2-40B4-BE49-F238E27FC236}">
+                <a16:creationId xmlns:a16="http://schemas.microsoft.com/office/drawing/2014/main" id="{6166C6D1-23AC-49C4-BA07-238E4E9F8CEB}"/>
+              </a:ext>
+              <a:ext uri="{C183D7F6-B498-43B3-948B-1728B52AA6E4}">
+                <adec:decorative xmlns:adec="http://schemas.microsoft.com/office/drawing/2017/decorative" val="1"/>
+              </a:ext>
+            </a:extLst>
+          </p:cNvPr>
+          <p:cNvSpPr>
+            <a:spLocks noGrp="1" noRot="1" noChangeAspect="1" noMove="1" noResize="1" noEditPoints="1" noAdjustHandles="1" noChangeArrowheads="1" noChangeShapeType="1" noTextEdit="1"/>
+          </p:cNvSpPr>
+          <p:nvPr>
+            <p:extLst>
+              <p:ext uri="{386F3935-93C4-4BCD-93E2-E3B085C9AB24}">
+                <p16:designElem xmlns:p16="http://schemas.microsoft.com/office/powerpoint/2015/main" val="1"/>
+              </p:ext>
+            </p:extLst>
+          </p:nvPr>
+        </p:nvSpPr>
+        <p:spPr>
+          <a:xfrm>
+            <a:off x="7277100" y="461737"/>
+            <a:ext cx="2149361" cy="1870055"/>
+          </a:xfrm>
+          <a:prstGeom prst="rect">
+            <a:avLst/>
+          </a:prstGeom>
+          <a:solidFill>
+            <a:schemeClr val="accent1">
+              <a:alpha val="95000"/>
+            </a:schemeClr>
+          </a:solidFill>
+          <a:ln w="25400">
+            <a:noFill/>
+          </a:ln>
+        </p:spPr>
+        <p:style>
+          <a:lnRef idx="2">
+            <a:schemeClr val="accent1">
+              <a:shade val="50000"/>
+            </a:schemeClr>
+          </a:lnRef>
+          <a:fillRef idx="1">
+            <a:schemeClr val="accent1"/>
+          </a:fillRef>
+          <a:effectRef idx="0">
+            <a:schemeClr val="accent1"/>
+          </a:effectRef>
+          <a:fontRef idx="minor">
+            <a:schemeClr val="lt1"/>
+          </a:fontRef>
+        </p:style>
+        <p:txBody>
+          <a:bodyPr rtlCol="0" anchor="ctr"/>
+          <a:lstStyle/>
+          <a:p>
+            <a:pPr algn="ctr"/>
+            <a:endParaRPr lang="en-US">
+              <a:solidFill>
+                <a:srgbClr val="FFFFFF"/>
+              </a:solidFill>
+            </a:endParaRPr>
+          </a:p>
+        </p:txBody>
+      </p:sp>
+      <p:sp>
+        <p:nvSpPr>
+          <p:cNvPr id="19" name="Rectangle 18">
+            <a:extLst>
+              <a:ext uri="{FF2B5EF4-FFF2-40B4-BE49-F238E27FC236}">
+                <a16:creationId xmlns:a16="http://schemas.microsoft.com/office/drawing/2014/main" id="{E186B68C-84BC-4A6E-99D1-EE87483C1349}"/>
+              </a:ext>
+              <a:ext uri="{C183D7F6-B498-43B3-948B-1728B52AA6E4}">
+                <adec:decorative xmlns:adec="http://schemas.microsoft.com/office/drawing/2017/decorative" val="1"/>
+              </a:ext>
+            </a:extLst>
+          </p:cNvPr>
+          <p:cNvSpPr>
+            <a:spLocks noGrp="1" noRot="1" noChangeAspect="1" noMove="1" noResize="1" noEditPoints="1" noAdjustHandles="1" noChangeArrowheads="1" noChangeShapeType="1" noTextEdit="1"/>
+          </p:cNvSpPr>
+          <p:nvPr>
+            <p:extLst>
+              <p:ext uri="{386F3935-93C4-4BCD-93E2-E3B085C9AB24}">
+                <p16:designElem xmlns:p16="http://schemas.microsoft.com/office/powerpoint/2015/main" val="1"/>
+              </p:ext>
+            </p:extLst>
+          </p:nvPr>
+        </p:nvSpPr>
+        <p:spPr>
+          <a:xfrm>
+            <a:off x="9573768" y="453155"/>
+            <a:ext cx="2149358" cy="1878638"/>
+          </a:xfrm>
+          <a:prstGeom prst="rect">
+            <a:avLst/>
+          </a:prstGeom>
+          <a:solidFill>
+            <a:srgbClr val="A5A5A5"/>
+          </a:solidFill>
+          <a:ln w="25400">
+            <a:noFill/>
+          </a:ln>
+        </p:spPr>
+        <p:style>
+          <a:lnRef idx="2">
+            <a:schemeClr val="accent1">
+              <a:shade val="50000"/>
+            </a:schemeClr>
+          </a:lnRef>
+          <a:fillRef idx="1">
+            <a:schemeClr val="accent1"/>
+          </a:fillRef>
+          <a:effectRef idx="0">
+            <a:schemeClr val="accent1"/>
+          </a:effectRef>
+          <a:fontRef idx="minor">
+            <a:schemeClr val="lt1"/>
+          </a:fontRef>
+        </p:style>
+        <p:txBody>
+          <a:bodyPr rtlCol="0" anchor="ctr"/>
+          <a:lstStyle/>
+          <a:p>
+            <a:pPr algn="ctr"/>
+            <a:endParaRPr lang="en-US">
+              <a:solidFill>
+                <a:srgbClr val="FFFFFF"/>
+              </a:solidFill>
+            </a:endParaRPr>
+          </a:p>
+        </p:txBody>
+      </p:sp>
+      <p:sp>
+        <p:nvSpPr>
+          <p:cNvPr id="21" name="Rectangle 20">
+            <a:extLst>
+              <a:ext uri="{FF2B5EF4-FFF2-40B4-BE49-F238E27FC236}">
+                <a16:creationId xmlns:a16="http://schemas.microsoft.com/office/drawing/2014/main" id="{1C091803-41C2-48E0-9228-5148460C7479}"/>
+              </a:ext>
+              <a:ext uri="{C183D7F6-B498-43B3-948B-1728B52AA6E4}">
+                <adec:decorative xmlns:adec="http://schemas.microsoft.com/office/drawing/2017/decorative" val="1"/>
+              </a:ext>
+            </a:extLst>
+          </p:cNvPr>
+          <p:cNvSpPr>
+            <a:spLocks noGrp="1" noRot="1" noChangeAspect="1" noMove="1" noResize="1" noEditPoints="1" noAdjustHandles="1" noChangeArrowheads="1" noChangeShapeType="1" noTextEdit="1"/>
+          </p:cNvSpPr>
+          <p:nvPr>
+            <p:extLst>
+              <p:ext uri="{386F3935-93C4-4BCD-93E2-E3B085C9AB24}">
+                <p16:designElem xmlns:p16="http://schemas.microsoft.com/office/powerpoint/2015/main" val="1"/>
+              </p:ext>
+            </p:extLst>
+          </p:nvPr>
+        </p:nvSpPr>
+        <p:spPr>
+          <a:xfrm>
+            <a:off x="458920" y="2480956"/>
+            <a:ext cx="11264206" cy="3918122"/>
+          </a:xfrm>
+          <a:prstGeom prst="rect">
+            <a:avLst/>
+          </a:prstGeom>
+          <a:solidFill>
+            <a:schemeClr val="tx1">
+              <a:lumMod val="50000"/>
+              <a:lumOff val="50000"/>
+              <a:alpha val="20000"/>
+            </a:schemeClr>
+          </a:solidFill>
+          <a:ln>
+            <a:noFill/>
+          </a:ln>
+        </p:spPr>
+        <p:style>
+          <a:lnRef idx="2">
+            <a:schemeClr val="accent1">
+              <a:shade val="50000"/>
+            </a:schemeClr>
+          </a:lnRef>
+          <a:fillRef idx="1">
+            <a:schemeClr val="accent1"/>
+          </a:fillRef>
+          <a:effectRef idx="0">
+            <a:schemeClr val="accent1"/>
+          </a:effectRef>
+          <a:fontRef idx="minor">
+            <a:schemeClr val="lt1"/>
+          </a:fontRef>
+        </p:style>
+        <p:txBody>
+          <a:bodyPr rtlCol="0" anchor="ctr"/>
+          <a:lstStyle/>
+          <a:p>
+            <a:pPr algn="ctr"/>
+            <a:endParaRPr lang="en-US"/>
+          </a:p>
+        </p:txBody>
+      </p:sp>
+      <p:sp>
+        <p:nvSpPr>
           <p:cNvPr id="3" name="Segnaposto contenuto 2">
             <a:extLst>
               <a:ext uri="{FF2B5EF4-FFF2-40B4-BE49-F238E27FC236}">
@@ -4415,30 +7315,39 @@
             <p:ph idx="1"/>
           </p:nvPr>
         </p:nvSpPr>
-        <p:spPr/>
-        <p:txBody>
-          <a:bodyPr/>
-          <a:lstStyle/>
-          <a:p>
-            <a:r>
-              <a:rPr lang="it-IT" dirty="0"/>
+        <p:spPr>
+          <a:xfrm>
+            <a:off x="789456" y="2798385"/>
+            <a:ext cx="10597729" cy="3283260"/>
+          </a:xfrm>
+        </p:spPr>
+        <p:txBody>
+          <a:bodyPr anchor="ctr">
+            <a:normAutofit/>
+          </a:bodyPr>
+          <a:lstStyle/>
+          <a:p>
+            <a:r>
+              <a:rPr lang="it-IT" sz="2700" dirty="0"/>
+              <a:t>Arduino Uno (1)</a:t>
+            </a:r>
+          </a:p>
+          <a:p>
+            <a:r>
+              <a:rPr lang="it-IT" sz="2700" dirty="0"/>
               <a:t>Webcam (1)</a:t>
             </a:r>
           </a:p>
           <a:p>
             <a:r>
-              <a:rPr lang="it-IT" dirty="0"/>
-              <a:t>Speaker (1)</a:t>
-            </a:r>
-          </a:p>
-          <a:p>
-            <a:r>
-              <a:rPr lang="it-IT" dirty="0" err="1"/>
-              <a:t>Accelerometer</a:t>
-            </a:r>
-            <a:r>
-              <a:rPr lang="it-IT" dirty="0"/>
-              <a:t> (1)</a:t>
+              <a:rPr lang="it-IT" sz="2700" dirty="0"/>
+              <a:t>SD Card Reader (1)</a:t>
+            </a:r>
+          </a:p>
+          <a:p>
+            <a:r>
+              <a:rPr lang="it-IT" sz="2700" dirty="0"/>
+              <a:t>Bluetooth Module (1)</a:t>
             </a:r>
           </a:p>
         </p:txBody>
@@ -4459,6 +7368,14 @@
 <file path=ppt/slides/slide7.xml><?xml version="1.0" encoding="utf-8"?>
 <p:sld xmlns:a="http://schemas.openxmlformats.org/drawingml/2006/main" xmlns:r="http://schemas.openxmlformats.org/officeDocument/2006/relationships" xmlns:p="http://schemas.openxmlformats.org/presentationml/2006/main">
   <p:cSld>
+    <p:bg>
+      <p:bgPr>
+        <a:solidFill>
+          <a:schemeClr val="bg1"/>
+        </a:solidFill>
+        <a:effectLst/>
+      </p:bgPr>
+    </p:bg>
     <p:spTree>
       <p:nvGrpSpPr>
         <p:cNvPr id="1" name=""/>
@@ -4475,10 +7392,1603 @@
       </p:grpSpPr>
       <p:sp>
         <p:nvSpPr>
+          <p:cNvPr id="71" name="Rectangle 70">
+            <a:extLst>
+              <a:ext uri="{FF2B5EF4-FFF2-40B4-BE49-F238E27FC236}">
+                <a16:creationId xmlns:a16="http://schemas.microsoft.com/office/drawing/2014/main" id="{6BEF4656-0683-4420-BED2-A1C88CED7D80}"/>
+              </a:ext>
+              <a:ext uri="{C183D7F6-B498-43B3-948B-1728B52AA6E4}">
+                <adec:decorative xmlns:adec="http://schemas.microsoft.com/office/drawing/2017/decorative" val="1"/>
+              </a:ext>
+            </a:extLst>
+          </p:cNvPr>
+          <p:cNvSpPr>
+            <a:spLocks noGrp="1" noRot="1" noChangeAspect="1" noMove="1" noResize="1" noEditPoints="1" noAdjustHandles="1" noChangeArrowheads="1" noChangeShapeType="1" noTextEdit="1"/>
+          </p:cNvSpPr>
+          <p:nvPr>
+            <p:extLst>
+              <p:ext uri="{386F3935-93C4-4BCD-93E2-E3B085C9AB24}">
+                <p16:designElem xmlns:p16="http://schemas.microsoft.com/office/powerpoint/2015/main" val="1"/>
+              </p:ext>
+            </p:extLst>
+          </p:nvPr>
+        </p:nvSpPr>
+        <p:spPr>
+          <a:xfrm>
+            <a:off x="0" y="0"/>
+            <a:ext cx="12188952" cy="6858000"/>
+          </a:xfrm>
+          <a:prstGeom prst="rect">
+            <a:avLst/>
+          </a:prstGeom>
+          <a:solidFill>
+            <a:schemeClr val="accent1"/>
+          </a:solidFill>
+          <a:ln>
+            <a:noFill/>
+          </a:ln>
+        </p:spPr>
+        <p:style>
+          <a:lnRef idx="2">
+            <a:schemeClr val="accent1">
+              <a:shade val="50000"/>
+            </a:schemeClr>
+          </a:lnRef>
+          <a:fillRef idx="1">
+            <a:schemeClr val="accent1"/>
+          </a:fillRef>
+          <a:effectRef idx="0">
+            <a:schemeClr val="accent1"/>
+          </a:effectRef>
+          <a:fontRef idx="minor">
+            <a:schemeClr val="lt1"/>
+          </a:fontRef>
+        </p:style>
+        <p:txBody>
+          <a:bodyPr rtlCol="0" anchor="ctr"/>
+          <a:lstStyle/>
+          <a:p>
+            <a:pPr algn="ctr"/>
+            <a:endParaRPr lang="en-US"/>
+          </a:p>
+        </p:txBody>
+      </p:sp>
+      <p:grpSp>
+        <p:nvGrpSpPr>
+          <p:cNvPr id="73" name="Group 72">
+            <a:extLst>
+              <a:ext uri="{FF2B5EF4-FFF2-40B4-BE49-F238E27FC236}">
+                <a16:creationId xmlns:a16="http://schemas.microsoft.com/office/drawing/2014/main" id="{C40C6DFE-A65D-4403-B6BC-B3955D185AF4}"/>
+              </a:ext>
+              <a:ext uri="{C183D7F6-B498-43B3-948B-1728B52AA6E4}">
+                <adec:decorative xmlns:adec="http://schemas.microsoft.com/office/drawing/2017/decorative" val="1"/>
+              </a:ext>
+            </a:extLst>
+          </p:cNvPr>
+          <p:cNvGrpSpPr>
+            <a:grpSpLocks noGrp="1" noUngrp="1" noRot="1" noChangeAspect="1" noMove="1" noResize="1"/>
+          </p:cNvGrpSpPr>
+          <p:nvPr>
+            <p:extLst>
+              <p:ext uri="{386F3935-93C4-4BCD-93E2-E3B085C9AB24}">
+                <p16:designElem xmlns:p16="http://schemas.microsoft.com/office/powerpoint/2015/main" val="1"/>
+              </p:ext>
+            </p:extLst>
+          </p:nvPr>
+        </p:nvGrpSpPr>
+        <p:grpSpPr>
+          <a:xfrm>
+            <a:off x="-417513" y="0"/>
+            <a:ext cx="12584114" cy="6853238"/>
+            <a:chOff x="-417513" y="0"/>
+            <a:chExt cx="12584114" cy="6853238"/>
+          </a:xfrm>
+        </p:grpSpPr>
+        <p:sp>
+          <p:nvSpPr>
+            <p:cNvPr id="74" name="Freeform 5">
+              <a:extLst>
+                <a:ext uri="{FF2B5EF4-FFF2-40B4-BE49-F238E27FC236}">
+                  <a16:creationId xmlns:a16="http://schemas.microsoft.com/office/drawing/2014/main" id="{61570451-0F79-49FA-9006-DDA34158AF27}"/>
+                </a:ext>
+                <a:ext uri="{C183D7F6-B498-43B3-948B-1728B52AA6E4}">
+                  <adec:decorative xmlns:adec="http://schemas.microsoft.com/office/drawing/2017/decorative" val="1"/>
+                </a:ext>
+              </a:extLst>
+            </p:cNvPr>
+            <p:cNvSpPr/>
+            <p:nvPr>
+              <p:extLst>
+                <p:ext uri="{386F3935-93C4-4BCD-93E2-E3B085C9AB24}">
+                  <p16:designElem xmlns:p16="http://schemas.microsoft.com/office/powerpoint/2015/main" val="1"/>
+                </p:ext>
+              </p:extLst>
+            </p:nvPr>
+          </p:nvSpPr>
+          <p:spPr bwMode="auto">
+            <a:xfrm>
+              <a:off x="1306513" y="0"/>
+              <a:ext cx="3862388" cy="6843713"/>
+            </a:xfrm>
+            <a:custGeom>
+              <a:avLst/>
+              <a:gdLst/>
+              <a:ahLst/>
+              <a:cxnLst/>
+              <a:rect l="0" t="0" r="r" b="b"/>
+              <a:pathLst>
+                <a:path w="813" h="1440">
+                  <a:moveTo>
+                    <a:pt x="813" y="0"/>
+                  </a:moveTo>
+                  <a:cubicBezTo>
+                    <a:pt x="331" y="221"/>
+                    <a:pt x="0" y="1039"/>
+                    <a:pt x="435" y="1440"/>
+                  </a:cubicBezTo>
+                </a:path>
+              </a:pathLst>
+            </a:custGeom>
+            <a:noFill/>
+            <a:ln w="9525" cap="flat">
+              <a:solidFill>
+                <a:srgbClr val="FFFFFF">
+                  <a:alpha val="35000"/>
+                </a:srgbClr>
+              </a:solidFill>
+              <a:prstDash val="solid"/>
+              <a:miter lim="800000"/>
+              <a:headEnd/>
+              <a:tailEnd/>
+            </a:ln>
+            <a:extLst>
+              <a:ext uri="{909E8E84-426E-40DD-AFC4-6F175D3DCCD1}">
+                <a14:hiddenFill xmlns:a14="http://schemas.microsoft.com/office/drawing/2010/main">
+                  <a:solidFill>
+                    <a:srgbClr val="FFFFFF"/>
+                  </a:solidFill>
+                </a14:hiddenFill>
+              </a:ext>
+            </a:extLst>
+          </p:spPr>
+          <p:txBody>
+            <a:bodyPr/>
+            <a:lstStyle/>
+            <a:p>
+              <a:endParaRPr lang="en-US" dirty="0"/>
+            </a:p>
+          </p:txBody>
+        </p:sp>
+        <p:sp>
+          <p:nvSpPr>
+            <p:cNvPr id="75" name="Freeform 6">
+              <a:extLst>
+                <a:ext uri="{FF2B5EF4-FFF2-40B4-BE49-F238E27FC236}">
+                  <a16:creationId xmlns:a16="http://schemas.microsoft.com/office/drawing/2014/main" id="{73ED4693-3203-430A-B494-E5572D882B18}"/>
+                </a:ext>
+                <a:ext uri="{C183D7F6-B498-43B3-948B-1728B52AA6E4}">
+                  <adec:decorative xmlns:adec="http://schemas.microsoft.com/office/drawing/2017/decorative" val="1"/>
+                </a:ext>
+              </a:extLst>
+            </p:cNvPr>
+            <p:cNvSpPr/>
+            <p:nvPr>
+              <p:extLst>
+                <p:ext uri="{386F3935-93C4-4BCD-93E2-E3B085C9AB24}">
+                  <p16:designElem xmlns:p16="http://schemas.microsoft.com/office/powerpoint/2015/main" val="1"/>
+                </p:ext>
+              </p:extLst>
+            </p:nvPr>
+          </p:nvSpPr>
+          <p:spPr bwMode="auto">
+            <a:xfrm>
+              <a:off x="10626725" y="9525"/>
+              <a:ext cx="1539875" cy="555625"/>
+            </a:xfrm>
+            <a:custGeom>
+              <a:avLst/>
+              <a:gdLst/>
+              <a:ahLst/>
+              <a:cxnLst/>
+              <a:rect l="0" t="0" r="r" b="b"/>
+              <a:pathLst>
+                <a:path w="324" h="117">
+                  <a:moveTo>
+                    <a:pt x="324" y="117"/>
+                  </a:moveTo>
+                  <a:cubicBezTo>
+                    <a:pt x="223" y="64"/>
+                    <a:pt x="107" y="28"/>
+                    <a:pt x="0" y="0"/>
+                  </a:cubicBezTo>
+                </a:path>
+              </a:pathLst>
+            </a:custGeom>
+            <a:noFill/>
+            <a:ln w="9525" cap="flat">
+              <a:solidFill>
+                <a:srgbClr val="FFFFFF">
+                  <a:alpha val="35000"/>
+                </a:srgbClr>
+              </a:solidFill>
+              <a:prstDash val="solid"/>
+              <a:miter lim="800000"/>
+              <a:headEnd/>
+              <a:tailEnd/>
+            </a:ln>
+            <a:extLst>
+              <a:ext uri="{909E8E84-426E-40DD-AFC4-6F175D3DCCD1}">
+                <a14:hiddenFill xmlns:a14="http://schemas.microsoft.com/office/drawing/2010/main">
+                  <a:solidFill>
+                    <a:srgbClr val="FFFFFF"/>
+                  </a:solidFill>
+                </a14:hiddenFill>
+              </a:ext>
+            </a:extLst>
+          </p:spPr>
+        </p:sp>
+        <p:sp>
+          <p:nvSpPr>
+            <p:cNvPr id="76" name="Freeform 7">
+              <a:extLst>
+                <a:ext uri="{FF2B5EF4-FFF2-40B4-BE49-F238E27FC236}">
+                  <a16:creationId xmlns:a16="http://schemas.microsoft.com/office/drawing/2014/main" id="{92C81946-966A-4F98-B6D5-39416D856940}"/>
+                </a:ext>
+                <a:ext uri="{C183D7F6-B498-43B3-948B-1728B52AA6E4}">
+                  <adec:decorative xmlns:adec="http://schemas.microsoft.com/office/drawing/2017/decorative" val="1"/>
+                </a:ext>
+              </a:extLst>
+            </p:cNvPr>
+            <p:cNvSpPr/>
+            <p:nvPr>
+              <p:extLst>
+                <p:ext uri="{386F3935-93C4-4BCD-93E2-E3B085C9AB24}">
+                  <p16:designElem xmlns:p16="http://schemas.microsoft.com/office/powerpoint/2015/main" val="1"/>
+                </p:ext>
+              </p:extLst>
+            </p:nvPr>
+          </p:nvSpPr>
+          <p:spPr bwMode="auto">
+            <a:xfrm>
+              <a:off x="10247313" y="5013325"/>
+              <a:ext cx="1919288" cy="1830388"/>
+            </a:xfrm>
+            <a:custGeom>
+              <a:avLst/>
+              <a:gdLst/>
+              <a:ahLst/>
+              <a:cxnLst/>
+              <a:rect l="0" t="0" r="r" b="b"/>
+              <a:pathLst>
+                <a:path w="404" h="385">
+                  <a:moveTo>
+                    <a:pt x="0" y="385"/>
+                  </a:moveTo>
+                  <a:cubicBezTo>
+                    <a:pt x="146" y="272"/>
+                    <a:pt x="285" y="142"/>
+                    <a:pt x="404" y="0"/>
+                  </a:cubicBezTo>
+                </a:path>
+              </a:pathLst>
+            </a:custGeom>
+            <a:noFill/>
+            <a:ln w="9525" cap="flat">
+              <a:solidFill>
+                <a:srgbClr val="FFFFFF">
+                  <a:alpha val="35000"/>
+                </a:srgbClr>
+              </a:solidFill>
+              <a:prstDash val="solid"/>
+              <a:miter lim="800000"/>
+              <a:headEnd/>
+              <a:tailEnd/>
+            </a:ln>
+            <a:extLst>
+              <a:ext uri="{909E8E84-426E-40DD-AFC4-6F175D3DCCD1}">
+                <a14:hiddenFill xmlns:a14="http://schemas.microsoft.com/office/drawing/2010/main">
+                  <a:solidFill>
+                    <a:srgbClr val="FFFFFF"/>
+                  </a:solidFill>
+                </a14:hiddenFill>
+              </a:ext>
+            </a:extLst>
+          </p:spPr>
+        </p:sp>
+        <p:sp>
+          <p:nvSpPr>
+            <p:cNvPr id="95" name="Freeform 8">
+              <a:extLst>
+                <a:ext uri="{FF2B5EF4-FFF2-40B4-BE49-F238E27FC236}">
+                  <a16:creationId xmlns:a16="http://schemas.microsoft.com/office/drawing/2014/main" id="{CFF22F7A-2A49-4D98-8016-E3ADF34E9BE6}"/>
+                </a:ext>
+                <a:ext uri="{C183D7F6-B498-43B3-948B-1728B52AA6E4}">
+                  <adec:decorative xmlns:adec="http://schemas.microsoft.com/office/drawing/2017/decorative" val="1"/>
+                </a:ext>
+              </a:extLst>
+            </p:cNvPr>
+            <p:cNvSpPr/>
+            <p:nvPr>
+              <p:extLst>
+                <p:ext uri="{386F3935-93C4-4BCD-93E2-E3B085C9AB24}">
+                  <p16:designElem xmlns:p16="http://schemas.microsoft.com/office/powerpoint/2015/main" val="1"/>
+                </p:ext>
+              </p:extLst>
+            </p:nvPr>
+          </p:nvSpPr>
+          <p:spPr bwMode="auto">
+            <a:xfrm>
+              <a:off x="1120775" y="0"/>
+              <a:ext cx="3676650" cy="6843713"/>
+            </a:xfrm>
+            <a:custGeom>
+              <a:avLst/>
+              <a:gdLst/>
+              <a:ahLst/>
+              <a:cxnLst/>
+              <a:rect l="0" t="0" r="r" b="b"/>
+              <a:pathLst>
+                <a:path w="774" h="1440">
+                  <a:moveTo>
+                    <a:pt x="774" y="0"/>
+                  </a:moveTo>
+                  <a:cubicBezTo>
+                    <a:pt x="312" y="240"/>
+                    <a:pt x="0" y="1034"/>
+                    <a:pt x="411" y="1440"/>
+                  </a:cubicBezTo>
+                </a:path>
+              </a:pathLst>
+            </a:custGeom>
+            <a:noFill/>
+            <a:ln w="9525" cap="flat">
+              <a:solidFill>
+                <a:srgbClr val="FFFFFF">
+                  <a:alpha val="35000"/>
+                </a:srgbClr>
+              </a:solidFill>
+              <a:prstDash val="dash"/>
+              <a:miter lim="800000"/>
+              <a:headEnd/>
+              <a:tailEnd/>
+            </a:ln>
+            <a:extLst>
+              <a:ext uri="{909E8E84-426E-40DD-AFC4-6F175D3DCCD1}">
+                <a14:hiddenFill xmlns:a14="http://schemas.microsoft.com/office/drawing/2010/main">
+                  <a:solidFill>
+                    <a:srgbClr val="FFFFFF"/>
+                  </a:solidFill>
+                </a14:hiddenFill>
+              </a:ext>
+            </a:extLst>
+          </p:spPr>
+        </p:sp>
+        <p:sp>
+          <p:nvSpPr>
+            <p:cNvPr id="97" name="Freeform 9">
+              <a:extLst>
+                <a:ext uri="{FF2B5EF4-FFF2-40B4-BE49-F238E27FC236}">
+                  <a16:creationId xmlns:a16="http://schemas.microsoft.com/office/drawing/2014/main" id="{5E47559A-3055-4BF1-A481-FF0888273BF4}"/>
+                </a:ext>
+                <a:ext uri="{C183D7F6-B498-43B3-948B-1728B52AA6E4}">
+                  <adec:decorative xmlns:adec="http://schemas.microsoft.com/office/drawing/2017/decorative" val="1"/>
+                </a:ext>
+              </a:extLst>
+            </p:cNvPr>
+            <p:cNvSpPr/>
+            <p:nvPr>
+              <p:extLst>
+                <p:ext uri="{386F3935-93C4-4BCD-93E2-E3B085C9AB24}">
+                  <p16:designElem xmlns:p16="http://schemas.microsoft.com/office/powerpoint/2015/main" val="1"/>
+                </p:ext>
+              </p:extLst>
+            </p:nvPr>
+          </p:nvSpPr>
+          <p:spPr bwMode="auto">
+            <a:xfrm>
+              <a:off x="11202988" y="9525"/>
+              <a:ext cx="963613" cy="366713"/>
+            </a:xfrm>
+            <a:custGeom>
+              <a:avLst/>
+              <a:gdLst/>
+              <a:ahLst/>
+              <a:cxnLst/>
+              <a:rect l="0" t="0" r="r" b="b"/>
+              <a:pathLst>
+                <a:path w="203" h="77">
+                  <a:moveTo>
+                    <a:pt x="203" y="77"/>
+                  </a:moveTo>
+                  <a:cubicBezTo>
+                    <a:pt x="138" y="46"/>
+                    <a:pt x="68" y="21"/>
+                    <a:pt x="0" y="0"/>
+                  </a:cubicBezTo>
+                </a:path>
+              </a:pathLst>
+            </a:custGeom>
+            <a:noFill/>
+            <a:ln w="9525" cap="flat">
+              <a:solidFill>
+                <a:srgbClr val="FFFFFF">
+                  <a:alpha val="35000"/>
+                </a:srgbClr>
+              </a:solidFill>
+              <a:prstDash val="dash"/>
+              <a:miter lim="800000"/>
+              <a:headEnd/>
+              <a:tailEnd/>
+            </a:ln>
+            <a:extLst>
+              <a:ext uri="{909E8E84-426E-40DD-AFC4-6F175D3DCCD1}">
+                <a14:hiddenFill xmlns:a14="http://schemas.microsoft.com/office/drawing/2010/main">
+                  <a:solidFill>
+                    <a:srgbClr val="FFFFFF"/>
+                  </a:solidFill>
+                </a14:hiddenFill>
+              </a:ext>
+            </a:extLst>
+          </p:spPr>
+        </p:sp>
+        <p:sp>
+          <p:nvSpPr>
+            <p:cNvPr id="99" name="Freeform 10">
+              <a:extLst>
+                <a:ext uri="{FF2B5EF4-FFF2-40B4-BE49-F238E27FC236}">
+                  <a16:creationId xmlns:a16="http://schemas.microsoft.com/office/drawing/2014/main" id="{7FC3188E-62A8-41B8-A8E7-73439710062C}"/>
+                </a:ext>
+                <a:ext uri="{C183D7F6-B498-43B3-948B-1728B52AA6E4}">
+                  <adec:decorative xmlns:adec="http://schemas.microsoft.com/office/drawing/2017/decorative" val="1"/>
+                </a:ext>
+              </a:extLst>
+            </p:cNvPr>
+            <p:cNvSpPr/>
+            <p:nvPr>
+              <p:extLst>
+                <p:ext uri="{386F3935-93C4-4BCD-93E2-E3B085C9AB24}">
+                  <p16:designElem xmlns:p16="http://schemas.microsoft.com/office/powerpoint/2015/main" val="1"/>
+                </p:ext>
+              </p:extLst>
+            </p:nvPr>
+          </p:nvSpPr>
+          <p:spPr bwMode="auto">
+            <a:xfrm>
+              <a:off x="10494963" y="5275263"/>
+              <a:ext cx="1666875" cy="1577975"/>
+            </a:xfrm>
+            <a:custGeom>
+              <a:avLst/>
+              <a:gdLst/>
+              <a:ahLst/>
+              <a:cxnLst/>
+              <a:rect l="0" t="0" r="r" b="b"/>
+              <a:pathLst>
+                <a:path w="351" h="332">
+                  <a:moveTo>
+                    <a:pt x="0" y="332"/>
+                  </a:moveTo>
+                  <a:cubicBezTo>
+                    <a:pt x="125" y="232"/>
+                    <a:pt x="245" y="121"/>
+                    <a:pt x="351" y="0"/>
+                  </a:cubicBezTo>
+                </a:path>
+              </a:pathLst>
+            </a:custGeom>
+            <a:noFill/>
+            <a:ln w="9525" cap="flat">
+              <a:solidFill>
+                <a:srgbClr val="FFFFFF">
+                  <a:alpha val="35000"/>
+                </a:srgbClr>
+              </a:solidFill>
+              <a:prstDash val="dash"/>
+              <a:miter lim="800000"/>
+              <a:headEnd/>
+              <a:tailEnd/>
+            </a:ln>
+            <a:extLst>
+              <a:ext uri="{909E8E84-426E-40DD-AFC4-6F175D3DCCD1}">
+                <a14:hiddenFill xmlns:a14="http://schemas.microsoft.com/office/drawing/2010/main">
+                  <a:solidFill>
+                    <a:srgbClr val="FFFFFF"/>
+                  </a:solidFill>
+                </a14:hiddenFill>
+              </a:ext>
+            </a:extLst>
+          </p:spPr>
+        </p:sp>
+        <p:sp>
+          <p:nvSpPr>
+            <p:cNvPr id="80" name="Freeform 11">
+              <a:extLst>
+                <a:ext uri="{FF2B5EF4-FFF2-40B4-BE49-F238E27FC236}">
+                  <a16:creationId xmlns:a16="http://schemas.microsoft.com/office/drawing/2014/main" id="{AACB5179-11E1-483B-9F71-605DFF0DF01E}"/>
+                </a:ext>
+                <a:ext uri="{C183D7F6-B498-43B3-948B-1728B52AA6E4}">
+                  <adec:decorative xmlns:adec="http://schemas.microsoft.com/office/drawing/2017/decorative" val="1"/>
+                </a:ext>
+              </a:extLst>
+            </p:cNvPr>
+            <p:cNvSpPr/>
+            <p:nvPr>
+              <p:extLst>
+                <p:ext uri="{386F3935-93C4-4BCD-93E2-E3B085C9AB24}">
+                  <p16:designElem xmlns:p16="http://schemas.microsoft.com/office/powerpoint/2015/main" val="1"/>
+                </p:ext>
+              </p:extLst>
+            </p:nvPr>
+          </p:nvSpPr>
+          <p:spPr bwMode="auto">
+            <a:xfrm>
+              <a:off x="1001713" y="0"/>
+              <a:ext cx="3621088" cy="6843713"/>
+            </a:xfrm>
+            <a:custGeom>
+              <a:avLst/>
+              <a:gdLst/>
+              <a:ahLst/>
+              <a:cxnLst/>
+              <a:rect l="0" t="0" r="r" b="b"/>
+              <a:pathLst>
+                <a:path w="762" h="1440">
+                  <a:moveTo>
+                    <a:pt x="762" y="0"/>
+                  </a:moveTo>
+                  <a:cubicBezTo>
+                    <a:pt x="308" y="245"/>
+                    <a:pt x="0" y="1033"/>
+                    <a:pt x="403" y="1440"/>
+                  </a:cubicBezTo>
+                </a:path>
+              </a:pathLst>
+            </a:custGeom>
+            <a:noFill/>
+            <a:ln w="9525" cap="flat">
+              <a:solidFill>
+                <a:srgbClr val="FFFFFF">
+                  <a:alpha val="35000"/>
+                </a:srgbClr>
+              </a:solidFill>
+              <a:prstDash val="solid"/>
+              <a:miter lim="800000"/>
+              <a:headEnd/>
+              <a:tailEnd/>
+            </a:ln>
+            <a:extLst>
+              <a:ext uri="{909E8E84-426E-40DD-AFC4-6F175D3DCCD1}">
+                <a14:hiddenFill xmlns:a14="http://schemas.microsoft.com/office/drawing/2010/main">
+                  <a:solidFill>
+                    <a:srgbClr val="FFFFFF"/>
+                  </a:solidFill>
+                </a14:hiddenFill>
+              </a:ext>
+            </a:extLst>
+          </p:spPr>
+        </p:sp>
+        <p:sp>
+          <p:nvSpPr>
+            <p:cNvPr id="81" name="Freeform 12">
+              <a:extLst>
+                <a:ext uri="{FF2B5EF4-FFF2-40B4-BE49-F238E27FC236}">
+                  <a16:creationId xmlns:a16="http://schemas.microsoft.com/office/drawing/2014/main" id="{08077595-049F-4D02-BE55-694962FBD394}"/>
+                </a:ext>
+                <a:ext uri="{C183D7F6-B498-43B3-948B-1728B52AA6E4}">
+                  <adec:decorative xmlns:adec="http://schemas.microsoft.com/office/drawing/2017/decorative" val="1"/>
+                </a:ext>
+              </a:extLst>
+            </p:cNvPr>
+            <p:cNvSpPr/>
+            <p:nvPr>
+              <p:extLst>
+                <p:ext uri="{386F3935-93C4-4BCD-93E2-E3B085C9AB24}">
+                  <p16:designElem xmlns:p16="http://schemas.microsoft.com/office/powerpoint/2015/main" val="1"/>
+                </p:ext>
+              </p:extLst>
+            </p:nvPr>
+          </p:nvSpPr>
+          <p:spPr bwMode="auto">
+            <a:xfrm>
+              <a:off x="11501438" y="9525"/>
+              <a:ext cx="665163" cy="257175"/>
+            </a:xfrm>
+            <a:custGeom>
+              <a:avLst/>
+              <a:gdLst/>
+              <a:ahLst/>
+              <a:cxnLst/>
+              <a:rect l="0" t="0" r="r" b="b"/>
+              <a:pathLst>
+                <a:path w="140" h="54">
+                  <a:moveTo>
+                    <a:pt x="140" y="54"/>
+                  </a:moveTo>
+                  <a:cubicBezTo>
+                    <a:pt x="95" y="34"/>
+                    <a:pt x="48" y="16"/>
+                    <a:pt x="0" y="0"/>
+                  </a:cubicBezTo>
+                </a:path>
+              </a:pathLst>
+            </a:custGeom>
+            <a:noFill/>
+            <a:ln w="9525" cap="flat">
+              <a:solidFill>
+                <a:srgbClr val="FFFFFF">
+                  <a:alpha val="35000"/>
+                </a:srgbClr>
+              </a:solidFill>
+              <a:prstDash val="solid"/>
+              <a:miter lim="800000"/>
+              <a:headEnd/>
+              <a:tailEnd/>
+            </a:ln>
+            <a:extLst>
+              <a:ext uri="{909E8E84-426E-40DD-AFC4-6F175D3DCCD1}">
+                <a14:hiddenFill xmlns:a14="http://schemas.microsoft.com/office/drawing/2010/main">
+                  <a:solidFill>
+                    <a:srgbClr val="FFFFFF"/>
+                  </a:solidFill>
+                </a14:hiddenFill>
+              </a:ext>
+            </a:extLst>
+          </p:spPr>
+        </p:sp>
+        <p:sp>
+          <p:nvSpPr>
+            <p:cNvPr id="82" name="Freeform 13">
+              <a:extLst>
+                <a:ext uri="{FF2B5EF4-FFF2-40B4-BE49-F238E27FC236}">
+                  <a16:creationId xmlns:a16="http://schemas.microsoft.com/office/drawing/2014/main" id="{0BD6263D-1C03-40DF-9628-88542C63BCEB}"/>
+                </a:ext>
+                <a:ext uri="{C183D7F6-B498-43B3-948B-1728B52AA6E4}">
+                  <adec:decorative xmlns:adec="http://schemas.microsoft.com/office/drawing/2017/decorative" val="1"/>
+                </a:ext>
+              </a:extLst>
+            </p:cNvPr>
+            <p:cNvSpPr/>
+            <p:nvPr>
+              <p:extLst>
+                <p:ext uri="{386F3935-93C4-4BCD-93E2-E3B085C9AB24}">
+                  <p16:designElem xmlns:p16="http://schemas.microsoft.com/office/powerpoint/2015/main" val="1"/>
+                </p:ext>
+              </p:extLst>
+            </p:nvPr>
+          </p:nvSpPr>
+          <p:spPr bwMode="auto">
+            <a:xfrm>
+              <a:off x="10641013" y="5408613"/>
+              <a:ext cx="1525588" cy="1435100"/>
+            </a:xfrm>
+            <a:custGeom>
+              <a:avLst/>
+              <a:gdLst/>
+              <a:ahLst/>
+              <a:cxnLst/>
+              <a:rect l="0" t="0" r="r" b="b"/>
+              <a:pathLst>
+                <a:path w="321" h="302">
+                  <a:moveTo>
+                    <a:pt x="0" y="302"/>
+                  </a:moveTo>
+                  <a:cubicBezTo>
+                    <a:pt x="114" y="210"/>
+                    <a:pt x="223" y="109"/>
+                    <a:pt x="321" y="0"/>
+                  </a:cubicBezTo>
+                </a:path>
+              </a:pathLst>
+            </a:custGeom>
+            <a:noFill/>
+            <a:ln w="9525" cap="flat">
+              <a:solidFill>
+                <a:srgbClr val="FFFFFF">
+                  <a:alpha val="35000"/>
+                </a:srgbClr>
+              </a:solidFill>
+              <a:prstDash val="solid"/>
+              <a:miter lim="800000"/>
+              <a:headEnd/>
+              <a:tailEnd/>
+            </a:ln>
+            <a:extLst>
+              <a:ext uri="{909E8E84-426E-40DD-AFC4-6F175D3DCCD1}">
+                <a14:hiddenFill xmlns:a14="http://schemas.microsoft.com/office/drawing/2010/main">
+                  <a:solidFill>
+                    <a:srgbClr val="FFFFFF"/>
+                  </a:solidFill>
+                </a14:hiddenFill>
+              </a:ext>
+            </a:extLst>
+          </p:spPr>
+        </p:sp>
+        <p:sp>
+          <p:nvSpPr>
+            <p:cNvPr id="83" name="Freeform 14">
+              <a:extLst>
+                <a:ext uri="{FF2B5EF4-FFF2-40B4-BE49-F238E27FC236}">
+                  <a16:creationId xmlns:a16="http://schemas.microsoft.com/office/drawing/2014/main" id="{7D5A3CBA-EC92-49C5-BA5D-14C628D55D26}"/>
+                </a:ext>
+                <a:ext uri="{C183D7F6-B498-43B3-948B-1728B52AA6E4}">
+                  <adec:decorative xmlns:adec="http://schemas.microsoft.com/office/drawing/2017/decorative" val="1"/>
+                </a:ext>
+              </a:extLst>
+            </p:cNvPr>
+            <p:cNvSpPr/>
+            <p:nvPr>
+              <p:extLst>
+                <p:ext uri="{386F3935-93C4-4BCD-93E2-E3B085C9AB24}">
+                  <p16:designElem xmlns:p16="http://schemas.microsoft.com/office/powerpoint/2015/main" val="1"/>
+                </p:ext>
+              </p:extLst>
+            </p:nvPr>
+          </p:nvSpPr>
+          <p:spPr bwMode="auto">
+            <a:xfrm>
+              <a:off x="1001713" y="0"/>
+              <a:ext cx="3244850" cy="6843713"/>
+            </a:xfrm>
+            <a:custGeom>
+              <a:avLst/>
+              <a:gdLst/>
+              <a:ahLst/>
+              <a:cxnLst/>
+              <a:rect l="0" t="0" r="r" b="b"/>
+              <a:pathLst>
+                <a:path w="683" h="1440">
+                  <a:moveTo>
+                    <a:pt x="683" y="0"/>
+                  </a:moveTo>
+                  <a:cubicBezTo>
+                    <a:pt x="258" y="256"/>
+                    <a:pt x="0" y="1041"/>
+                    <a:pt x="355" y="1440"/>
+                  </a:cubicBezTo>
+                </a:path>
+              </a:pathLst>
+            </a:custGeom>
+            <a:noFill/>
+            <a:ln w="9525" cap="flat">
+              <a:solidFill>
+                <a:srgbClr val="FFFFFF">
+                  <a:alpha val="35000"/>
+                </a:srgbClr>
+              </a:solidFill>
+              <a:prstDash val="solid"/>
+              <a:miter lim="800000"/>
+              <a:headEnd/>
+              <a:tailEnd/>
+            </a:ln>
+            <a:extLst>
+              <a:ext uri="{909E8E84-426E-40DD-AFC4-6F175D3DCCD1}">
+                <a14:hiddenFill xmlns:a14="http://schemas.microsoft.com/office/drawing/2010/main">
+                  <a:solidFill>
+                    <a:srgbClr val="FFFFFF"/>
+                  </a:solidFill>
+                </a14:hiddenFill>
+              </a:ext>
+            </a:extLst>
+          </p:spPr>
+        </p:sp>
+        <p:sp>
+          <p:nvSpPr>
+            <p:cNvPr id="84" name="Freeform 15">
+              <a:extLst>
+                <a:ext uri="{FF2B5EF4-FFF2-40B4-BE49-F238E27FC236}">
+                  <a16:creationId xmlns:a16="http://schemas.microsoft.com/office/drawing/2014/main" id="{680A3DC5-4E47-4F87-9328-A7B07168B113}"/>
+                </a:ext>
+                <a:ext uri="{C183D7F6-B498-43B3-948B-1728B52AA6E4}">
+                  <adec:decorative xmlns:adec="http://schemas.microsoft.com/office/drawing/2017/decorative" val="1"/>
+                </a:ext>
+              </a:extLst>
+            </p:cNvPr>
+            <p:cNvSpPr/>
+            <p:nvPr>
+              <p:extLst>
+                <p:ext uri="{386F3935-93C4-4BCD-93E2-E3B085C9AB24}">
+                  <p16:designElem xmlns:p16="http://schemas.microsoft.com/office/powerpoint/2015/main" val="1"/>
+                </p:ext>
+              </p:extLst>
+            </p:nvPr>
+          </p:nvSpPr>
+          <p:spPr bwMode="auto">
+            <a:xfrm>
+              <a:off x="10802938" y="5518150"/>
+              <a:ext cx="1363663" cy="1325563"/>
+            </a:xfrm>
+            <a:custGeom>
+              <a:avLst/>
+              <a:gdLst/>
+              <a:ahLst/>
+              <a:cxnLst/>
+              <a:rect l="0" t="0" r="r" b="b"/>
+              <a:pathLst>
+                <a:path w="287" h="279">
+                  <a:moveTo>
+                    <a:pt x="0" y="279"/>
+                  </a:moveTo>
+                  <a:cubicBezTo>
+                    <a:pt x="101" y="193"/>
+                    <a:pt x="198" y="100"/>
+                    <a:pt x="287" y="0"/>
+                  </a:cubicBezTo>
+                </a:path>
+              </a:pathLst>
+            </a:custGeom>
+            <a:noFill/>
+            <a:ln w="9525" cap="flat">
+              <a:solidFill>
+                <a:srgbClr val="FFFFFF">
+                  <a:alpha val="35000"/>
+                </a:srgbClr>
+              </a:solidFill>
+              <a:prstDash val="solid"/>
+              <a:miter lim="800000"/>
+              <a:headEnd/>
+              <a:tailEnd/>
+            </a:ln>
+            <a:extLst>
+              <a:ext uri="{909E8E84-426E-40DD-AFC4-6F175D3DCCD1}">
+                <a14:hiddenFill xmlns:a14="http://schemas.microsoft.com/office/drawing/2010/main">
+                  <a:solidFill>
+                    <a:srgbClr val="FFFFFF"/>
+                  </a:solidFill>
+                </a14:hiddenFill>
+              </a:ext>
+            </a:extLst>
+          </p:spPr>
+        </p:sp>
+        <p:sp>
+          <p:nvSpPr>
+            <p:cNvPr id="85" name="Freeform 16">
+              <a:extLst>
+                <a:ext uri="{FF2B5EF4-FFF2-40B4-BE49-F238E27FC236}">
+                  <a16:creationId xmlns:a16="http://schemas.microsoft.com/office/drawing/2014/main" id="{8B207045-4F4A-4CF9-BD4B-F82BE21BEE6D}"/>
+                </a:ext>
+                <a:ext uri="{C183D7F6-B498-43B3-948B-1728B52AA6E4}">
+                  <adec:decorative xmlns:adec="http://schemas.microsoft.com/office/drawing/2017/decorative" val="1"/>
+                </a:ext>
+              </a:extLst>
+            </p:cNvPr>
+            <p:cNvSpPr/>
+            <p:nvPr>
+              <p:extLst>
+                <p:ext uri="{386F3935-93C4-4BCD-93E2-E3B085C9AB24}">
+                  <p16:designElem xmlns:p16="http://schemas.microsoft.com/office/powerpoint/2015/main" val="1"/>
+                </p:ext>
+              </p:extLst>
+            </p:nvPr>
+          </p:nvSpPr>
+          <p:spPr bwMode="auto">
+            <a:xfrm>
+              <a:off x="889000" y="0"/>
+              <a:ext cx="3230563" cy="6843713"/>
+            </a:xfrm>
+            <a:custGeom>
+              <a:avLst/>
+              <a:gdLst/>
+              <a:ahLst/>
+              <a:cxnLst/>
+              <a:rect l="0" t="0" r="r" b="b"/>
+              <a:pathLst>
+                <a:path w="680" h="1440">
+                  <a:moveTo>
+                    <a:pt x="680" y="0"/>
+                  </a:moveTo>
+                  <a:cubicBezTo>
+                    <a:pt x="257" y="265"/>
+                    <a:pt x="0" y="1026"/>
+                    <a:pt x="337" y="1440"/>
+                  </a:cubicBezTo>
+                </a:path>
+              </a:pathLst>
+            </a:custGeom>
+            <a:noFill/>
+            <a:ln w="9525" cap="flat">
+              <a:solidFill>
+                <a:srgbClr val="FFFFFF">
+                  <a:alpha val="35000"/>
+                </a:srgbClr>
+              </a:solidFill>
+              <a:prstDash val="solid"/>
+              <a:miter lim="800000"/>
+              <a:headEnd/>
+              <a:tailEnd/>
+            </a:ln>
+            <a:extLst>
+              <a:ext uri="{909E8E84-426E-40DD-AFC4-6F175D3DCCD1}">
+                <a14:hiddenFill xmlns:a14="http://schemas.microsoft.com/office/drawing/2010/main">
+                  <a:solidFill>
+                    <a:srgbClr val="FFFFFF"/>
+                  </a:solidFill>
+                </a14:hiddenFill>
+              </a:ext>
+            </a:extLst>
+          </p:spPr>
+        </p:sp>
+        <p:sp>
+          <p:nvSpPr>
+            <p:cNvPr id="86" name="Freeform 17">
+              <a:extLst>
+                <a:ext uri="{FF2B5EF4-FFF2-40B4-BE49-F238E27FC236}">
+                  <a16:creationId xmlns:a16="http://schemas.microsoft.com/office/drawing/2014/main" id="{D1A09BB2-6A65-49E5-B6DA-86330A7E6899}"/>
+                </a:ext>
+                <a:ext uri="{C183D7F6-B498-43B3-948B-1728B52AA6E4}">
+                  <adec:decorative xmlns:adec="http://schemas.microsoft.com/office/drawing/2017/decorative" val="1"/>
+                </a:ext>
+              </a:extLst>
+            </p:cNvPr>
+            <p:cNvSpPr/>
+            <p:nvPr>
+              <p:extLst>
+                <p:ext uri="{386F3935-93C4-4BCD-93E2-E3B085C9AB24}">
+                  <p16:designElem xmlns:p16="http://schemas.microsoft.com/office/powerpoint/2015/main" val="1"/>
+                </p:ext>
+              </p:extLst>
+            </p:nvPr>
+          </p:nvSpPr>
+          <p:spPr bwMode="auto">
+            <a:xfrm>
+              <a:off x="10979150" y="5694363"/>
+              <a:ext cx="1187450" cy="1149350"/>
+            </a:xfrm>
+            <a:custGeom>
+              <a:avLst/>
+              <a:gdLst/>
+              <a:ahLst/>
+              <a:cxnLst/>
+              <a:rect l="0" t="0" r="r" b="b"/>
+              <a:pathLst>
+                <a:path w="250" h="242">
+                  <a:moveTo>
+                    <a:pt x="0" y="242"/>
+                  </a:moveTo>
+                  <a:cubicBezTo>
+                    <a:pt x="88" y="166"/>
+                    <a:pt x="172" y="85"/>
+                    <a:pt x="250" y="0"/>
+                  </a:cubicBezTo>
+                </a:path>
+              </a:pathLst>
+            </a:custGeom>
+            <a:noFill/>
+            <a:ln w="9525" cap="flat">
+              <a:solidFill>
+                <a:srgbClr val="FFFFFF">
+                  <a:alpha val="35000"/>
+                </a:srgbClr>
+              </a:solidFill>
+              <a:prstDash val="solid"/>
+              <a:miter lim="800000"/>
+              <a:headEnd/>
+              <a:tailEnd/>
+            </a:ln>
+            <a:extLst>
+              <a:ext uri="{909E8E84-426E-40DD-AFC4-6F175D3DCCD1}">
+                <a14:hiddenFill xmlns:a14="http://schemas.microsoft.com/office/drawing/2010/main">
+                  <a:solidFill>
+                    <a:srgbClr val="FFFFFF"/>
+                  </a:solidFill>
+                </a14:hiddenFill>
+              </a:ext>
+            </a:extLst>
+          </p:spPr>
+        </p:sp>
+        <p:sp>
+          <p:nvSpPr>
+            <p:cNvPr id="87" name="Freeform 18">
+              <a:extLst>
+                <a:ext uri="{FF2B5EF4-FFF2-40B4-BE49-F238E27FC236}">
+                  <a16:creationId xmlns:a16="http://schemas.microsoft.com/office/drawing/2014/main" id="{AA0550FC-A296-4ED3-8025-0857A9AD1602}"/>
+                </a:ext>
+                <a:ext uri="{C183D7F6-B498-43B3-948B-1728B52AA6E4}">
+                  <adec:decorative xmlns:adec="http://schemas.microsoft.com/office/drawing/2017/decorative" val="1"/>
+                </a:ext>
+              </a:extLst>
+            </p:cNvPr>
+            <p:cNvSpPr/>
+            <p:nvPr>
+              <p:extLst>
+                <p:ext uri="{386F3935-93C4-4BCD-93E2-E3B085C9AB24}">
+                  <p16:designElem xmlns:p16="http://schemas.microsoft.com/office/powerpoint/2015/main" val="1"/>
+                </p:ext>
+              </p:extLst>
+            </p:nvPr>
+          </p:nvSpPr>
+          <p:spPr bwMode="auto">
+            <a:xfrm>
+              <a:off x="484188" y="0"/>
+              <a:ext cx="3421063" cy="6843713"/>
+            </a:xfrm>
+            <a:custGeom>
+              <a:avLst/>
+              <a:gdLst/>
+              <a:ahLst/>
+              <a:cxnLst/>
+              <a:rect l="0" t="0" r="r" b="b"/>
+              <a:pathLst>
+                <a:path w="720" h="1440">
+                  <a:moveTo>
+                    <a:pt x="720" y="0"/>
+                  </a:moveTo>
+                  <a:cubicBezTo>
+                    <a:pt x="316" y="282"/>
+                    <a:pt x="0" y="1018"/>
+                    <a:pt x="362" y="1440"/>
+                  </a:cubicBezTo>
+                </a:path>
+              </a:pathLst>
+            </a:custGeom>
+            <a:noFill/>
+            <a:ln w="9525" cap="flat">
+              <a:solidFill>
+                <a:srgbClr val="FFFFFF">
+                  <a:alpha val="35000"/>
+                </a:srgbClr>
+              </a:solidFill>
+              <a:prstDash val="solid"/>
+              <a:miter lim="800000"/>
+              <a:headEnd/>
+              <a:tailEnd/>
+            </a:ln>
+            <a:extLst>
+              <a:ext uri="{909E8E84-426E-40DD-AFC4-6F175D3DCCD1}">
+                <a14:hiddenFill xmlns:a14="http://schemas.microsoft.com/office/drawing/2010/main">
+                  <a:solidFill>
+                    <a:srgbClr val="FFFFFF"/>
+                  </a:solidFill>
+                </a14:hiddenFill>
+              </a:ext>
+            </a:extLst>
+          </p:spPr>
+        </p:sp>
+        <p:sp>
+          <p:nvSpPr>
+            <p:cNvPr id="88" name="Freeform 19">
+              <a:extLst>
+                <a:ext uri="{FF2B5EF4-FFF2-40B4-BE49-F238E27FC236}">
+                  <a16:creationId xmlns:a16="http://schemas.microsoft.com/office/drawing/2014/main" id="{94BB60CD-EF3A-436F-93A3-45DE0D1D8A4E}"/>
+                </a:ext>
+                <a:ext uri="{C183D7F6-B498-43B3-948B-1728B52AA6E4}">
+                  <adec:decorative xmlns:adec="http://schemas.microsoft.com/office/drawing/2017/decorative" val="1"/>
+                </a:ext>
+              </a:extLst>
+            </p:cNvPr>
+            <p:cNvSpPr/>
+            <p:nvPr>
+              <p:extLst>
+                <p:ext uri="{386F3935-93C4-4BCD-93E2-E3B085C9AB24}">
+                  <p16:designElem xmlns:p16="http://schemas.microsoft.com/office/powerpoint/2015/main" val="1"/>
+                </p:ext>
+              </p:extLst>
+            </p:nvPr>
+          </p:nvSpPr>
+          <p:spPr bwMode="auto">
+            <a:xfrm>
+              <a:off x="11287125" y="6049963"/>
+              <a:ext cx="879475" cy="793750"/>
+            </a:xfrm>
+            <a:custGeom>
+              <a:avLst/>
+              <a:gdLst/>
+              <a:ahLst/>
+              <a:cxnLst/>
+              <a:rect l="0" t="0" r="r" b="b"/>
+              <a:pathLst>
+                <a:path w="185" h="167">
+                  <a:moveTo>
+                    <a:pt x="0" y="167"/>
+                  </a:moveTo>
+                  <a:cubicBezTo>
+                    <a:pt x="63" y="114"/>
+                    <a:pt x="125" y="58"/>
+                    <a:pt x="185" y="0"/>
+                  </a:cubicBezTo>
+                </a:path>
+              </a:pathLst>
+            </a:custGeom>
+            <a:noFill/>
+            <a:ln w="9525" cap="flat">
+              <a:solidFill>
+                <a:srgbClr val="FFFFFF">
+                  <a:alpha val="35000"/>
+                </a:srgbClr>
+              </a:solidFill>
+              <a:prstDash val="solid"/>
+              <a:miter lim="800000"/>
+              <a:headEnd/>
+              <a:tailEnd/>
+            </a:ln>
+            <a:extLst>
+              <a:ext uri="{909E8E84-426E-40DD-AFC4-6F175D3DCCD1}">
+                <a14:hiddenFill xmlns:a14="http://schemas.microsoft.com/office/drawing/2010/main">
+                  <a:solidFill>
+                    <a:srgbClr val="FFFFFF"/>
+                  </a:solidFill>
+                </a14:hiddenFill>
+              </a:ext>
+            </a:extLst>
+          </p:spPr>
+        </p:sp>
+        <p:sp>
+          <p:nvSpPr>
+            <p:cNvPr id="89" name="Freeform 20">
+              <a:extLst>
+                <a:ext uri="{FF2B5EF4-FFF2-40B4-BE49-F238E27FC236}">
+                  <a16:creationId xmlns:a16="http://schemas.microsoft.com/office/drawing/2014/main" id="{AB302E06-FB93-40A4-9442-A22CAACB964D}"/>
+                </a:ext>
+                <a:ext uri="{C183D7F6-B498-43B3-948B-1728B52AA6E4}">
+                  <adec:decorative xmlns:adec="http://schemas.microsoft.com/office/drawing/2017/decorative" val="1"/>
+                </a:ext>
+              </a:extLst>
+            </p:cNvPr>
+            <p:cNvSpPr/>
+            <p:nvPr>
+              <p:extLst>
+                <p:ext uri="{386F3935-93C4-4BCD-93E2-E3B085C9AB24}">
+                  <p16:designElem xmlns:p16="http://schemas.microsoft.com/office/powerpoint/2015/main" val="1"/>
+                </p:ext>
+              </p:extLst>
+            </p:nvPr>
+          </p:nvSpPr>
+          <p:spPr bwMode="auto">
+            <a:xfrm>
+              <a:off x="598488" y="0"/>
+              <a:ext cx="2717800" cy="6843713"/>
+            </a:xfrm>
+            <a:custGeom>
+              <a:avLst/>
+              <a:gdLst/>
+              <a:ahLst/>
+              <a:cxnLst/>
+              <a:rect l="0" t="0" r="r" b="b"/>
+              <a:pathLst>
+                <a:path w="572" h="1440">
+                  <a:moveTo>
+                    <a:pt x="572" y="0"/>
+                  </a:moveTo>
+                  <a:cubicBezTo>
+                    <a:pt x="213" y="320"/>
+                    <a:pt x="0" y="979"/>
+                    <a:pt x="164" y="1440"/>
+                  </a:cubicBezTo>
+                </a:path>
+              </a:pathLst>
+            </a:custGeom>
+            <a:noFill/>
+            <a:ln w="12700" cap="flat">
+              <a:solidFill>
+                <a:srgbClr val="FFFFFF">
+                  <a:alpha val="35000"/>
+                </a:srgbClr>
+              </a:solidFill>
+              <a:prstDash val="dashDot"/>
+              <a:miter lim="800000"/>
+              <a:headEnd/>
+              <a:tailEnd/>
+            </a:ln>
+            <a:extLst>
+              <a:ext uri="{909E8E84-426E-40DD-AFC4-6F175D3DCCD1}">
+                <a14:hiddenFill xmlns:a14="http://schemas.microsoft.com/office/drawing/2010/main">
+                  <a:solidFill>
+                    <a:srgbClr val="FFFFFF"/>
+                  </a:solidFill>
+                </a14:hiddenFill>
+              </a:ext>
+            </a:extLst>
+          </p:spPr>
+        </p:sp>
+        <p:sp>
+          <p:nvSpPr>
+            <p:cNvPr id="90" name="Freeform 21">
+              <a:extLst>
+                <a:ext uri="{FF2B5EF4-FFF2-40B4-BE49-F238E27FC236}">
+                  <a16:creationId xmlns:a16="http://schemas.microsoft.com/office/drawing/2014/main" id="{37294D15-9328-422C-A53D-A3FE7C394242}"/>
+                </a:ext>
+                <a:ext uri="{C183D7F6-B498-43B3-948B-1728B52AA6E4}">
+                  <adec:decorative xmlns:adec="http://schemas.microsoft.com/office/drawing/2017/decorative" val="1"/>
+                </a:ext>
+              </a:extLst>
+            </p:cNvPr>
+            <p:cNvSpPr/>
+            <p:nvPr>
+              <p:extLst>
+                <p:ext uri="{386F3935-93C4-4BCD-93E2-E3B085C9AB24}">
+                  <p16:designElem xmlns:p16="http://schemas.microsoft.com/office/powerpoint/2015/main" val="1"/>
+                </p:ext>
+              </p:extLst>
+            </p:nvPr>
+          </p:nvSpPr>
+          <p:spPr bwMode="auto">
+            <a:xfrm>
+              <a:off x="261938" y="0"/>
+              <a:ext cx="2944813" cy="6843713"/>
+            </a:xfrm>
+            <a:custGeom>
+              <a:avLst/>
+              <a:gdLst/>
+              <a:ahLst/>
+              <a:cxnLst/>
+              <a:rect l="0" t="0" r="r" b="b"/>
+              <a:pathLst>
+                <a:path w="620" h="1440">
+                  <a:moveTo>
+                    <a:pt x="620" y="0"/>
+                  </a:moveTo>
+                  <a:cubicBezTo>
+                    <a:pt x="248" y="325"/>
+                    <a:pt x="0" y="960"/>
+                    <a:pt x="186" y="1440"/>
+                  </a:cubicBezTo>
+                </a:path>
+              </a:pathLst>
+            </a:custGeom>
+            <a:noFill/>
+            <a:ln w="9525" cap="flat">
+              <a:solidFill>
+                <a:srgbClr val="FFFFFF">
+                  <a:alpha val="35000"/>
+                </a:srgbClr>
+              </a:solidFill>
+              <a:prstDash val="lgDash"/>
+              <a:miter lim="800000"/>
+              <a:headEnd/>
+              <a:tailEnd/>
+            </a:ln>
+            <a:extLst>
+              <a:ext uri="{909E8E84-426E-40DD-AFC4-6F175D3DCCD1}">
+                <a14:hiddenFill xmlns:a14="http://schemas.microsoft.com/office/drawing/2010/main">
+                  <a:solidFill>
+                    <a:srgbClr val="FFFFFF"/>
+                  </a:solidFill>
+                </a14:hiddenFill>
+              </a:ext>
+            </a:extLst>
+          </p:spPr>
+        </p:sp>
+        <p:sp>
+          <p:nvSpPr>
+            <p:cNvPr id="91" name="Freeform 22">
+              <a:extLst>
+                <a:ext uri="{FF2B5EF4-FFF2-40B4-BE49-F238E27FC236}">
+                  <a16:creationId xmlns:a16="http://schemas.microsoft.com/office/drawing/2014/main" id="{C225D3FA-9D52-4638-8B28-75FA605A422F}"/>
+                </a:ext>
+                <a:ext uri="{C183D7F6-B498-43B3-948B-1728B52AA6E4}">
+                  <adec:decorative xmlns:adec="http://schemas.microsoft.com/office/drawing/2017/decorative" val="1"/>
+                </a:ext>
+              </a:extLst>
+            </p:cNvPr>
+            <p:cNvSpPr/>
+            <p:nvPr>
+              <p:extLst>
+                <p:ext uri="{386F3935-93C4-4BCD-93E2-E3B085C9AB24}">
+                  <p16:designElem xmlns:p16="http://schemas.microsoft.com/office/powerpoint/2015/main" val="1"/>
+                </p:ext>
+              </p:extLst>
+            </p:nvPr>
+          </p:nvSpPr>
+          <p:spPr bwMode="auto">
+            <a:xfrm>
+              <a:off x="-417513" y="0"/>
+              <a:ext cx="2403475" cy="6843713"/>
+            </a:xfrm>
+            <a:custGeom>
+              <a:avLst/>
+              <a:gdLst/>
+              <a:ahLst/>
+              <a:cxnLst/>
+              <a:rect l="0" t="0" r="r" b="b"/>
+              <a:pathLst>
+                <a:path w="506" h="1440">
+                  <a:moveTo>
+                    <a:pt x="506" y="0"/>
+                  </a:moveTo>
+                  <a:cubicBezTo>
+                    <a:pt x="109" y="356"/>
+                    <a:pt x="0" y="943"/>
+                    <a:pt x="171" y="1440"/>
+                  </a:cubicBezTo>
+                </a:path>
+              </a:pathLst>
+            </a:custGeom>
+            <a:noFill/>
+            <a:ln w="9525" cap="flat">
+              <a:solidFill>
+                <a:srgbClr val="FFFFFF">
+                  <a:alpha val="35000"/>
+                </a:srgbClr>
+              </a:solidFill>
+              <a:prstDash val="solid"/>
+              <a:miter lim="800000"/>
+              <a:headEnd/>
+              <a:tailEnd/>
+            </a:ln>
+            <a:extLst>
+              <a:ext uri="{909E8E84-426E-40DD-AFC4-6F175D3DCCD1}">
+                <a14:hiddenFill xmlns:a14="http://schemas.microsoft.com/office/drawing/2010/main">
+                  <a:solidFill>
+                    <a:srgbClr val="FFFFFF"/>
+                  </a:solidFill>
+                </a14:hiddenFill>
+              </a:ext>
+            </a:extLst>
+          </p:spPr>
+        </p:sp>
+        <p:sp>
+          <p:nvSpPr>
+            <p:cNvPr id="92" name="Freeform 23">
+              <a:extLst>
+                <a:ext uri="{FF2B5EF4-FFF2-40B4-BE49-F238E27FC236}">
+                  <a16:creationId xmlns:a16="http://schemas.microsoft.com/office/drawing/2014/main" id="{9EE46D05-61E5-4A82-BDF8-2CB05405C7DC}"/>
+                </a:ext>
+                <a:ext uri="{C183D7F6-B498-43B3-948B-1728B52AA6E4}">
+                  <adec:decorative xmlns:adec="http://schemas.microsoft.com/office/drawing/2017/decorative" val="1"/>
+                </a:ext>
+              </a:extLst>
+            </p:cNvPr>
+            <p:cNvSpPr/>
+            <p:nvPr>
+              <p:extLst>
+                <p:ext uri="{386F3935-93C4-4BCD-93E2-E3B085C9AB24}">
+                  <p16:designElem xmlns:p16="http://schemas.microsoft.com/office/powerpoint/2015/main" val="1"/>
+                </p:ext>
+              </p:extLst>
+            </p:nvPr>
+          </p:nvSpPr>
+          <p:spPr bwMode="auto">
+            <a:xfrm>
+              <a:off x="14288" y="9525"/>
+              <a:ext cx="1771650" cy="3198813"/>
+            </a:xfrm>
+            <a:custGeom>
+              <a:avLst/>
+              <a:gdLst/>
+              <a:ahLst/>
+              <a:cxnLst/>
+              <a:rect l="0" t="0" r="r" b="b"/>
+              <a:pathLst>
+                <a:path w="373" h="673">
+                  <a:moveTo>
+                    <a:pt x="373" y="0"/>
+                  </a:moveTo>
+                  <a:cubicBezTo>
+                    <a:pt x="175" y="183"/>
+                    <a:pt x="51" y="409"/>
+                    <a:pt x="0" y="673"/>
+                  </a:cubicBezTo>
+                </a:path>
+              </a:pathLst>
+            </a:custGeom>
+            <a:noFill/>
+            <a:ln w="9525" cap="flat">
+              <a:solidFill>
+                <a:srgbClr val="FFFFFF">
+                  <a:alpha val="35000"/>
+                </a:srgbClr>
+              </a:solidFill>
+              <a:prstDash val="solid"/>
+              <a:miter lim="800000"/>
+              <a:headEnd/>
+              <a:tailEnd/>
+            </a:ln>
+            <a:extLst>
+              <a:ext uri="{909E8E84-426E-40DD-AFC4-6F175D3DCCD1}">
+                <a14:hiddenFill xmlns:a14="http://schemas.microsoft.com/office/drawing/2010/main">
+                  <a:solidFill>
+                    <a:srgbClr val="FFFFFF"/>
+                  </a:solidFill>
+                </a14:hiddenFill>
+              </a:ext>
+            </a:extLst>
+          </p:spPr>
+        </p:sp>
+        <p:sp>
+          <p:nvSpPr>
+            <p:cNvPr id="93" name="Freeform 24">
+              <a:extLst>
+                <a:ext uri="{FF2B5EF4-FFF2-40B4-BE49-F238E27FC236}">
+                  <a16:creationId xmlns:a16="http://schemas.microsoft.com/office/drawing/2014/main" id="{3CC2F79D-17F2-44CB-93AF-FF6E1E184F62}"/>
+                </a:ext>
+                <a:ext uri="{C183D7F6-B498-43B3-948B-1728B52AA6E4}">
+                  <adec:decorative xmlns:adec="http://schemas.microsoft.com/office/drawing/2017/decorative" val="1"/>
+                </a:ext>
+              </a:extLst>
+            </p:cNvPr>
+            <p:cNvSpPr/>
+            <p:nvPr>
+              <p:extLst>
+                <p:ext uri="{386F3935-93C4-4BCD-93E2-E3B085C9AB24}">
+                  <p16:designElem xmlns:p16="http://schemas.microsoft.com/office/powerpoint/2015/main" val="1"/>
+                </p:ext>
+              </p:extLst>
+            </p:nvPr>
+          </p:nvSpPr>
+          <p:spPr bwMode="auto">
+            <a:xfrm>
+              <a:off x="4763" y="6016625"/>
+              <a:ext cx="214313" cy="827088"/>
+            </a:xfrm>
+            <a:custGeom>
+              <a:avLst/>
+              <a:gdLst/>
+              <a:ahLst/>
+              <a:cxnLst/>
+              <a:rect l="0" t="0" r="r" b="b"/>
+              <a:pathLst>
+                <a:path w="45" h="174">
+                  <a:moveTo>
+                    <a:pt x="0" y="0"/>
+                  </a:moveTo>
+                  <a:cubicBezTo>
+                    <a:pt x="11" y="59"/>
+                    <a:pt x="26" y="118"/>
+                    <a:pt x="45" y="174"/>
+                  </a:cubicBezTo>
+                </a:path>
+              </a:pathLst>
+            </a:custGeom>
+            <a:noFill/>
+            <a:ln w="9525" cap="flat">
+              <a:solidFill>
+                <a:srgbClr val="FFFFFF">
+                  <a:alpha val="35000"/>
+                </a:srgbClr>
+              </a:solidFill>
+              <a:prstDash val="solid"/>
+              <a:miter lim="800000"/>
+              <a:headEnd/>
+              <a:tailEnd/>
+            </a:ln>
+            <a:extLst>
+              <a:ext uri="{909E8E84-426E-40DD-AFC4-6F175D3DCCD1}">
+                <a14:hiddenFill xmlns:a14="http://schemas.microsoft.com/office/drawing/2010/main">
+                  <a:solidFill>
+                    <a:srgbClr val="FFFFFF"/>
+                  </a:solidFill>
+                </a14:hiddenFill>
+              </a:ext>
+            </a:extLst>
+          </p:spPr>
+        </p:sp>
+        <p:sp>
+          <p:nvSpPr>
+            <p:cNvPr id="94" name="Freeform 25">
+              <a:extLst>
+                <a:ext uri="{FF2B5EF4-FFF2-40B4-BE49-F238E27FC236}">
+                  <a16:creationId xmlns:a16="http://schemas.microsoft.com/office/drawing/2014/main" id="{75C66F41-CC84-445A-A14E-69FB88ABC6AC}"/>
+                </a:ext>
+                <a:ext uri="{C183D7F6-B498-43B3-948B-1728B52AA6E4}">
+                  <adec:decorative xmlns:adec="http://schemas.microsoft.com/office/drawing/2017/decorative" val="1"/>
+                </a:ext>
+              </a:extLst>
+            </p:cNvPr>
+            <p:cNvSpPr/>
+            <p:nvPr>
+              <p:extLst>
+                <p:ext uri="{386F3935-93C4-4BCD-93E2-E3B085C9AB24}">
+                  <p16:designElem xmlns:p16="http://schemas.microsoft.com/office/powerpoint/2015/main" val="1"/>
+                </p:ext>
+              </p:extLst>
+            </p:nvPr>
+          </p:nvSpPr>
+          <p:spPr bwMode="auto">
+            <a:xfrm>
+              <a:off x="14288" y="0"/>
+              <a:ext cx="1562100" cy="2228850"/>
+            </a:xfrm>
+            <a:custGeom>
+              <a:avLst/>
+              <a:gdLst/>
+              <a:ahLst/>
+              <a:cxnLst/>
+              <a:rect l="0" t="0" r="r" b="b"/>
+              <a:pathLst>
+                <a:path w="329" h="469">
+                  <a:moveTo>
+                    <a:pt x="329" y="0"/>
+                  </a:moveTo>
+                  <a:cubicBezTo>
+                    <a:pt x="189" y="133"/>
+                    <a:pt x="69" y="288"/>
+                    <a:pt x="0" y="469"/>
+                  </a:cubicBezTo>
+                </a:path>
+              </a:pathLst>
+            </a:custGeom>
+            <a:noFill/>
+            <a:ln w="9525" cap="flat">
+              <a:solidFill>
+                <a:srgbClr val="FFFFFF">
+                  <a:alpha val="35000"/>
+                </a:srgbClr>
+              </a:solidFill>
+              <a:prstDash val="solid"/>
+              <a:miter lim="800000"/>
+              <a:headEnd/>
+              <a:tailEnd/>
+            </a:ln>
+            <a:extLst>
+              <a:ext uri="{909E8E84-426E-40DD-AFC4-6F175D3DCCD1}">
+                <a14:hiddenFill xmlns:a14="http://schemas.microsoft.com/office/drawing/2010/main">
+                  <a:solidFill>
+                    <a:srgbClr val="FFFFFF"/>
+                  </a:solidFill>
+                </a14:hiddenFill>
+              </a:ext>
+            </a:extLst>
+          </p:spPr>
+        </p:sp>
+      </p:grpSp>
+      <p:sp>
+        <p:nvSpPr>
+          <p:cNvPr id="96" name="Rectangle 95">
+            <a:extLst>
+              <a:ext uri="{FF2B5EF4-FFF2-40B4-BE49-F238E27FC236}">
+                <a16:creationId xmlns:a16="http://schemas.microsoft.com/office/drawing/2014/main" id="{C4CCB850-8E75-43A0-AE24-BEE25764B197}"/>
+              </a:ext>
+              <a:ext uri="{C183D7F6-B498-43B3-948B-1728B52AA6E4}">
+                <adec:decorative xmlns:adec="http://schemas.microsoft.com/office/drawing/2017/decorative" val="1"/>
+              </a:ext>
+            </a:extLst>
+          </p:cNvPr>
+          <p:cNvSpPr>
+            <a:spLocks noGrp="1" noRot="1" noChangeAspect="1" noMove="1" noResize="1" noEditPoints="1" noAdjustHandles="1" noChangeArrowheads="1" noChangeShapeType="1" noTextEdit="1"/>
+          </p:cNvSpPr>
+          <p:nvPr>
+            <p:extLst>
+              <p:ext uri="{386F3935-93C4-4BCD-93E2-E3B085C9AB24}">
+                <p16:designElem xmlns:p16="http://schemas.microsoft.com/office/powerpoint/2015/main" val="1"/>
+              </p:ext>
+            </p:extLst>
+          </p:nvPr>
+        </p:nvSpPr>
+        <p:spPr>
+          <a:xfrm>
+            <a:off x="0" y="0"/>
+            <a:ext cx="12188952" cy="5788152"/>
+          </a:xfrm>
+          <a:prstGeom prst="rect">
+            <a:avLst/>
+          </a:prstGeom>
+          <a:solidFill>
+            <a:schemeClr val="bg1"/>
+          </a:solidFill>
+          <a:ln>
+            <a:noFill/>
+          </a:ln>
+        </p:spPr>
+        <p:style>
+          <a:lnRef idx="2">
+            <a:schemeClr val="accent1">
+              <a:shade val="50000"/>
+            </a:schemeClr>
+          </a:lnRef>
+          <a:fillRef idx="1">
+            <a:schemeClr val="accent1"/>
+          </a:fillRef>
+          <a:effectRef idx="0">
+            <a:schemeClr val="accent1"/>
+          </a:effectRef>
+          <a:fontRef idx="minor">
+            <a:schemeClr val="lt1"/>
+          </a:fontRef>
+        </p:style>
+        <p:txBody>
+          <a:bodyPr rtlCol="0" anchor="ctr"/>
+          <a:lstStyle/>
+          <a:p>
+            <a:pPr algn="ctr"/>
+            <a:endParaRPr lang="en-US"/>
+          </a:p>
+        </p:txBody>
+      </p:sp>
+      <p:sp>
+        <p:nvSpPr>
           <p:cNvPr id="2" name="Titolo 1">
             <a:extLst>
               <a:ext uri="{FF2B5EF4-FFF2-40B4-BE49-F238E27FC236}">
-                <a16:creationId xmlns:a16="http://schemas.microsoft.com/office/drawing/2014/main" id="{743DE566-2507-4CC5-83FC-0FEA3646F1E8}"/>
+                <a16:creationId xmlns:a16="http://schemas.microsoft.com/office/drawing/2014/main" id="{D39D593B-8C0D-4D05-A561-21E612CD48E5}"/>
               </a:ext>
             </a:extLst>
           </p:cNvPr>
@@ -4489,160 +8999,169 @@
             <p:ph type="title"/>
           </p:nvPr>
         </p:nvSpPr>
-        <p:spPr/>
-        <p:txBody>
-          <a:bodyPr/>
-          <a:lstStyle/>
-          <a:p>
+        <p:spPr>
+          <a:xfrm>
+            <a:off x="649224" y="960120"/>
+            <a:ext cx="3867912" cy="4169664"/>
+          </a:xfrm>
+        </p:spPr>
+        <p:txBody>
+          <a:bodyPr>
+            <a:normAutofit/>
+          </a:bodyPr>
+          <a:lstStyle/>
+          <a:p>
+            <a:pPr algn="r"/>
             <a:r>
               <a:rPr lang="it-IT" dirty="0"/>
-              <a:t>3. </a:t>
+              <a:t>3. Data </a:t>
             </a:r>
             <a:r>
               <a:rPr lang="it-IT" dirty="0" err="1"/>
-              <a:t>Navigation</a:t>
-            </a:r>
-            <a:r>
-              <a:rPr lang="it-IT" dirty="0"/>
+              <a:t>elaboration</a:t>
+            </a:r>
+            <a:endParaRPr lang="it-IT" dirty="0"/>
+          </a:p>
+        </p:txBody>
+      </p:sp>
+      <p:cxnSp>
+        <p:nvCxnSpPr>
+          <p:cNvPr id="98" name="Straight Connector 97">
+            <a:extLst>
+              <a:ext uri="{FF2B5EF4-FFF2-40B4-BE49-F238E27FC236}">
+                <a16:creationId xmlns:a16="http://schemas.microsoft.com/office/drawing/2014/main" id="{3E2D009B-70F6-4703-A06F-6829E40A1156}"/>
+              </a:ext>
+              <a:ext uri="{C183D7F6-B498-43B3-948B-1728B52AA6E4}">
+                <adec:decorative xmlns:adec="http://schemas.microsoft.com/office/drawing/2017/decorative" val="1"/>
+              </a:ext>
+            </a:extLst>
+          </p:cNvPr>
+          <p:cNvCxnSpPr>
+            <a:cxnSpLocks noGrp="1" noRot="1" noChangeAspect="1" noMove="1" noResize="1" noEditPoints="1" noAdjustHandles="1" noChangeArrowheads="1" noChangeShapeType="1"/>
+          </p:cNvCxnSpPr>
+          <p:nvPr>
+            <p:extLst>
+              <p:ext uri="{386F3935-93C4-4BCD-93E2-E3B085C9AB24}">
+                <p16:designElem xmlns:p16="http://schemas.microsoft.com/office/powerpoint/2015/main" val="1"/>
+              </p:ext>
+            </p:extLst>
+          </p:nvPr>
+        </p:nvCxnSpPr>
+        <p:spPr>
+          <a:xfrm>
+            <a:off x="4752263" y="1200150"/>
+            <a:ext cx="0" cy="3543972"/>
+          </a:xfrm>
+          <a:prstGeom prst="line">
+            <a:avLst/>
+          </a:prstGeom>
+          <a:ln w="12700"/>
+        </p:spPr>
+        <p:style>
+          <a:lnRef idx="1">
+            <a:schemeClr val="accent1"/>
+          </a:lnRef>
+          <a:fillRef idx="0">
+            <a:schemeClr val="accent1"/>
+          </a:fillRef>
+          <a:effectRef idx="0">
+            <a:schemeClr val="accent1"/>
+          </a:effectRef>
+          <a:fontRef idx="minor">
+            <a:schemeClr val="tx1"/>
+          </a:fontRef>
+        </p:style>
+      </p:cxnSp>
+      <p:sp>
+        <p:nvSpPr>
+          <p:cNvPr id="3" name="Segnaposto contenuto 2">
+            <a:extLst>
+              <a:ext uri="{FF2B5EF4-FFF2-40B4-BE49-F238E27FC236}">
+                <a16:creationId xmlns:a16="http://schemas.microsoft.com/office/drawing/2014/main" id="{F0D2C4FE-540F-4780-BA23-745E615C5A9B}"/>
+              </a:ext>
+            </a:extLst>
+          </p:cNvPr>
+          <p:cNvSpPr>
+            <a:spLocks noGrp="1"/>
+          </p:cNvSpPr>
+          <p:nvPr>
+            <p:ph idx="1"/>
+          </p:nvPr>
+        </p:nvSpPr>
+        <p:spPr>
+          <a:xfrm>
+            <a:off x="4983480" y="960120"/>
+            <a:ext cx="5513832" cy="4169664"/>
+          </a:xfrm>
+        </p:spPr>
+        <p:txBody>
+          <a:bodyPr anchor="ctr">
+            <a:normAutofit/>
+          </a:bodyPr>
+          <a:lstStyle/>
+          <a:p>
+            <a:pPr marL="0" indent="0">
+              <a:buNone/>
+            </a:pPr>
+            <a:r>
+              <a:rPr lang="it-IT" sz="2400" dirty="0"/>
+              <a:t>Arduino </a:t>
+            </a:r>
+            <a:r>
+              <a:rPr lang="it-IT" sz="2400" dirty="0" err="1"/>
+              <a:t>connects</a:t>
+            </a:r>
+            <a:r>
+              <a:rPr lang="it-IT" sz="2400" dirty="0"/>
+              <a:t> to an </a:t>
+            </a:r>
+            <a:r>
+              <a:rPr lang="it-IT" sz="2400" dirty="0" err="1"/>
+              <a:t>external</a:t>
+            </a:r>
+            <a:r>
+              <a:rPr lang="it-IT" sz="2400" dirty="0"/>
               <a:t> device </a:t>
             </a:r>
-          </a:p>
-        </p:txBody>
-      </p:sp>
-      <p:sp>
-        <p:nvSpPr>
-          <p:cNvPr id="3" name="Segnaposto contenuto 2">
-            <a:extLst>
-              <a:ext uri="{FF2B5EF4-FFF2-40B4-BE49-F238E27FC236}">
-                <a16:creationId xmlns:a16="http://schemas.microsoft.com/office/drawing/2014/main" id="{DEDCEAF7-B162-49C3-8F54-DC8D477550DE}"/>
-              </a:ext>
-            </a:extLst>
-          </p:cNvPr>
-          <p:cNvSpPr>
-            <a:spLocks noGrp="1"/>
-          </p:cNvSpPr>
-          <p:nvPr>
-            <p:ph idx="1"/>
-          </p:nvPr>
-        </p:nvSpPr>
-        <p:spPr/>
-        <p:txBody>
-          <a:bodyPr/>
-          <a:lstStyle/>
-          <a:p>
-            <a:r>
-              <a:rPr lang="it-IT" dirty="0"/>
-              <a:t>The user sets a </a:t>
-            </a:r>
-            <a:r>
-              <a:rPr lang="it-IT" dirty="0" err="1"/>
-              <a:t>desired</a:t>
-            </a:r>
-            <a:r>
-              <a:rPr lang="it-IT" dirty="0"/>
+            <a:r>
+              <a:rPr lang="it-IT" sz="2400" dirty="0" err="1"/>
+              <a:t>which</a:t>
+            </a:r>
+            <a:r>
+              <a:rPr lang="it-IT" sz="2400" dirty="0"/>
               <a:t> </a:t>
             </a:r>
             <a:r>
-              <a:rPr lang="it-IT" dirty="0" err="1"/>
-              <a:t>destination</a:t>
-            </a:r>
-            <a:r>
-              <a:rPr lang="it-IT" dirty="0"/>
+              <a:rPr lang="it-IT" sz="2400" dirty="0" err="1"/>
+              <a:t>elaborates</a:t>
+            </a:r>
+            <a:r>
+              <a:rPr lang="it-IT" sz="2400" dirty="0"/>
+              <a:t> input data (from camera) and </a:t>
+            </a:r>
+            <a:r>
+              <a:rPr lang="it-IT" sz="2400" dirty="0" err="1"/>
+              <a:t>returns</a:t>
+            </a:r>
+            <a:r>
+              <a:rPr lang="it-IT" sz="2400" dirty="0"/>
+              <a:t> output (</a:t>
+            </a:r>
+            <a:r>
+              <a:rPr lang="it-IT" sz="2400" dirty="0" err="1"/>
+              <a:t>recognized</a:t>
+            </a:r>
+            <a:r>
+              <a:rPr lang="it-IT" sz="2400" dirty="0"/>
               <a:t> </a:t>
             </a:r>
             <a:r>
-              <a:rPr lang="it-IT" dirty="0" err="1"/>
-              <a:t>that</a:t>
-            </a:r>
-            <a:r>
-              <a:rPr lang="it-IT" dirty="0"/>
-              <a:t> he </a:t>
-            </a:r>
-            <a:r>
-              <a:rPr lang="it-IT" dirty="0" err="1"/>
-              <a:t>wants</a:t>
-            </a:r>
-            <a:r>
-              <a:rPr lang="it-IT" dirty="0"/>
-              <a:t> to </a:t>
-            </a:r>
-            <a:r>
-              <a:rPr lang="it-IT" dirty="0" err="1"/>
-              <a:t>reach</a:t>
-            </a:r>
-            <a:r>
-              <a:rPr lang="it-IT" dirty="0"/>
-              <a:t>.</a:t>
-            </a:r>
-          </a:p>
-          <a:p>
-            <a:r>
-              <a:rPr lang="it-IT" dirty="0"/>
-              <a:t>The </a:t>
-            </a:r>
-            <a:r>
-              <a:rPr lang="it-IT" dirty="0" err="1"/>
-              <a:t>destination</a:t>
-            </a:r>
-            <a:r>
-              <a:rPr lang="it-IT" dirty="0"/>
-              <a:t> </a:t>
-            </a:r>
-            <a:r>
-              <a:rPr lang="it-IT" dirty="0" err="1"/>
-              <a:t>is</a:t>
-            </a:r>
-            <a:r>
-              <a:rPr lang="it-IT" dirty="0"/>
-              <a:t> </a:t>
-            </a:r>
-            <a:r>
-              <a:rPr lang="it-IT" dirty="0" err="1"/>
-              <a:t>communicated</a:t>
-            </a:r>
-            <a:r>
-              <a:rPr lang="it-IT" dirty="0"/>
-              <a:t> to the device, </a:t>
-            </a:r>
-            <a:r>
-              <a:rPr lang="it-IT" dirty="0" err="1"/>
-              <a:t>which</a:t>
-            </a:r>
-            <a:r>
-              <a:rPr lang="it-IT" dirty="0"/>
-              <a:t> </a:t>
-            </a:r>
-            <a:r>
-              <a:rPr lang="it-IT" dirty="0" err="1"/>
-              <a:t>guides</a:t>
-            </a:r>
-            <a:r>
-              <a:rPr lang="it-IT" dirty="0"/>
-              <a:t> the </a:t>
-            </a:r>
-            <a:r>
-              <a:rPr lang="it-IT" dirty="0" err="1"/>
-              <a:t>person</a:t>
-            </a:r>
-            <a:r>
-              <a:rPr lang="it-IT" dirty="0"/>
-              <a:t> giving </a:t>
-            </a:r>
-            <a:r>
-              <a:rPr lang="it-IT" dirty="0" err="1"/>
-              <a:t>vocal</a:t>
-            </a:r>
-            <a:r>
-              <a:rPr lang="it-IT" dirty="0"/>
-              <a:t> </a:t>
-            </a:r>
-            <a:r>
-              <a:rPr lang="it-IT" dirty="0" err="1"/>
-              <a:t>instructions</a:t>
-            </a:r>
-            <a:r>
-              <a:rPr lang="it-IT" dirty="0"/>
-              <a:t>.</a:t>
+              <a:rPr lang="it-IT" sz="2400" dirty="0" err="1"/>
+              <a:t>objects</a:t>
+            </a:r>
+            <a:r>
+              <a:rPr lang="it-IT" sz="2400" dirty="0"/>
+              <a:t>).</a:t>
             </a:r>
           </a:p>
         </p:txBody>
@@ -4650,7 +9169,7 @@
     </p:spTree>
     <p:extLst>
       <p:ext uri="{BB962C8B-B14F-4D97-AF65-F5344CB8AC3E}">
-        <p14:creationId xmlns:p14="http://schemas.microsoft.com/office/powerpoint/2010/main" val="3001671069"/>
+        <p14:creationId xmlns:p14="http://schemas.microsoft.com/office/powerpoint/2010/main" val="2120250075"/>
       </p:ext>
     </p:extLst>
   </p:cSld>
@@ -4663,6 +9182,14 @@
 <file path=ppt/slides/slide8.xml><?xml version="1.0" encoding="utf-8"?>
 <p:sld xmlns:a="http://schemas.openxmlformats.org/drawingml/2006/main" xmlns:r="http://schemas.openxmlformats.org/officeDocument/2006/relationships" xmlns:p="http://schemas.openxmlformats.org/presentationml/2006/main">
   <p:cSld>
+    <p:bg>
+      <p:bgPr>
+        <a:solidFill>
+          <a:schemeClr val="bg1"/>
+        </a:solidFill>
+        <a:effectLst/>
+      </p:bgPr>
+    </p:bg>
     <p:spTree>
       <p:nvGrpSpPr>
         <p:cNvPr id="1" name=""/>
@@ -4679,10 +9206,10 @@
       </p:grpSpPr>
       <p:sp>
         <p:nvSpPr>
-          <p:cNvPr id="2" name="Titolo 1">
-            <a:extLst>
-              <a:ext uri="{FF2B5EF4-FFF2-40B4-BE49-F238E27FC236}">
-                <a16:creationId xmlns:a16="http://schemas.microsoft.com/office/drawing/2014/main" id="{4E3980C5-464F-467F-BA55-38A39B071643}"/>
+          <p:cNvPr id="2" name="Title 1">
+            <a:extLst>
+              <a:ext uri="{FF2B5EF4-FFF2-40B4-BE49-F238E27FC236}">
+                <a16:creationId xmlns:a16="http://schemas.microsoft.com/office/drawing/2014/main" id="{6DFBECBD-BD95-45F0-8AC2-4699DE269FBD}"/>
               </a:ext>
             </a:extLst>
           </p:cNvPr>
@@ -4693,24 +9220,70 @@
             <p:ph type="title"/>
           </p:nvPr>
         </p:nvSpPr>
-        <p:spPr/>
-        <p:txBody>
-          <a:bodyPr/>
-          <a:lstStyle/>
-          <a:p>
-            <a:r>
-              <a:rPr lang="it-IT" dirty="0"/>
-              <a:t>3.1 Components list</a:t>
-            </a:r>
-          </a:p>
-        </p:txBody>
-      </p:sp>
-      <p:sp>
-        <p:nvSpPr>
-          <p:cNvPr id="3" name="Segnaposto contenuto 2">
-            <a:extLst>
-              <a:ext uri="{FF2B5EF4-FFF2-40B4-BE49-F238E27FC236}">
-                <a16:creationId xmlns:a16="http://schemas.microsoft.com/office/drawing/2014/main" id="{67658D78-648E-48BC-846D-3D8AF3D38C30}"/>
+        <p:spPr>
+          <a:xfrm>
+            <a:off x="2257214" y="2694018"/>
+            <a:ext cx="5406902" cy="1469965"/>
+          </a:xfrm>
+        </p:spPr>
+        <p:txBody>
+          <a:bodyPr anchor="ctr">
+            <a:normAutofit/>
+          </a:bodyPr>
+          <a:lstStyle/>
+          <a:p>
+            <a:r>
+              <a:rPr lang="en-US" dirty="0"/>
+              <a:t>4. Definitive components list</a:t>
+            </a:r>
+          </a:p>
+        </p:txBody>
+      </p:sp>
+      <p:pic>
+        <p:nvPicPr>
+          <p:cNvPr id="38" name="Graphic 37" descr="Processor">
+            <a:extLst>
+              <a:ext uri="{FF2B5EF4-FFF2-40B4-BE49-F238E27FC236}">
+                <a16:creationId xmlns:a16="http://schemas.microsoft.com/office/drawing/2014/main" id="{37F80BFA-C7E7-4AE6-916C-3EAC603761D4}"/>
+              </a:ext>
+            </a:extLst>
+          </p:cNvPr>
+          <p:cNvPicPr>
+            <a:picLocks noChangeAspect="1"/>
+          </p:cNvPicPr>
+          <p:nvPr/>
+        </p:nvPicPr>
+        <p:blipFill>
+          <a:blip r:embed="rId2">
+            <a:extLst>
+              <a:ext uri="{28A0092B-C50C-407E-A947-70E740481C1C}">
+                <a14:useLocalDpi xmlns:a14="http://schemas.microsoft.com/office/drawing/2010/main" val="0"/>
+              </a:ext>
+              <a:ext uri="{96DAC541-7B7A-43D3-8B79-37D633B846F1}">
+                <asvg:svgBlip xmlns:asvg="http://schemas.microsoft.com/office/drawing/2016/SVG/main" r:embed="rId3"/>
+              </a:ext>
+            </a:extLst>
+          </a:blip>
+          <a:stretch>
+            <a:fillRect/>
+          </a:stretch>
+        </p:blipFill>
+        <p:spPr>
+          <a:xfrm>
+            <a:off x="838200" y="2880360"/>
+            <a:ext cx="1097280" cy="1097280"/>
+          </a:xfrm>
+          <a:prstGeom prst="rect">
+            <a:avLst/>
+          </a:prstGeom>
+        </p:spPr>
+      </p:pic>
+      <p:sp>
+        <p:nvSpPr>
+          <p:cNvPr id="3" name="Content Placeholder 2">
+            <a:extLst>
+              <a:ext uri="{FF2B5EF4-FFF2-40B4-BE49-F238E27FC236}">
+                <a16:creationId xmlns:a16="http://schemas.microsoft.com/office/drawing/2014/main" id="{2A828BA7-D999-47B9-9853-4E0DE7E2FA08}"/>
               </a:ext>
             </a:extLst>
           </p:cNvPr>
@@ -4721,38 +9294,135 @@
             <p:ph idx="1"/>
           </p:nvPr>
         </p:nvSpPr>
-        <p:spPr/>
-        <p:txBody>
-          <a:bodyPr/>
-          <a:lstStyle/>
-          <a:p>
-            <a:r>
-              <a:rPr lang="it-IT" dirty="0"/>
-              <a:t>App: </a:t>
-            </a:r>
-            <a:r>
-              <a:rPr lang="it-IT" dirty="0" err="1"/>
-              <a:t>Microphone</a:t>
-            </a:r>
-            <a:r>
-              <a:rPr lang="it-IT" dirty="0"/>
-              <a:t>, GPS, </a:t>
-            </a:r>
-            <a:r>
-              <a:rPr lang="it-IT" dirty="0" err="1"/>
-              <a:t>etc</a:t>
-            </a:r>
-            <a:r>
-              <a:rPr lang="it-IT" dirty="0"/>
-              <a:t>…</a:t>
-            </a:r>
-          </a:p>
-        </p:txBody>
-      </p:sp>
+        <p:spPr>
+          <a:xfrm>
+            <a:off x="2257215" y="4352917"/>
+            <a:ext cx="5406902" cy="1688746"/>
+          </a:xfrm>
+        </p:spPr>
+        <p:txBody>
+          <a:bodyPr>
+            <a:normAutofit/>
+          </a:bodyPr>
+          <a:lstStyle/>
+          <a:p>
+            <a:r>
+              <a:rPr lang="it-IT" sz="1100" dirty="0"/>
+              <a:t>Arduino Uno (4)</a:t>
+            </a:r>
+          </a:p>
+          <a:p>
+            <a:r>
+              <a:rPr lang="it-IT" sz="1100" dirty="0" err="1"/>
+              <a:t>Proximity</a:t>
+            </a:r>
+            <a:r>
+              <a:rPr lang="it-IT" sz="1100" dirty="0"/>
+              <a:t> </a:t>
+            </a:r>
+            <a:r>
+              <a:rPr lang="it-IT" sz="1100" dirty="0" err="1"/>
+              <a:t>sensor</a:t>
+            </a:r>
+            <a:r>
+              <a:rPr lang="it-IT" sz="1100" dirty="0"/>
+              <a:t> (3)</a:t>
+            </a:r>
+          </a:p>
+          <a:p>
+            <a:r>
+              <a:rPr lang="it-IT" sz="1100" dirty="0" err="1"/>
+              <a:t>Vibration</a:t>
+            </a:r>
+            <a:r>
+              <a:rPr lang="it-IT" sz="1100" dirty="0"/>
+              <a:t> </a:t>
+            </a:r>
+            <a:r>
+              <a:rPr lang="it-IT" sz="1100" dirty="0" err="1"/>
+              <a:t>actuator</a:t>
+            </a:r>
+            <a:r>
+              <a:rPr lang="it-IT" sz="1100" dirty="0"/>
+              <a:t> (3)</a:t>
+            </a:r>
+          </a:p>
+          <a:p>
+            <a:r>
+              <a:rPr lang="it-IT" sz="1100" dirty="0"/>
+              <a:t>Webcam (1)</a:t>
+            </a:r>
+          </a:p>
+          <a:p>
+            <a:r>
+              <a:rPr lang="it-IT" sz="1100" dirty="0"/>
+              <a:t>SD Card Reader (1)</a:t>
+            </a:r>
+          </a:p>
+          <a:p>
+            <a:r>
+              <a:rPr lang="it-IT" sz="1100" dirty="0"/>
+              <a:t>Bluetooth Module (1)</a:t>
+            </a:r>
+          </a:p>
+          <a:p>
+            <a:endParaRPr lang="en-US" sz="1100" dirty="0"/>
+          </a:p>
+        </p:txBody>
+      </p:sp>
+      <p:pic>
+        <p:nvPicPr>
+          <p:cNvPr id="40" name="Graphic 39">
+            <a:extLst>
+              <a:ext uri="{FF2B5EF4-FFF2-40B4-BE49-F238E27FC236}">
+                <a16:creationId xmlns:a16="http://schemas.microsoft.com/office/drawing/2014/main" id="{FC905FFE-5B64-41D0-91D2-FDB96D0252D6}"/>
+              </a:ext>
+              <a:ext uri="{C183D7F6-B498-43B3-948B-1728B52AA6E4}">
+                <adec:decorative xmlns:adec="http://schemas.microsoft.com/office/drawing/2017/decorative" val="1"/>
+              </a:ext>
+            </a:extLst>
+          </p:cNvPr>
+          <p:cNvPicPr>
+            <a:picLocks noGrp="1" noRot="1" noChangeAspect="1" noMove="1" noResize="1" noEditPoints="1" noAdjustHandles="1" noChangeArrowheads="1" noChangeShapeType="1" noCrop="1"/>
+          </p:cNvPicPr>
+          <p:nvPr>
+            <p:extLst>
+              <p:ext uri="{386F3935-93C4-4BCD-93E2-E3B085C9AB24}">
+                <p16:designElem xmlns:p16="http://schemas.microsoft.com/office/powerpoint/2015/main" val="1"/>
+              </p:ext>
+            </p:extLst>
+          </p:nvPr>
+        </p:nvPicPr>
+        <p:blipFill>
+          <a:blip r:embed="rId2">
+            <a:alphaModFix amt="15000"/>
+            <a:extLst>
+              <a:ext uri="{28A0092B-C50C-407E-A947-70E740481C1C}">
+                <a14:useLocalDpi xmlns:a14="http://schemas.microsoft.com/office/drawing/2010/main" val="0"/>
+              </a:ext>
+              <a:ext uri="{96DAC541-7B7A-43D3-8B79-37D633B846F1}">
+                <asvg:svgBlip xmlns:asvg="http://schemas.microsoft.com/office/drawing/2016/SVG/main" r:embed="rId3"/>
+              </a:ext>
+            </a:extLst>
+          </a:blip>
+          <a:stretch>
+            <a:fillRect/>
+          </a:stretch>
+        </p:blipFill>
+        <p:spPr>
+          <a:xfrm>
+            <a:off x="6641431" y="816337"/>
+            <a:ext cx="5225327" cy="5225327"/>
+          </a:xfrm>
+          <a:prstGeom prst="rect">
+            <a:avLst/>
+          </a:prstGeom>
+        </p:spPr>
+      </p:pic>
     </p:spTree>
     <p:extLst>
       <p:ext uri="{BB962C8B-B14F-4D97-AF65-F5344CB8AC3E}">
-        <p14:creationId xmlns:p14="http://schemas.microsoft.com/office/powerpoint/2010/main" val="4250293130"/>
+        <p14:creationId xmlns:p14="http://schemas.microsoft.com/office/powerpoint/2010/main" val="3206960927"/>
       </p:ext>
     </p:extLst>
   </p:cSld>
@@ -4765,6 +9435,14 @@
 <file path=ppt/slides/slide9.xml><?xml version="1.0" encoding="utf-8"?>
 <p:sld xmlns:a="http://schemas.openxmlformats.org/drawingml/2006/main" xmlns:r="http://schemas.openxmlformats.org/officeDocument/2006/relationships" xmlns:p="http://schemas.openxmlformats.org/presentationml/2006/main">
   <p:cSld>
+    <p:bg>
+      <p:bgPr>
+        <a:solidFill>
+          <a:schemeClr val="bg1"/>
+        </a:solidFill>
+        <a:effectLst/>
+      </p:bgPr>
+    </p:bg>
     <p:spTree>
       <p:nvGrpSpPr>
         <p:cNvPr id="1" name=""/>
@@ -4781,10 +9459,809 @@
       </p:grpSpPr>
       <p:sp>
         <p:nvSpPr>
-          <p:cNvPr id="2" name="Titolo 1">
-            <a:extLst>
-              <a:ext uri="{FF2B5EF4-FFF2-40B4-BE49-F238E27FC236}">
-                <a16:creationId xmlns:a16="http://schemas.microsoft.com/office/drawing/2014/main" id="{D39D593B-8C0D-4D05-A561-21E612CD48E5}"/>
+          <p:cNvPr id="10" name="Rectangle 9">
+            <a:extLst>
+              <a:ext uri="{FF2B5EF4-FFF2-40B4-BE49-F238E27FC236}">
+                <a16:creationId xmlns:a16="http://schemas.microsoft.com/office/drawing/2014/main" id="{EE39DFCF-9247-4DE5-BB93-074BFAF07A3F}"/>
+              </a:ext>
+              <a:ext uri="{C183D7F6-B498-43B3-948B-1728B52AA6E4}">
+                <adec:decorative xmlns:adec="http://schemas.microsoft.com/office/drawing/2017/decorative" val="1"/>
+              </a:ext>
+            </a:extLst>
+          </p:cNvPr>
+          <p:cNvSpPr>
+            <a:spLocks noGrp="1" noRot="1" noChangeAspect="1" noMove="1" noResize="1" noEditPoints="1" noAdjustHandles="1" noChangeArrowheads="1" noChangeShapeType="1" noTextEdit="1"/>
+          </p:cNvSpPr>
+          <p:nvPr>
+            <p:extLst>
+              <p:ext uri="{386F3935-93C4-4BCD-93E2-E3B085C9AB24}">
+                <p16:designElem xmlns:p16="http://schemas.microsoft.com/office/powerpoint/2015/main" val="1"/>
+              </p:ext>
+            </p:extLst>
+          </p:nvPr>
+        </p:nvSpPr>
+        <p:spPr>
+          <a:xfrm>
+            <a:off x="0" y="0"/>
+            <a:ext cx="12192000" cy="6858000"/>
+          </a:xfrm>
+          <a:prstGeom prst="rect">
+            <a:avLst/>
+          </a:prstGeom>
+          <a:solidFill>
+            <a:schemeClr val="bg2"/>
+          </a:solidFill>
+          <a:ln>
+            <a:noFill/>
+          </a:ln>
+        </p:spPr>
+        <p:style>
+          <a:lnRef idx="2">
+            <a:schemeClr val="accent1">
+              <a:shade val="50000"/>
+            </a:schemeClr>
+          </a:lnRef>
+          <a:fillRef idx="1">
+            <a:schemeClr val="accent1"/>
+          </a:fillRef>
+          <a:effectRef idx="0">
+            <a:schemeClr val="accent1"/>
+          </a:effectRef>
+          <a:fontRef idx="minor">
+            <a:schemeClr val="lt1"/>
+          </a:fontRef>
+        </p:style>
+        <p:txBody>
+          <a:bodyPr rtlCol="0" anchor="ctr"/>
+          <a:lstStyle/>
+          <a:p>
+            <a:pPr algn="ctr"/>
+            <a:endParaRPr lang="en-US" dirty="0"/>
+          </a:p>
+        </p:txBody>
+      </p:sp>
+      <p:sp>
+        <p:nvSpPr>
+          <p:cNvPr id="12" name="Freeform: Shape 11">
+            <a:extLst>
+              <a:ext uri="{FF2B5EF4-FFF2-40B4-BE49-F238E27FC236}">
+                <a16:creationId xmlns:a16="http://schemas.microsoft.com/office/drawing/2014/main" id="{442B652E-D499-4CDA-8F7A-60469EDBCBE3}"/>
+              </a:ext>
+              <a:ext uri="{C183D7F6-B498-43B3-948B-1728B52AA6E4}">
+                <adec:decorative xmlns:adec="http://schemas.microsoft.com/office/drawing/2017/decorative" val="1"/>
+              </a:ext>
+            </a:extLst>
+          </p:cNvPr>
+          <p:cNvSpPr>
+            <a:spLocks noGrp="1" noRot="1" noChangeAspect="1" noMove="1" noResize="1" noEditPoints="1" noAdjustHandles="1" noChangeArrowheads="1" noChangeShapeType="1" noTextEdit="1"/>
+          </p:cNvSpPr>
+          <p:nvPr>
+            <p:extLst>
+              <p:ext uri="{386F3935-93C4-4BCD-93E2-E3B085C9AB24}">
+                <p16:designElem xmlns:p16="http://schemas.microsoft.com/office/powerpoint/2015/main" val="1"/>
+              </p:ext>
+            </p:extLst>
+          </p:nvPr>
+        </p:nvSpPr>
+        <p:spPr>
+          <a:xfrm rot="2700000">
+            <a:off x="101632" y="996662"/>
+            <a:ext cx="4864676" cy="4864676"/>
+          </a:xfrm>
+          <a:custGeom>
+            <a:avLst/>
+            <a:gdLst>
+              <a:gd name="connsiteX0" fmla="*/ 0 w 4864676"/>
+              <a:gd name="connsiteY0" fmla="*/ 0 h 4864676"/>
+              <a:gd name="connsiteX1" fmla="*/ 4864676 w 4864676"/>
+              <a:gd name="connsiteY1" fmla="*/ 0 h 4864676"/>
+              <a:gd name="connsiteX2" fmla="*/ 4864676 w 4864676"/>
+              <a:gd name="connsiteY2" fmla="*/ 4864676 h 4864676"/>
+              <a:gd name="connsiteX3" fmla="*/ 1281101 w 4864676"/>
+              <a:gd name="connsiteY3" fmla="*/ 4864676 h 4864676"/>
+              <a:gd name="connsiteX4" fmla="*/ 0 w 4864676"/>
+              <a:gd name="connsiteY4" fmla="*/ 3583575 h 4864676"/>
+            </a:gdLst>
+            <a:ahLst/>
+            <a:cxnLst>
+              <a:cxn ang="0">
+                <a:pos x="connsiteX0" y="connsiteY0"/>
+              </a:cxn>
+              <a:cxn ang="0">
+                <a:pos x="connsiteX1" y="connsiteY1"/>
+              </a:cxn>
+              <a:cxn ang="0">
+                <a:pos x="connsiteX2" y="connsiteY2"/>
+              </a:cxn>
+              <a:cxn ang="0">
+                <a:pos x="connsiteX3" y="connsiteY3"/>
+              </a:cxn>
+              <a:cxn ang="0">
+                <a:pos x="connsiteX4" y="connsiteY4"/>
+              </a:cxn>
+            </a:cxnLst>
+            <a:rect l="l" t="t" r="r" b="b"/>
+            <a:pathLst>
+              <a:path w="4864676" h="4864676">
+                <a:moveTo>
+                  <a:pt x="0" y="0"/>
+                </a:moveTo>
+                <a:lnTo>
+                  <a:pt x="4864676" y="0"/>
+                </a:lnTo>
+                <a:lnTo>
+                  <a:pt x="4864676" y="4864676"/>
+                </a:lnTo>
+                <a:lnTo>
+                  <a:pt x="1281101" y="4864676"/>
+                </a:lnTo>
+                <a:lnTo>
+                  <a:pt x="0" y="3583575"/>
+                </a:lnTo>
+                <a:close/>
+              </a:path>
+            </a:pathLst>
+          </a:custGeom>
+          <a:solidFill>
+            <a:schemeClr val="accent1">
+              <a:alpha val="30000"/>
+            </a:schemeClr>
+          </a:solidFill>
+          <a:ln>
+            <a:noFill/>
+          </a:ln>
+        </p:spPr>
+        <p:style>
+          <a:lnRef idx="2">
+            <a:schemeClr val="accent1">
+              <a:shade val="50000"/>
+            </a:schemeClr>
+          </a:lnRef>
+          <a:fillRef idx="1">
+            <a:schemeClr val="accent1"/>
+          </a:fillRef>
+          <a:effectRef idx="0">
+            <a:schemeClr val="accent1"/>
+          </a:effectRef>
+          <a:fontRef idx="minor">
+            <a:schemeClr val="lt1"/>
+          </a:fontRef>
+        </p:style>
+        <p:txBody>
+          <a:bodyPr wrap="square" rtlCol="0" anchor="ctr">
+            <a:noAutofit/>
+          </a:bodyPr>
+          <a:lstStyle/>
+          <a:p>
+            <a:pPr algn="ctr"/>
+            <a:endParaRPr lang="en-US"/>
+          </a:p>
+        </p:txBody>
+      </p:sp>
+      <p:sp>
+        <p:nvSpPr>
+          <p:cNvPr id="14" name="Freeform: Shape 13">
+            <a:extLst>
+              <a:ext uri="{FF2B5EF4-FFF2-40B4-BE49-F238E27FC236}">
+                <a16:creationId xmlns:a16="http://schemas.microsoft.com/office/drawing/2014/main" id="{484A22B8-F5B6-47C2-B88E-DADAF379130D}"/>
+              </a:ext>
+              <a:ext uri="{C183D7F6-B498-43B3-948B-1728B52AA6E4}">
+                <adec:decorative xmlns:adec="http://schemas.microsoft.com/office/drawing/2017/decorative" val="1"/>
+              </a:ext>
+            </a:extLst>
+          </p:cNvPr>
+          <p:cNvSpPr>
+            <a:spLocks noGrp="1" noRot="1" noChangeAspect="1" noMove="1" noResize="1" noEditPoints="1" noAdjustHandles="1" noChangeArrowheads="1" noChangeShapeType="1" noTextEdit="1"/>
+          </p:cNvSpPr>
+          <p:nvPr>
+            <p:extLst>
+              <p:ext uri="{386F3935-93C4-4BCD-93E2-E3B085C9AB24}">
+                <p16:designElem xmlns:p16="http://schemas.microsoft.com/office/powerpoint/2015/main" val="1"/>
+              </p:ext>
+            </p:extLst>
+          </p:nvPr>
+        </p:nvSpPr>
+        <p:spPr>
+          <a:xfrm rot="2700000">
+            <a:off x="7225693" y="996662"/>
+            <a:ext cx="4864676" cy="4864676"/>
+          </a:xfrm>
+          <a:custGeom>
+            <a:avLst/>
+            <a:gdLst>
+              <a:gd name="connsiteX0" fmla="*/ 0 w 4864676"/>
+              <a:gd name="connsiteY0" fmla="*/ 0 h 4864676"/>
+              <a:gd name="connsiteX1" fmla="*/ 3583574 w 4864676"/>
+              <a:gd name="connsiteY1" fmla="*/ 0 h 4864676"/>
+              <a:gd name="connsiteX2" fmla="*/ 4864676 w 4864676"/>
+              <a:gd name="connsiteY2" fmla="*/ 1281103 h 4864676"/>
+              <a:gd name="connsiteX3" fmla="*/ 4864676 w 4864676"/>
+              <a:gd name="connsiteY3" fmla="*/ 4864676 h 4864676"/>
+              <a:gd name="connsiteX4" fmla="*/ 0 w 4864676"/>
+              <a:gd name="connsiteY4" fmla="*/ 4864676 h 4864676"/>
+            </a:gdLst>
+            <a:ahLst/>
+            <a:cxnLst>
+              <a:cxn ang="0">
+                <a:pos x="connsiteX0" y="connsiteY0"/>
+              </a:cxn>
+              <a:cxn ang="0">
+                <a:pos x="connsiteX1" y="connsiteY1"/>
+              </a:cxn>
+              <a:cxn ang="0">
+                <a:pos x="connsiteX2" y="connsiteY2"/>
+              </a:cxn>
+              <a:cxn ang="0">
+                <a:pos x="connsiteX3" y="connsiteY3"/>
+              </a:cxn>
+              <a:cxn ang="0">
+                <a:pos x="connsiteX4" y="connsiteY4"/>
+              </a:cxn>
+            </a:cxnLst>
+            <a:rect l="l" t="t" r="r" b="b"/>
+            <a:pathLst>
+              <a:path w="4864676" h="4864676">
+                <a:moveTo>
+                  <a:pt x="0" y="0"/>
+                </a:moveTo>
+                <a:lnTo>
+                  <a:pt x="3583574" y="0"/>
+                </a:lnTo>
+                <a:lnTo>
+                  <a:pt x="4864676" y="1281103"/>
+                </a:lnTo>
+                <a:lnTo>
+                  <a:pt x="4864676" y="4864676"/>
+                </a:lnTo>
+                <a:lnTo>
+                  <a:pt x="0" y="4864676"/>
+                </a:lnTo>
+                <a:close/>
+              </a:path>
+            </a:pathLst>
+          </a:custGeom>
+          <a:solidFill>
+            <a:schemeClr val="accent1">
+              <a:alpha val="30000"/>
+            </a:schemeClr>
+          </a:solidFill>
+          <a:ln>
+            <a:noFill/>
+          </a:ln>
+        </p:spPr>
+        <p:style>
+          <a:lnRef idx="2">
+            <a:schemeClr val="accent1">
+              <a:shade val="50000"/>
+            </a:schemeClr>
+          </a:lnRef>
+          <a:fillRef idx="1">
+            <a:schemeClr val="accent1"/>
+          </a:fillRef>
+          <a:effectRef idx="0">
+            <a:schemeClr val="accent1"/>
+          </a:effectRef>
+          <a:fontRef idx="minor">
+            <a:schemeClr val="lt1"/>
+          </a:fontRef>
+        </p:style>
+        <p:txBody>
+          <a:bodyPr wrap="square" rtlCol="0" anchor="ctr">
+            <a:noAutofit/>
+          </a:bodyPr>
+          <a:lstStyle/>
+          <a:p>
+            <a:pPr algn="ctr"/>
+            <a:endParaRPr lang="en-US"/>
+          </a:p>
+        </p:txBody>
+      </p:sp>
+      <p:sp>
+        <p:nvSpPr>
+          <p:cNvPr id="16" name="Isosceles Triangle 15">
+            <a:extLst>
+              <a:ext uri="{FF2B5EF4-FFF2-40B4-BE49-F238E27FC236}">
+                <a16:creationId xmlns:a16="http://schemas.microsoft.com/office/drawing/2014/main" id="{A987C18C-164D-4263-B486-4647A98E888E}"/>
+              </a:ext>
+              <a:ext uri="{C183D7F6-B498-43B3-948B-1728B52AA6E4}">
+                <adec:decorative xmlns:adec="http://schemas.microsoft.com/office/drawing/2017/decorative" val="1"/>
+              </a:ext>
+            </a:extLst>
+          </p:cNvPr>
+          <p:cNvSpPr>
+            <a:spLocks noGrp="1" noRot="1" noChangeAspect="1" noMove="1" noResize="1" noEditPoints="1" noAdjustHandles="1" noChangeArrowheads="1" noChangeShapeType="1" noTextEdit="1"/>
+          </p:cNvSpPr>
+          <p:nvPr>
+            <p:extLst>
+              <p:ext uri="{386F3935-93C4-4BCD-93E2-E3B085C9AB24}">
+                <p16:designElem xmlns:p16="http://schemas.microsoft.com/office/powerpoint/2015/main" val="1"/>
+              </p:ext>
+            </p:extLst>
+          </p:nvPr>
+        </p:nvSpPr>
+        <p:spPr>
+          <a:xfrm rot="10800000">
+            <a:off x="2789020" y="1"/>
+            <a:ext cx="6613961" cy="3286380"/>
+          </a:xfrm>
+          <a:prstGeom prst="triangle">
+            <a:avLst/>
+          </a:prstGeom>
+          <a:solidFill>
+            <a:schemeClr val="accent4">
+              <a:alpha val="30000"/>
+            </a:schemeClr>
+          </a:solidFill>
+          <a:ln>
+            <a:noFill/>
+          </a:ln>
+        </p:spPr>
+        <p:style>
+          <a:lnRef idx="2">
+            <a:schemeClr val="accent1">
+              <a:shade val="50000"/>
+            </a:schemeClr>
+          </a:lnRef>
+          <a:fillRef idx="1">
+            <a:schemeClr val="accent1"/>
+          </a:fillRef>
+          <a:effectRef idx="0">
+            <a:schemeClr val="accent1"/>
+          </a:effectRef>
+          <a:fontRef idx="minor">
+            <a:schemeClr val="lt1"/>
+          </a:fontRef>
+        </p:style>
+        <p:txBody>
+          <a:bodyPr rtlCol="0" anchor="ctr"/>
+          <a:lstStyle/>
+          <a:p>
+            <a:pPr algn="ctr"/>
+            <a:endParaRPr lang="en-US"/>
+          </a:p>
+        </p:txBody>
+      </p:sp>
+      <p:sp>
+        <p:nvSpPr>
+          <p:cNvPr id="18" name="Isosceles Triangle 17">
+            <a:extLst>
+              <a:ext uri="{FF2B5EF4-FFF2-40B4-BE49-F238E27FC236}">
+                <a16:creationId xmlns:a16="http://schemas.microsoft.com/office/drawing/2014/main" id="{E7E98B39-04C6-408B-92FD-76862874063D}"/>
+              </a:ext>
+              <a:ext uri="{C183D7F6-B498-43B3-948B-1728B52AA6E4}">
+                <adec:decorative xmlns:adec="http://schemas.microsoft.com/office/drawing/2017/decorative" val="1"/>
+              </a:ext>
+            </a:extLst>
+          </p:cNvPr>
+          <p:cNvSpPr>
+            <a:spLocks noGrp="1" noRot="1" noChangeAspect="1" noMove="1" noResize="1" noEditPoints="1" noAdjustHandles="1" noChangeArrowheads="1" noChangeShapeType="1" noTextEdit="1"/>
+          </p:cNvSpPr>
+          <p:nvPr>
+            <p:extLst>
+              <p:ext uri="{386F3935-93C4-4BCD-93E2-E3B085C9AB24}">
+                <p16:designElem xmlns:p16="http://schemas.microsoft.com/office/powerpoint/2015/main" val="1"/>
+              </p:ext>
+            </p:extLst>
+          </p:nvPr>
+        </p:nvSpPr>
+        <p:spPr>
+          <a:xfrm>
+            <a:off x="2809286" y="3571620"/>
+            <a:ext cx="6613961" cy="3286380"/>
+          </a:xfrm>
+          <a:prstGeom prst="triangle">
+            <a:avLst/>
+          </a:prstGeom>
+          <a:solidFill>
+            <a:schemeClr val="accent4">
+              <a:alpha val="30000"/>
+            </a:schemeClr>
+          </a:solidFill>
+          <a:ln>
+            <a:noFill/>
+          </a:ln>
+        </p:spPr>
+        <p:style>
+          <a:lnRef idx="2">
+            <a:schemeClr val="accent1">
+              <a:shade val="50000"/>
+            </a:schemeClr>
+          </a:lnRef>
+          <a:fillRef idx="1">
+            <a:schemeClr val="accent1"/>
+          </a:fillRef>
+          <a:effectRef idx="0">
+            <a:schemeClr val="accent1"/>
+          </a:effectRef>
+          <a:fontRef idx="minor">
+            <a:schemeClr val="lt1"/>
+          </a:fontRef>
+        </p:style>
+        <p:txBody>
+          <a:bodyPr rtlCol="0" anchor="ctr"/>
+          <a:lstStyle/>
+          <a:p>
+            <a:pPr algn="ctr"/>
+            <a:endParaRPr lang="en-US"/>
+          </a:p>
+        </p:txBody>
+      </p:sp>
+      <p:sp>
+        <p:nvSpPr>
+          <p:cNvPr id="20" name="Freeform: Shape 19">
+            <a:extLst>
+              <a:ext uri="{FF2B5EF4-FFF2-40B4-BE49-F238E27FC236}">
+                <a16:creationId xmlns:a16="http://schemas.microsoft.com/office/drawing/2014/main" id="{981C8C27-2457-421F-BDC4-7B4EA3C78286}"/>
+              </a:ext>
+              <a:ext uri="{C183D7F6-B498-43B3-948B-1728B52AA6E4}">
+                <adec:decorative xmlns:adec="http://schemas.microsoft.com/office/drawing/2017/decorative" val="1"/>
+              </a:ext>
+            </a:extLst>
+          </p:cNvPr>
+          <p:cNvSpPr>
+            <a:spLocks noGrp="1" noRot="1" noChangeAspect="1" noMove="1" noResize="1" noEditPoints="1" noAdjustHandles="1" noChangeArrowheads="1" noChangeShapeType="1" noTextEdit="1"/>
+          </p:cNvSpPr>
+          <p:nvPr>
+            <p:extLst>
+              <p:ext uri="{386F3935-93C4-4BCD-93E2-E3B085C9AB24}">
+                <p16:designElem xmlns:p16="http://schemas.microsoft.com/office/powerpoint/2015/main" val="1"/>
+              </p:ext>
+            </p:extLst>
+          </p:nvPr>
+        </p:nvSpPr>
+        <p:spPr>
+          <a:xfrm rot="2700000">
+            <a:off x="3401311" y="734311"/>
+            <a:ext cx="5389379" cy="5389379"/>
+          </a:xfrm>
+          <a:custGeom>
+            <a:avLst/>
+            <a:gdLst>
+              <a:gd name="connsiteX0" fmla="*/ 0 w 5389379"/>
+              <a:gd name="connsiteY0" fmla="*/ 540040 h 5389379"/>
+              <a:gd name="connsiteX1" fmla="*/ 540040 w 5389379"/>
+              <a:gd name="connsiteY1" fmla="*/ 0 h 5389379"/>
+              <a:gd name="connsiteX2" fmla="*/ 5389379 w 5389379"/>
+              <a:gd name="connsiteY2" fmla="*/ 0 h 5389379"/>
+              <a:gd name="connsiteX3" fmla="*/ 5389379 w 5389379"/>
+              <a:gd name="connsiteY3" fmla="*/ 4838655 h 5389379"/>
+              <a:gd name="connsiteX4" fmla="*/ 4838655 w 5389379"/>
+              <a:gd name="connsiteY4" fmla="*/ 5389379 h 5389379"/>
+              <a:gd name="connsiteX5" fmla="*/ 0 w 5389379"/>
+              <a:gd name="connsiteY5" fmla="*/ 5389379 h 5389379"/>
+            </a:gdLst>
+            <a:ahLst/>
+            <a:cxnLst>
+              <a:cxn ang="0">
+                <a:pos x="connsiteX0" y="connsiteY0"/>
+              </a:cxn>
+              <a:cxn ang="0">
+                <a:pos x="connsiteX1" y="connsiteY1"/>
+              </a:cxn>
+              <a:cxn ang="0">
+                <a:pos x="connsiteX2" y="connsiteY2"/>
+              </a:cxn>
+              <a:cxn ang="0">
+                <a:pos x="connsiteX3" y="connsiteY3"/>
+              </a:cxn>
+              <a:cxn ang="0">
+                <a:pos x="connsiteX4" y="connsiteY4"/>
+              </a:cxn>
+              <a:cxn ang="0">
+                <a:pos x="connsiteX5" y="connsiteY5"/>
+              </a:cxn>
+            </a:cxnLst>
+            <a:rect l="l" t="t" r="r" b="b"/>
+            <a:pathLst>
+              <a:path w="5389379" h="5389379">
+                <a:moveTo>
+                  <a:pt x="0" y="540040"/>
+                </a:moveTo>
+                <a:lnTo>
+                  <a:pt x="540040" y="0"/>
+                </a:lnTo>
+                <a:lnTo>
+                  <a:pt x="5389379" y="0"/>
+                </a:lnTo>
+                <a:lnTo>
+                  <a:pt x="5389379" y="4838655"/>
+                </a:lnTo>
+                <a:lnTo>
+                  <a:pt x="4838655" y="5389379"/>
+                </a:lnTo>
+                <a:lnTo>
+                  <a:pt x="0" y="5389379"/>
+                </a:lnTo>
+                <a:close/>
+              </a:path>
+            </a:pathLst>
+          </a:custGeom>
+          <a:solidFill>
+            <a:srgbClr val="FFFFFF"/>
+          </a:solidFill>
+          <a:ln>
+            <a:noFill/>
+          </a:ln>
+        </p:spPr>
+        <p:style>
+          <a:lnRef idx="2">
+            <a:schemeClr val="accent1">
+              <a:shade val="50000"/>
+            </a:schemeClr>
+          </a:lnRef>
+          <a:fillRef idx="1">
+            <a:schemeClr val="accent1"/>
+          </a:fillRef>
+          <a:effectRef idx="0">
+            <a:schemeClr val="accent1"/>
+          </a:effectRef>
+          <a:fontRef idx="minor">
+            <a:schemeClr val="lt1"/>
+          </a:fontRef>
+        </p:style>
+        <p:txBody>
+          <a:bodyPr wrap="square" rtlCol="0" anchor="ctr">
+            <a:noAutofit/>
+          </a:bodyPr>
+          <a:lstStyle/>
+          <a:p>
+            <a:pPr algn="ctr"/>
+            <a:endParaRPr lang="en-US"/>
+          </a:p>
+        </p:txBody>
+      </p:sp>
+      <p:sp>
+        <p:nvSpPr>
+          <p:cNvPr id="22" name="Rectangle 21">
+            <a:extLst>
+              <a:ext uri="{FF2B5EF4-FFF2-40B4-BE49-F238E27FC236}">
+                <a16:creationId xmlns:a16="http://schemas.microsoft.com/office/drawing/2014/main" id="{CEA13C66-82C1-44AF-972B-8F5CCA41B6D9}"/>
+              </a:ext>
+              <a:ext uri="{C183D7F6-B498-43B3-948B-1728B52AA6E4}">
+                <adec:decorative xmlns:adec="http://schemas.microsoft.com/office/drawing/2017/decorative" val="1"/>
+              </a:ext>
+            </a:extLst>
+          </p:cNvPr>
+          <p:cNvSpPr>
+            <a:spLocks noGrp="1" noRot="1" noChangeAspect="1" noMove="1" noResize="1" noEditPoints="1" noAdjustHandles="1" noChangeArrowheads="1" noChangeShapeType="1" noTextEdit="1"/>
+          </p:cNvSpPr>
+          <p:nvPr>
+            <p:extLst>
+              <p:ext uri="{386F3935-93C4-4BCD-93E2-E3B085C9AB24}">
+                <p16:designElem xmlns:p16="http://schemas.microsoft.com/office/powerpoint/2015/main" val="1"/>
+              </p:ext>
+            </p:extLst>
+          </p:nvPr>
+        </p:nvSpPr>
+        <p:spPr>
+          <a:xfrm rot="2700000">
+            <a:off x="10271208" y="5287803"/>
+            <a:ext cx="955808" cy="955808"/>
+          </a:xfrm>
+          <a:prstGeom prst="rect">
+            <a:avLst/>
+          </a:prstGeom>
+          <a:solidFill>
+            <a:schemeClr val="accent1">
+              <a:alpha val="30000"/>
+            </a:schemeClr>
+          </a:solidFill>
+          <a:ln>
+            <a:noFill/>
+          </a:ln>
+        </p:spPr>
+        <p:style>
+          <a:lnRef idx="2">
+            <a:schemeClr val="accent1">
+              <a:shade val="50000"/>
+            </a:schemeClr>
+          </a:lnRef>
+          <a:fillRef idx="1">
+            <a:schemeClr val="accent1"/>
+          </a:fillRef>
+          <a:effectRef idx="0">
+            <a:schemeClr val="accent1"/>
+          </a:effectRef>
+          <a:fontRef idx="minor">
+            <a:schemeClr val="lt1"/>
+          </a:fontRef>
+        </p:style>
+        <p:txBody>
+          <a:bodyPr wrap="square" rtlCol="0" anchor="ctr">
+            <a:noAutofit/>
+          </a:bodyPr>
+          <a:lstStyle/>
+          <a:p>
+            <a:pPr algn="ctr"/>
+            <a:endParaRPr lang="en-US"/>
+          </a:p>
+        </p:txBody>
+      </p:sp>
+      <p:sp>
+        <p:nvSpPr>
+          <p:cNvPr id="24" name="Freeform: Shape 23">
+            <a:extLst>
+              <a:ext uri="{FF2B5EF4-FFF2-40B4-BE49-F238E27FC236}">
+                <a16:creationId xmlns:a16="http://schemas.microsoft.com/office/drawing/2014/main" id="{9DB36437-FE59-457E-91A7-396BBD3C9C6A}"/>
+              </a:ext>
+              <a:ext uri="{C183D7F6-B498-43B3-948B-1728B52AA6E4}">
+                <adec:decorative xmlns:adec="http://schemas.microsoft.com/office/drawing/2017/decorative" val="1"/>
+              </a:ext>
+            </a:extLst>
+          </p:cNvPr>
+          <p:cNvSpPr>
+            <a:spLocks noGrp="1" noRot="1" noChangeAspect="1" noMove="1" noResize="1" noEditPoints="1" noAdjustHandles="1" noChangeArrowheads="1" noChangeShapeType="1" noTextEdit="1"/>
+          </p:cNvSpPr>
+          <p:nvPr>
+            <p:extLst>
+              <p:ext uri="{386F3935-93C4-4BCD-93E2-E3B085C9AB24}">
+                <p16:designElem xmlns:p16="http://schemas.microsoft.com/office/powerpoint/2015/main" val="1"/>
+              </p:ext>
+            </p:extLst>
+          </p:nvPr>
+        </p:nvSpPr>
+        <p:spPr>
+          <a:xfrm rot="2700000">
+            <a:off x="2700283" y="33283"/>
+            <a:ext cx="6791435" cy="6791435"/>
+          </a:xfrm>
+          <a:custGeom>
+            <a:avLst/>
+            <a:gdLst>
+              <a:gd name="connsiteX0" fmla="*/ 1860938 w 6791435"/>
+              <a:gd name="connsiteY0" fmla="*/ 81158 h 6791435"/>
+              <a:gd name="connsiteX1" fmla="*/ 1942096 w 6791435"/>
+              <a:gd name="connsiteY1" fmla="*/ 0 h 6791435"/>
+              <a:gd name="connsiteX2" fmla="*/ 6791435 w 6791435"/>
+              <a:gd name="connsiteY2" fmla="*/ 0 h 6791435"/>
+              <a:gd name="connsiteX3" fmla="*/ 6791435 w 6791435"/>
+              <a:gd name="connsiteY3" fmla="*/ 4838655 h 6791435"/>
+              <a:gd name="connsiteX4" fmla="*/ 6710277 w 6791435"/>
+              <a:gd name="connsiteY4" fmla="*/ 4919813 h 6791435"/>
+              <a:gd name="connsiteX5" fmla="*/ 6710277 w 6791435"/>
+              <a:gd name="connsiteY5" fmla="*/ 81158 h 6791435"/>
+              <a:gd name="connsiteX6" fmla="*/ 0 w 6791435"/>
+              <a:gd name="connsiteY6" fmla="*/ 1942096 h 6791435"/>
+              <a:gd name="connsiteX7" fmla="*/ 81158 w 6791435"/>
+              <a:gd name="connsiteY7" fmla="*/ 1860938 h 6791435"/>
+              <a:gd name="connsiteX8" fmla="*/ 81158 w 6791435"/>
+              <a:gd name="connsiteY8" fmla="*/ 6710277 h 6791435"/>
+              <a:gd name="connsiteX9" fmla="*/ 4919813 w 6791435"/>
+              <a:gd name="connsiteY9" fmla="*/ 6710277 h 6791435"/>
+              <a:gd name="connsiteX10" fmla="*/ 4838655 w 6791435"/>
+              <a:gd name="connsiteY10" fmla="*/ 6791435 h 6791435"/>
+              <a:gd name="connsiteX11" fmla="*/ 0 w 6791435"/>
+              <a:gd name="connsiteY11" fmla="*/ 6791435 h 6791435"/>
+            </a:gdLst>
+            <a:ahLst/>
+            <a:cxnLst>
+              <a:cxn ang="0">
+                <a:pos x="connsiteX0" y="connsiteY0"/>
+              </a:cxn>
+              <a:cxn ang="0">
+                <a:pos x="connsiteX1" y="connsiteY1"/>
+              </a:cxn>
+              <a:cxn ang="0">
+                <a:pos x="connsiteX2" y="connsiteY2"/>
+              </a:cxn>
+              <a:cxn ang="0">
+                <a:pos x="connsiteX3" y="connsiteY3"/>
+              </a:cxn>
+              <a:cxn ang="0">
+                <a:pos x="connsiteX4" y="connsiteY4"/>
+              </a:cxn>
+              <a:cxn ang="0">
+                <a:pos x="connsiteX5" y="connsiteY5"/>
+              </a:cxn>
+              <a:cxn ang="0">
+                <a:pos x="connsiteX6" y="connsiteY6"/>
+              </a:cxn>
+              <a:cxn ang="0">
+                <a:pos x="connsiteX7" y="connsiteY7"/>
+              </a:cxn>
+              <a:cxn ang="0">
+                <a:pos x="connsiteX8" y="connsiteY8"/>
+              </a:cxn>
+              <a:cxn ang="0">
+                <a:pos x="connsiteX9" y="connsiteY9"/>
+              </a:cxn>
+              <a:cxn ang="0">
+                <a:pos x="connsiteX10" y="connsiteY10"/>
+              </a:cxn>
+              <a:cxn ang="0">
+                <a:pos x="connsiteX11" y="connsiteY11"/>
+              </a:cxn>
+            </a:cxnLst>
+            <a:rect l="l" t="t" r="r" b="b"/>
+            <a:pathLst>
+              <a:path w="6791435" h="6791435">
+                <a:moveTo>
+                  <a:pt x="1860938" y="81158"/>
+                </a:moveTo>
+                <a:lnTo>
+                  <a:pt x="1942096" y="0"/>
+                </a:lnTo>
+                <a:lnTo>
+                  <a:pt x="6791435" y="0"/>
+                </a:lnTo>
+                <a:lnTo>
+                  <a:pt x="6791435" y="4838655"/>
+                </a:lnTo>
+                <a:lnTo>
+                  <a:pt x="6710277" y="4919813"/>
+                </a:lnTo>
+                <a:lnTo>
+                  <a:pt x="6710277" y="81158"/>
+                </a:lnTo>
+                <a:close/>
+                <a:moveTo>
+                  <a:pt x="0" y="1942096"/>
+                </a:moveTo>
+                <a:lnTo>
+                  <a:pt x="81158" y="1860938"/>
+                </a:lnTo>
+                <a:lnTo>
+                  <a:pt x="81158" y="6710277"/>
+                </a:lnTo>
+                <a:lnTo>
+                  <a:pt x="4919813" y="6710277"/>
+                </a:lnTo>
+                <a:lnTo>
+                  <a:pt x="4838655" y="6791435"/>
+                </a:lnTo>
+                <a:lnTo>
+                  <a:pt x="0" y="6791435"/>
+                </a:lnTo>
+                <a:close/>
+              </a:path>
+            </a:pathLst>
+          </a:custGeom>
+          <a:solidFill>
+            <a:srgbClr val="FFFFFF">
+              <a:alpha val="60000"/>
+            </a:srgbClr>
+          </a:solidFill>
+          <a:ln>
+            <a:noFill/>
+          </a:ln>
+        </p:spPr>
+        <p:style>
+          <a:lnRef idx="2">
+            <a:schemeClr val="accent1">
+              <a:shade val="50000"/>
+            </a:schemeClr>
+          </a:lnRef>
+          <a:fillRef idx="1">
+            <a:schemeClr val="accent1"/>
+          </a:fillRef>
+          <a:effectRef idx="0">
+            <a:schemeClr val="accent1"/>
+          </a:effectRef>
+          <a:fontRef idx="minor">
+            <a:schemeClr val="lt1"/>
+          </a:fontRef>
+        </p:style>
+        <p:txBody>
+          <a:bodyPr wrap="square" rtlCol="0" anchor="ctr">
+            <a:noAutofit/>
+          </a:bodyPr>
+          <a:lstStyle/>
+          <a:p>
+            <a:pPr algn="ctr"/>
+            <a:endParaRPr lang="en-US">
+              <a:solidFill>
+                <a:schemeClr val="tx1"/>
+              </a:solidFill>
+            </a:endParaRPr>
+          </a:p>
+        </p:txBody>
+      </p:sp>
+      <p:sp>
+        <p:nvSpPr>
+          <p:cNvPr id="2" name="Title 1">
+            <a:extLst>
+              <a:ext uri="{FF2B5EF4-FFF2-40B4-BE49-F238E27FC236}">
+                <a16:creationId xmlns:a16="http://schemas.microsoft.com/office/drawing/2014/main" id="{E7FE4CF3-64BA-4863-A175-2F8C611F65D0}"/>
               </a:ext>
             </a:extLst>
           </p:cNvPr>
@@ -4795,185 +10272,170 @@
             <p:ph type="title"/>
           </p:nvPr>
         </p:nvSpPr>
-        <p:spPr/>
-        <p:txBody>
-          <a:bodyPr/>
-          <a:lstStyle/>
-          <a:p>
-            <a:r>
-              <a:rPr lang="it-IT" dirty="0"/>
-              <a:t>4. Application</a:t>
-            </a:r>
-          </a:p>
-        </p:txBody>
-      </p:sp>
-      <p:sp>
-        <p:nvSpPr>
-          <p:cNvPr id="3" name="Segnaposto contenuto 2">
-            <a:extLst>
-              <a:ext uri="{FF2B5EF4-FFF2-40B4-BE49-F238E27FC236}">
-                <a16:creationId xmlns:a16="http://schemas.microsoft.com/office/drawing/2014/main" id="{F0D2C4FE-540F-4780-BA23-745E615C5A9B}"/>
-              </a:ext>
-            </a:extLst>
-          </p:cNvPr>
-          <p:cNvSpPr>
-            <a:spLocks noGrp="1"/>
-          </p:cNvSpPr>
-          <p:nvPr>
-            <p:ph idx="1"/>
-          </p:nvPr>
-        </p:nvSpPr>
-        <p:spPr/>
-        <p:txBody>
-          <a:bodyPr/>
-          <a:lstStyle/>
-          <a:p>
-            <a:r>
-              <a:rPr lang="it-IT" dirty="0" err="1"/>
-              <a:t>Arduinos</a:t>
-            </a:r>
-            <a:r>
-              <a:rPr lang="it-IT" dirty="0"/>
-              <a:t> </a:t>
-            </a:r>
-            <a:r>
-              <a:rPr lang="it-IT" dirty="0" err="1"/>
-              <a:t>connect</a:t>
-            </a:r>
-            <a:r>
-              <a:rPr lang="it-IT" dirty="0"/>
-              <a:t> to a smartphone app </a:t>
-            </a:r>
-            <a:r>
-              <a:rPr lang="it-IT" dirty="0" err="1"/>
-              <a:t>which</a:t>
-            </a:r>
-            <a:r>
-              <a:rPr lang="it-IT" dirty="0"/>
-              <a:t> </a:t>
-            </a:r>
-            <a:r>
-              <a:rPr lang="it-IT" dirty="0" err="1"/>
-              <a:t>elaborates</a:t>
-            </a:r>
-            <a:r>
-              <a:rPr lang="it-IT" dirty="0"/>
-              <a:t> input data (from </a:t>
-            </a:r>
-            <a:r>
-              <a:rPr lang="it-IT" dirty="0" err="1"/>
-              <a:t>proximity</a:t>
-            </a:r>
-            <a:r>
-              <a:rPr lang="it-IT" dirty="0"/>
-              <a:t> </a:t>
-            </a:r>
-            <a:r>
-              <a:rPr lang="it-IT" dirty="0" err="1"/>
-              <a:t>sensors</a:t>
-            </a:r>
-            <a:r>
-              <a:rPr lang="it-IT" dirty="0"/>
-              <a:t>, </a:t>
-            </a:r>
-            <a:r>
-              <a:rPr lang="it-IT" dirty="0" err="1"/>
-              <a:t>accelerometer</a:t>
-            </a:r>
-            <a:r>
-              <a:rPr lang="it-IT" dirty="0"/>
-              <a:t>) and </a:t>
-            </a:r>
-            <a:r>
-              <a:rPr lang="it-IT" dirty="0" err="1"/>
-              <a:t>returns</a:t>
-            </a:r>
-            <a:r>
-              <a:rPr lang="it-IT" dirty="0"/>
-              <a:t> output (via speaker, </a:t>
-            </a:r>
-            <a:r>
-              <a:rPr lang="it-IT" dirty="0" err="1"/>
-              <a:t>vibration</a:t>
-            </a:r>
-            <a:r>
-              <a:rPr lang="it-IT" dirty="0"/>
-              <a:t> </a:t>
-            </a:r>
-            <a:r>
-              <a:rPr lang="it-IT" dirty="0" err="1"/>
-              <a:t>actuator</a:t>
-            </a:r>
-            <a:r>
-              <a:rPr lang="it-IT" dirty="0"/>
-              <a:t>).</a:t>
-            </a:r>
-          </a:p>
-          <a:p>
-            <a:r>
-              <a:rPr lang="it-IT" dirty="0" err="1"/>
-              <a:t>It</a:t>
-            </a:r>
-            <a:r>
-              <a:rPr lang="it-IT" dirty="0"/>
-              <a:t> </a:t>
-            </a:r>
-            <a:r>
-              <a:rPr lang="it-IT" dirty="0" err="1"/>
-              <a:t>also</a:t>
-            </a:r>
-            <a:r>
-              <a:rPr lang="it-IT" dirty="0"/>
-              <a:t> sets </a:t>
-            </a:r>
-            <a:r>
-              <a:rPr lang="it-IT" dirty="0" err="1"/>
-              <a:t>navigation</a:t>
-            </a:r>
-            <a:r>
-              <a:rPr lang="it-IT" dirty="0"/>
-              <a:t> </a:t>
-            </a:r>
-            <a:r>
-              <a:rPr lang="it-IT" dirty="0" err="1"/>
-              <a:t>path</a:t>
-            </a:r>
-            <a:r>
-              <a:rPr lang="it-IT" dirty="0"/>
-              <a:t> and </a:t>
-            </a:r>
-            <a:r>
-              <a:rPr lang="it-IT" dirty="0" err="1"/>
-              <a:t>returns</a:t>
-            </a:r>
-            <a:r>
-              <a:rPr lang="it-IT" dirty="0"/>
-              <a:t> </a:t>
-            </a:r>
-            <a:r>
-              <a:rPr lang="it-IT" dirty="0" err="1"/>
-              <a:t>instruction</a:t>
-            </a:r>
-            <a:r>
-              <a:rPr lang="it-IT" dirty="0"/>
-              <a:t> </a:t>
-            </a:r>
-            <a:r>
-              <a:rPr lang="it-IT" dirty="0" err="1"/>
-              <a:t>using</a:t>
-            </a:r>
-            <a:r>
-              <a:rPr lang="it-IT"/>
-              <a:t> speakers.</a:t>
-            </a:r>
-            <a:endParaRPr lang="it-IT" dirty="0"/>
+        <p:spPr>
+          <a:xfrm>
+            <a:off x="3204642" y="2353641"/>
+            <a:ext cx="5782716" cy="2150719"/>
+          </a:xfrm>
+          <a:noFill/>
+        </p:spPr>
+        <p:txBody>
+          <a:bodyPr vert="horz" lIns="91440" tIns="45720" rIns="91440" bIns="45720" rtlCol="0" anchor="ctr">
+            <a:normAutofit/>
+          </a:bodyPr>
+          <a:lstStyle/>
+          <a:p>
+            <a:pPr algn="ctr"/>
+            <a:r>
+              <a:rPr lang="en-US" sz="3600" kern="1200">
+                <a:solidFill>
+                  <a:srgbClr val="080808"/>
+                </a:solidFill>
+                <a:latin typeface="+mj-lt"/>
+                <a:ea typeface="+mj-ea"/>
+                <a:cs typeface="+mj-cs"/>
+              </a:rPr>
+              <a:t>Thanks for the attention</a:t>
+            </a:r>
+          </a:p>
+        </p:txBody>
+      </p:sp>
+      <p:sp>
+        <p:nvSpPr>
+          <p:cNvPr id="26" name="Rectangle 25">
+            <a:extLst>
+              <a:ext uri="{FF2B5EF4-FFF2-40B4-BE49-F238E27FC236}">
+                <a16:creationId xmlns:a16="http://schemas.microsoft.com/office/drawing/2014/main" id="{844D3693-2EFE-4667-89D5-47E2D5920912}"/>
+              </a:ext>
+              <a:ext uri="{C183D7F6-B498-43B3-948B-1728B52AA6E4}">
+                <adec:decorative xmlns:adec="http://schemas.microsoft.com/office/drawing/2017/decorative" val="1"/>
+              </a:ext>
+            </a:extLst>
+          </p:cNvPr>
+          <p:cNvSpPr>
+            <a:spLocks noGrp="1" noRot="1" noChangeAspect="1" noMove="1" noResize="1" noEditPoints="1" noAdjustHandles="1" noChangeArrowheads="1" noChangeShapeType="1" noTextEdit="1"/>
+          </p:cNvSpPr>
+          <p:nvPr>
+            <p:extLst>
+              <p:ext uri="{386F3935-93C4-4BCD-93E2-E3B085C9AB24}">
+                <p16:designElem xmlns:p16="http://schemas.microsoft.com/office/powerpoint/2015/main" val="1"/>
+              </p:ext>
+            </p:extLst>
+          </p:nvPr>
+        </p:nvSpPr>
+        <p:spPr>
+          <a:xfrm rot="2700000">
+            <a:off x="1042846" y="410171"/>
+            <a:ext cx="1321281" cy="1321281"/>
+          </a:xfrm>
+          <a:prstGeom prst="rect">
+            <a:avLst/>
+          </a:prstGeom>
+          <a:solidFill>
+            <a:schemeClr val="accent4">
+              <a:alpha val="40000"/>
+            </a:schemeClr>
+          </a:solidFill>
+          <a:ln>
+            <a:noFill/>
+          </a:ln>
+        </p:spPr>
+        <p:style>
+          <a:lnRef idx="2">
+            <a:schemeClr val="accent1">
+              <a:shade val="50000"/>
+            </a:schemeClr>
+          </a:lnRef>
+          <a:fillRef idx="1">
+            <a:schemeClr val="accent1"/>
+          </a:fillRef>
+          <a:effectRef idx="0">
+            <a:schemeClr val="accent1"/>
+          </a:effectRef>
+          <a:fontRef idx="minor">
+            <a:schemeClr val="lt1"/>
+          </a:fontRef>
+        </p:style>
+        <p:txBody>
+          <a:bodyPr rtlCol="0" anchor="ctr"/>
+          <a:lstStyle/>
+          <a:p>
+            <a:pPr algn="ctr"/>
+            <a:endParaRPr lang="en-US"/>
+          </a:p>
+        </p:txBody>
+      </p:sp>
+      <p:sp>
+        <p:nvSpPr>
+          <p:cNvPr id="28" name="Rectangle 27">
+            <a:extLst>
+              <a:ext uri="{FF2B5EF4-FFF2-40B4-BE49-F238E27FC236}">
+                <a16:creationId xmlns:a16="http://schemas.microsoft.com/office/drawing/2014/main" id="{C21FD796-9CD0-404D-8DF5-5274C0BCC754}"/>
+              </a:ext>
+              <a:ext uri="{C183D7F6-B498-43B3-948B-1728B52AA6E4}">
+                <adec:decorative xmlns:adec="http://schemas.microsoft.com/office/drawing/2017/decorative" val="1"/>
+              </a:ext>
+            </a:extLst>
+          </p:cNvPr>
+          <p:cNvSpPr>
+            <a:spLocks noGrp="1" noRot="1" noChangeAspect="1" noMove="1" noResize="1" noEditPoints="1" noAdjustHandles="1" noChangeArrowheads="1" noChangeShapeType="1" noTextEdit="1"/>
+          </p:cNvSpPr>
+          <p:nvPr>
+            <p:extLst>
+              <p:ext uri="{386F3935-93C4-4BCD-93E2-E3B085C9AB24}">
+                <p16:designElem xmlns:p16="http://schemas.microsoft.com/office/powerpoint/2015/main" val="1"/>
+              </p:ext>
+            </p:extLst>
+          </p:nvPr>
+        </p:nvSpPr>
+        <p:spPr>
+          <a:xfrm rot="2700000">
+            <a:off x="430319" y="1508609"/>
+            <a:ext cx="700047" cy="700047"/>
+          </a:xfrm>
+          <a:prstGeom prst="rect">
+            <a:avLst/>
+          </a:prstGeom>
+          <a:solidFill>
+            <a:schemeClr val="accent1">
+              <a:alpha val="30000"/>
+            </a:schemeClr>
+          </a:solidFill>
+          <a:ln>
+            <a:noFill/>
+          </a:ln>
+        </p:spPr>
+        <p:style>
+          <a:lnRef idx="2">
+            <a:schemeClr val="accent1">
+              <a:shade val="50000"/>
+            </a:schemeClr>
+          </a:lnRef>
+          <a:fillRef idx="1">
+            <a:schemeClr val="accent1"/>
+          </a:fillRef>
+          <a:effectRef idx="0">
+            <a:schemeClr val="accent1"/>
+          </a:effectRef>
+          <a:fontRef idx="minor">
+            <a:schemeClr val="lt1"/>
+          </a:fontRef>
+        </p:style>
+        <p:txBody>
+          <a:bodyPr wrap="square" rtlCol="0" anchor="ctr">
+            <a:noAutofit/>
+          </a:bodyPr>
+          <a:lstStyle/>
+          <a:p>
+            <a:pPr algn="ctr"/>
+            <a:endParaRPr lang="en-US"/>
           </a:p>
         </p:txBody>
       </p:sp>
     </p:spTree>
     <p:extLst>
       <p:ext uri="{BB962C8B-B14F-4D97-AF65-F5344CB8AC3E}">
-        <p14:creationId xmlns:p14="http://schemas.microsoft.com/office/powerpoint/2010/main" val="2120250075"/>
+        <p14:creationId xmlns:p14="http://schemas.microsoft.com/office/powerpoint/2010/main" val="2385177672"/>
       </p:ext>
     </p:extLst>
   </p:cSld>

--- a/Blinduino.pptx
+++ b/Blinduino.pptx
@@ -267,7 +267,7 @@
           <a:p>
             <a:fld id="{AEDD2DC0-888E-420C-B03A-0DB9478EE249}" type="datetimeFigureOut">
               <a:rPr lang="it-IT" smtClean="0"/>
-              <a:t>06/03/2020</a:t>
+              <a:t>28/04/2020</a:t>
             </a:fld>
             <a:endParaRPr lang="it-IT"/>
           </a:p>
@@ -465,7 +465,7 @@
           <a:p>
             <a:fld id="{AEDD2DC0-888E-420C-B03A-0DB9478EE249}" type="datetimeFigureOut">
               <a:rPr lang="it-IT" smtClean="0"/>
-              <a:t>06/03/2020</a:t>
+              <a:t>28/04/2020</a:t>
             </a:fld>
             <a:endParaRPr lang="it-IT"/>
           </a:p>
@@ -673,7 +673,7 @@
           <a:p>
             <a:fld id="{AEDD2DC0-888E-420C-B03A-0DB9478EE249}" type="datetimeFigureOut">
               <a:rPr lang="it-IT" smtClean="0"/>
-              <a:t>06/03/2020</a:t>
+              <a:t>28/04/2020</a:t>
             </a:fld>
             <a:endParaRPr lang="it-IT"/>
           </a:p>
@@ -871,7 +871,7 @@
           <a:p>
             <a:fld id="{AEDD2DC0-888E-420C-B03A-0DB9478EE249}" type="datetimeFigureOut">
               <a:rPr lang="it-IT" smtClean="0"/>
-              <a:t>06/03/2020</a:t>
+              <a:t>28/04/2020</a:t>
             </a:fld>
             <a:endParaRPr lang="it-IT"/>
           </a:p>
@@ -1146,7 +1146,7 @@
           <a:p>
             <a:fld id="{AEDD2DC0-888E-420C-B03A-0DB9478EE249}" type="datetimeFigureOut">
               <a:rPr lang="it-IT" smtClean="0"/>
-              <a:t>06/03/2020</a:t>
+              <a:t>28/04/2020</a:t>
             </a:fld>
             <a:endParaRPr lang="it-IT"/>
           </a:p>
@@ -1411,7 +1411,7 @@
           <a:p>
             <a:fld id="{AEDD2DC0-888E-420C-B03A-0DB9478EE249}" type="datetimeFigureOut">
               <a:rPr lang="it-IT" smtClean="0"/>
-              <a:t>06/03/2020</a:t>
+              <a:t>28/04/2020</a:t>
             </a:fld>
             <a:endParaRPr lang="it-IT"/>
           </a:p>
@@ -1823,7 +1823,7 @@
           <a:p>
             <a:fld id="{AEDD2DC0-888E-420C-B03A-0DB9478EE249}" type="datetimeFigureOut">
               <a:rPr lang="it-IT" smtClean="0"/>
-              <a:t>06/03/2020</a:t>
+              <a:t>28/04/2020</a:t>
             </a:fld>
             <a:endParaRPr lang="it-IT"/>
           </a:p>
@@ -1964,7 +1964,7 @@
           <a:p>
             <a:fld id="{AEDD2DC0-888E-420C-B03A-0DB9478EE249}" type="datetimeFigureOut">
               <a:rPr lang="it-IT" smtClean="0"/>
-              <a:t>06/03/2020</a:t>
+              <a:t>28/04/2020</a:t>
             </a:fld>
             <a:endParaRPr lang="it-IT"/>
           </a:p>
@@ -2077,7 +2077,7 @@
           <a:p>
             <a:fld id="{AEDD2DC0-888E-420C-B03A-0DB9478EE249}" type="datetimeFigureOut">
               <a:rPr lang="it-IT" smtClean="0"/>
-              <a:t>06/03/2020</a:t>
+              <a:t>28/04/2020</a:t>
             </a:fld>
             <a:endParaRPr lang="it-IT"/>
           </a:p>
@@ -2388,7 +2388,7 @@
           <a:p>
             <a:fld id="{AEDD2DC0-888E-420C-B03A-0DB9478EE249}" type="datetimeFigureOut">
               <a:rPr lang="it-IT" smtClean="0"/>
-              <a:t>06/03/2020</a:t>
+              <a:t>28/04/2020</a:t>
             </a:fld>
             <a:endParaRPr lang="it-IT"/>
           </a:p>
@@ -2676,7 +2676,7 @@
           <a:p>
             <a:fld id="{AEDD2DC0-888E-420C-B03A-0DB9478EE249}" type="datetimeFigureOut">
               <a:rPr lang="it-IT" smtClean="0"/>
-              <a:t>06/03/2020</a:t>
+              <a:t>28/04/2020</a:t>
             </a:fld>
             <a:endParaRPr lang="it-IT"/>
           </a:p>
@@ -2917,7 +2917,7 @@
           <a:p>
             <a:fld id="{AEDD2DC0-888E-420C-B03A-0DB9478EE249}" type="datetimeFigureOut">
               <a:rPr lang="it-IT" smtClean="0"/>
-              <a:t>06/03/2020</a:t>
+              <a:t>28/04/2020</a:t>
             </a:fld>
             <a:endParaRPr lang="it-IT"/>
           </a:p>
@@ -5650,7 +5650,23 @@
             <a:pPr lvl="1"/>
             <a:r>
               <a:rPr lang="it-IT" sz="2200" dirty="0"/>
-              <a:t>One is placed on the fronthead,</a:t>
+              <a:t>One is placed on the </a:t>
+            </a:r>
+            <a:r>
+              <a:rPr lang="it-IT" sz="2200" dirty="0" err="1"/>
+              <a:t>fronthead</a:t>
+            </a:r>
+            <a:r>
+              <a:rPr lang="it-IT" sz="2200" dirty="0"/>
+              <a:t>/</a:t>
+            </a:r>
+            <a:r>
+              <a:rPr lang="it-IT" sz="2200" dirty="0" err="1"/>
+              <a:t>hat</a:t>
+            </a:r>
+            <a:r>
+              <a:rPr lang="it-IT" sz="2200" dirty="0"/>
+              <a:t>,</a:t>
             </a:r>
           </a:p>
           <a:p>
@@ -6947,7 +6963,31 @@
             </a:r>
             <a:r>
               <a:rPr lang="it-IT" sz="2700" dirty="0"/>
-              <a:t> to the user.</a:t>
+              <a:t> to the user </a:t>
+            </a:r>
+            <a:r>
+              <a:rPr lang="it-IT" sz="2700" dirty="0" err="1"/>
+              <a:t>vocally</a:t>
+            </a:r>
+            <a:r>
+              <a:rPr lang="it-IT" sz="2700" dirty="0"/>
+              <a:t> via the </a:t>
+            </a:r>
+            <a:r>
+              <a:rPr lang="it-IT" sz="2700" dirty="0" err="1"/>
+              <a:t>smarphone</a:t>
+            </a:r>
+            <a:r>
+              <a:rPr lang="it-IT" sz="2700" dirty="0"/>
+              <a:t> </a:t>
+            </a:r>
+            <a:r>
+              <a:rPr lang="it-IT" sz="2700" dirty="0" err="1"/>
+              <a:t>application</a:t>
+            </a:r>
+            <a:r>
+              <a:rPr lang="it-IT" sz="2700" dirty="0"/>
+              <a:t>.</a:t>
             </a:r>
           </a:p>
         </p:txBody>
